--- a/report/Final Ppt-Leaf disease.pptx
+++ b/report/Final Ppt-Leaf disease.pptx
@@ -136,6 +136,22 @@
       </a:defRPr>
     </a:lvl9pPr>
   </p:defaultTextStyle>
+  <p:extLst>
+    <p:ext uri="{EFAFB233-063F-42B5-8137-9DF3F51BA10A}">
+      <p15:sldGuideLst xmlns:p15="http://schemas.microsoft.com/office/powerpoint/2012/main">
+        <p15:guide id="1" orient="horz" pos="2160">
+          <p15:clr>
+            <a:srgbClr val="A4A3A4"/>
+          </p15:clr>
+        </p15:guide>
+        <p15:guide id="2" pos="4015">
+          <p15:clr>
+            <a:srgbClr val="A4A3A4"/>
+          </p15:clr>
+        </p15:guide>
+      </p15:sldGuideLst>
+    </p:ext>
+  </p:extLst>
 </p:presentation>
 </file>
 
@@ -177,7 +193,7 @@
           <a:lstStyle/>
           <a:p>
             <a:r>
-              <a:rPr lang="en-US" smtClean="0"/>
+              <a:rPr lang="en-US"/>
               <a:t>Click to edit Master title style</a:t>
             </a:r>
             <a:endParaRPr lang="en-IN"/>
@@ -296,7 +312,7 @@
           </a:lstStyle>
           <a:p>
             <a:r>
-              <a:rPr lang="en-US" smtClean="0"/>
+              <a:rPr lang="en-US"/>
               <a:t>Click to edit Master subtitle style</a:t>
             </a:r>
             <a:endParaRPr lang="en-IN"/>
@@ -414,7 +430,7 @@
           <a:lstStyle/>
           <a:p>
             <a:r>
-              <a:rPr lang="en-US" smtClean="0"/>
+              <a:rPr lang="en-US"/>
               <a:t>Click to edit Master title style</a:t>
             </a:r>
             <a:endParaRPr lang="en-IN"/>
@@ -438,35 +454,35 @@
           <a:p>
             <a:pPr lvl="0"/>
             <a:r>
-              <a:rPr lang="en-US" smtClean="0"/>
+              <a:rPr lang="en-US"/>
               <a:t>Click to edit Master text styles</a:t>
             </a:r>
           </a:p>
           <a:p>
             <a:pPr lvl="1"/>
             <a:r>
-              <a:rPr lang="en-US" smtClean="0"/>
+              <a:rPr lang="en-US"/>
               <a:t>Second level</a:t>
             </a:r>
           </a:p>
           <a:p>
             <a:pPr lvl="2"/>
             <a:r>
-              <a:rPr lang="en-US" smtClean="0"/>
+              <a:rPr lang="en-US"/>
               <a:t>Third level</a:t>
             </a:r>
           </a:p>
           <a:p>
             <a:pPr lvl="3"/>
             <a:r>
-              <a:rPr lang="en-US" smtClean="0"/>
+              <a:rPr lang="en-US"/>
               <a:t>Fourth level</a:t>
             </a:r>
           </a:p>
           <a:p>
             <a:pPr lvl="4"/>
             <a:r>
-              <a:rPr lang="en-US" smtClean="0"/>
+              <a:rPr lang="en-US"/>
               <a:t>Fifth level</a:t>
             </a:r>
             <a:endParaRPr lang="en-IN"/>
@@ -589,7 +605,7 @@
           <a:lstStyle/>
           <a:p>
             <a:r>
-              <a:rPr lang="en-US" smtClean="0"/>
+              <a:rPr lang="en-US"/>
               <a:t>Click to edit Master title style</a:t>
             </a:r>
             <a:endParaRPr lang="en-IN"/>
@@ -618,35 +634,35 @@
           <a:p>
             <a:pPr lvl="0"/>
             <a:r>
-              <a:rPr lang="en-US" smtClean="0"/>
+              <a:rPr lang="en-US"/>
               <a:t>Click to edit Master text styles</a:t>
             </a:r>
           </a:p>
           <a:p>
             <a:pPr lvl="1"/>
             <a:r>
-              <a:rPr lang="en-US" smtClean="0"/>
+              <a:rPr lang="en-US"/>
               <a:t>Second level</a:t>
             </a:r>
           </a:p>
           <a:p>
             <a:pPr lvl="2"/>
             <a:r>
-              <a:rPr lang="en-US" smtClean="0"/>
+              <a:rPr lang="en-US"/>
               <a:t>Third level</a:t>
             </a:r>
           </a:p>
           <a:p>
             <a:pPr lvl="3"/>
             <a:r>
-              <a:rPr lang="en-US" smtClean="0"/>
+              <a:rPr lang="en-US"/>
               <a:t>Fourth level</a:t>
             </a:r>
           </a:p>
           <a:p>
             <a:pPr lvl="4"/>
             <a:r>
-              <a:rPr lang="en-US" smtClean="0"/>
+              <a:rPr lang="en-US"/>
               <a:t>Fifth level</a:t>
             </a:r>
             <a:endParaRPr lang="en-IN"/>
@@ -764,7 +780,7 @@
           <a:lstStyle/>
           <a:p>
             <a:r>
-              <a:rPr lang="en-US" smtClean="0"/>
+              <a:rPr lang="en-US"/>
               <a:t>Click to edit Master title style</a:t>
             </a:r>
             <a:endParaRPr lang="en-IN"/>
@@ -788,35 +804,35 @@
           <a:p>
             <a:pPr lvl="0"/>
             <a:r>
-              <a:rPr lang="en-US" smtClean="0"/>
+              <a:rPr lang="en-US"/>
               <a:t>Click to edit Master text styles</a:t>
             </a:r>
           </a:p>
           <a:p>
             <a:pPr lvl="1"/>
             <a:r>
-              <a:rPr lang="en-US" smtClean="0"/>
+              <a:rPr lang="en-US"/>
               <a:t>Second level</a:t>
             </a:r>
           </a:p>
           <a:p>
             <a:pPr lvl="2"/>
             <a:r>
-              <a:rPr lang="en-US" smtClean="0"/>
+              <a:rPr lang="en-US"/>
               <a:t>Third level</a:t>
             </a:r>
           </a:p>
           <a:p>
             <a:pPr lvl="3"/>
             <a:r>
-              <a:rPr lang="en-US" smtClean="0"/>
+              <a:rPr lang="en-US"/>
               <a:t>Fourth level</a:t>
             </a:r>
           </a:p>
           <a:p>
             <a:pPr lvl="4"/>
             <a:r>
-              <a:rPr lang="en-US" smtClean="0"/>
+              <a:rPr lang="en-US"/>
               <a:t>Fifth level</a:t>
             </a:r>
             <a:endParaRPr lang="en-IN"/>
@@ -943,7 +959,7 @@
           </a:lstStyle>
           <a:p>
             <a:r>
-              <a:rPr lang="en-US" smtClean="0"/>
+              <a:rPr lang="en-US"/>
               <a:t>Click to edit Master title style</a:t>
             </a:r>
             <a:endParaRPr lang="en-IN"/>
@@ -1063,7 +1079,7 @@
           <a:p>
             <a:pPr lvl="0"/>
             <a:r>
-              <a:rPr lang="en-US" smtClean="0"/>
+              <a:rPr lang="en-US"/>
               <a:t>Click to edit Master text styles</a:t>
             </a:r>
           </a:p>
@@ -1180,7 +1196,7 @@
           <a:lstStyle/>
           <a:p>
             <a:r>
-              <a:rPr lang="en-US" smtClean="0"/>
+              <a:rPr lang="en-US"/>
               <a:t>Click to edit Master title style</a:t>
             </a:r>
             <a:endParaRPr lang="en-IN"/>
@@ -1237,35 +1253,35 @@
           <a:p>
             <a:pPr lvl="0"/>
             <a:r>
-              <a:rPr lang="en-US" smtClean="0"/>
+              <a:rPr lang="en-US"/>
               <a:t>Click to edit Master text styles</a:t>
             </a:r>
           </a:p>
           <a:p>
             <a:pPr lvl="1"/>
             <a:r>
-              <a:rPr lang="en-US" smtClean="0"/>
+              <a:rPr lang="en-US"/>
               <a:t>Second level</a:t>
             </a:r>
           </a:p>
           <a:p>
             <a:pPr lvl="2"/>
             <a:r>
-              <a:rPr lang="en-US" smtClean="0"/>
+              <a:rPr lang="en-US"/>
               <a:t>Third level</a:t>
             </a:r>
           </a:p>
           <a:p>
             <a:pPr lvl="3"/>
             <a:r>
-              <a:rPr lang="en-US" smtClean="0"/>
+              <a:rPr lang="en-US"/>
               <a:t>Fourth level</a:t>
             </a:r>
           </a:p>
           <a:p>
             <a:pPr lvl="4"/>
             <a:r>
-              <a:rPr lang="en-US" smtClean="0"/>
+              <a:rPr lang="en-US"/>
               <a:t>Fifth level</a:t>
             </a:r>
             <a:endParaRPr lang="en-IN"/>
@@ -1322,35 +1338,35 @@
           <a:p>
             <a:pPr lvl="0"/>
             <a:r>
-              <a:rPr lang="en-US" smtClean="0"/>
+              <a:rPr lang="en-US"/>
               <a:t>Click to edit Master text styles</a:t>
             </a:r>
           </a:p>
           <a:p>
             <a:pPr lvl="1"/>
             <a:r>
-              <a:rPr lang="en-US" smtClean="0"/>
+              <a:rPr lang="en-US"/>
               <a:t>Second level</a:t>
             </a:r>
           </a:p>
           <a:p>
             <a:pPr lvl="2"/>
             <a:r>
-              <a:rPr lang="en-US" smtClean="0"/>
+              <a:rPr lang="en-US"/>
               <a:t>Third level</a:t>
             </a:r>
           </a:p>
           <a:p>
             <a:pPr lvl="3"/>
             <a:r>
-              <a:rPr lang="en-US" smtClean="0"/>
+              <a:rPr lang="en-US"/>
               <a:t>Fourth level</a:t>
             </a:r>
           </a:p>
           <a:p>
             <a:pPr lvl="4"/>
             <a:r>
-              <a:rPr lang="en-US" smtClean="0"/>
+              <a:rPr lang="en-US"/>
               <a:t>Fifth level</a:t>
             </a:r>
             <a:endParaRPr lang="en-IN"/>
@@ -1477,7 +1493,7 @@
           </a:lstStyle>
           <a:p>
             <a:r>
-              <a:rPr lang="en-US" smtClean="0"/>
+              <a:rPr lang="en-US"/>
               <a:t>Click to edit Master title style</a:t>
             </a:r>
             <a:endParaRPr lang="en-IN"/>
@@ -1543,7 +1559,7 @@
           <a:p>
             <a:pPr lvl="0"/>
             <a:r>
-              <a:rPr lang="en-US" smtClean="0"/>
+              <a:rPr lang="en-US"/>
               <a:t>Click to edit Master text styles</a:t>
             </a:r>
           </a:p>
@@ -1599,35 +1615,35 @@
           <a:p>
             <a:pPr lvl="0"/>
             <a:r>
-              <a:rPr lang="en-US" smtClean="0"/>
+              <a:rPr lang="en-US"/>
               <a:t>Click to edit Master text styles</a:t>
             </a:r>
           </a:p>
           <a:p>
             <a:pPr lvl="1"/>
             <a:r>
-              <a:rPr lang="en-US" smtClean="0"/>
+              <a:rPr lang="en-US"/>
               <a:t>Second level</a:t>
             </a:r>
           </a:p>
           <a:p>
             <a:pPr lvl="2"/>
             <a:r>
-              <a:rPr lang="en-US" smtClean="0"/>
+              <a:rPr lang="en-US"/>
               <a:t>Third level</a:t>
             </a:r>
           </a:p>
           <a:p>
             <a:pPr lvl="3"/>
             <a:r>
-              <a:rPr lang="en-US" smtClean="0"/>
+              <a:rPr lang="en-US"/>
               <a:t>Fourth level</a:t>
             </a:r>
           </a:p>
           <a:p>
             <a:pPr lvl="4"/>
             <a:r>
-              <a:rPr lang="en-US" smtClean="0"/>
+              <a:rPr lang="en-US"/>
               <a:t>Fifth level</a:t>
             </a:r>
             <a:endParaRPr lang="en-IN"/>
@@ -1693,7 +1709,7 @@
           <a:p>
             <a:pPr lvl="0"/>
             <a:r>
-              <a:rPr lang="en-US" smtClean="0"/>
+              <a:rPr lang="en-US"/>
               <a:t>Click to edit Master text styles</a:t>
             </a:r>
           </a:p>
@@ -1749,35 +1765,35 @@
           <a:p>
             <a:pPr lvl="0"/>
             <a:r>
-              <a:rPr lang="en-US" smtClean="0"/>
+              <a:rPr lang="en-US"/>
               <a:t>Click to edit Master text styles</a:t>
             </a:r>
           </a:p>
           <a:p>
             <a:pPr lvl="1"/>
             <a:r>
-              <a:rPr lang="en-US" smtClean="0"/>
+              <a:rPr lang="en-US"/>
               <a:t>Second level</a:t>
             </a:r>
           </a:p>
           <a:p>
             <a:pPr lvl="2"/>
             <a:r>
-              <a:rPr lang="en-US" smtClean="0"/>
+              <a:rPr lang="en-US"/>
               <a:t>Third level</a:t>
             </a:r>
           </a:p>
           <a:p>
             <a:pPr lvl="3"/>
             <a:r>
-              <a:rPr lang="en-US" smtClean="0"/>
+              <a:rPr lang="en-US"/>
               <a:t>Fourth level</a:t>
             </a:r>
           </a:p>
           <a:p>
             <a:pPr lvl="4"/>
             <a:r>
-              <a:rPr lang="en-US" smtClean="0"/>
+              <a:rPr lang="en-US"/>
               <a:t>Fifth level</a:t>
             </a:r>
             <a:endParaRPr lang="en-IN"/>
@@ -1895,7 +1911,7 @@
           <a:lstStyle/>
           <a:p>
             <a:r>
-              <a:rPr lang="en-US" smtClean="0"/>
+              <a:rPr lang="en-US"/>
               <a:t>Click to edit Master title style</a:t>
             </a:r>
             <a:endParaRPr lang="en-IN"/>
@@ -2117,7 +2133,7 @@
           </a:lstStyle>
           <a:p>
             <a:r>
-              <a:rPr lang="en-US" smtClean="0"/>
+              <a:rPr lang="en-US"/>
               <a:t>Click to edit Master title style</a:t>
             </a:r>
             <a:endParaRPr lang="en-IN"/>
@@ -2174,35 +2190,35 @@
           <a:p>
             <a:pPr lvl="0"/>
             <a:r>
-              <a:rPr lang="en-US" smtClean="0"/>
+              <a:rPr lang="en-US"/>
               <a:t>Click to edit Master text styles</a:t>
             </a:r>
           </a:p>
           <a:p>
             <a:pPr lvl="1"/>
             <a:r>
-              <a:rPr lang="en-US" smtClean="0"/>
+              <a:rPr lang="en-US"/>
               <a:t>Second level</a:t>
             </a:r>
           </a:p>
           <a:p>
             <a:pPr lvl="2"/>
             <a:r>
-              <a:rPr lang="en-US" smtClean="0"/>
+              <a:rPr lang="en-US"/>
               <a:t>Third level</a:t>
             </a:r>
           </a:p>
           <a:p>
             <a:pPr lvl="3"/>
             <a:r>
-              <a:rPr lang="en-US" smtClean="0"/>
+              <a:rPr lang="en-US"/>
               <a:t>Fourth level</a:t>
             </a:r>
           </a:p>
           <a:p>
             <a:pPr lvl="4"/>
             <a:r>
-              <a:rPr lang="en-US" smtClean="0"/>
+              <a:rPr lang="en-US"/>
               <a:t>Fifth level</a:t>
             </a:r>
             <a:endParaRPr lang="en-IN"/>
@@ -2268,7 +2284,7 @@
           <a:p>
             <a:pPr lvl="0"/>
             <a:r>
-              <a:rPr lang="en-US" smtClean="0"/>
+              <a:rPr lang="en-US"/>
               <a:t>Click to edit Master text styles</a:t>
             </a:r>
           </a:p>
@@ -2394,7 +2410,7 @@
           </a:lstStyle>
           <a:p>
             <a:r>
-              <a:rPr lang="en-US" smtClean="0"/>
+              <a:rPr lang="en-US"/>
               <a:t>Click to edit Master title style</a:t>
             </a:r>
             <a:endParaRPr lang="en-IN"/>
@@ -2521,7 +2537,7 @@
           <a:p>
             <a:pPr lvl="0"/>
             <a:r>
-              <a:rPr lang="en-US" smtClean="0"/>
+              <a:rPr lang="en-US"/>
               <a:t>Click to edit Master text styles</a:t>
             </a:r>
           </a:p>
@@ -2653,7 +2669,7 @@
           <a:lstStyle/>
           <a:p>
             <a:r>
-              <a:rPr lang="en-US" smtClean="0"/>
+              <a:rPr lang="en-US"/>
               <a:t>Click to edit Master title style</a:t>
             </a:r>
             <a:endParaRPr lang="en-IN"/>
@@ -2687,35 +2703,35 @@
           <a:p>
             <a:pPr lvl="0"/>
             <a:r>
-              <a:rPr lang="en-US" smtClean="0"/>
+              <a:rPr lang="en-US"/>
               <a:t>Click to edit Master text styles</a:t>
             </a:r>
           </a:p>
           <a:p>
             <a:pPr lvl="1"/>
             <a:r>
-              <a:rPr lang="en-US" smtClean="0"/>
+              <a:rPr lang="en-US"/>
               <a:t>Second level</a:t>
             </a:r>
           </a:p>
           <a:p>
             <a:pPr lvl="2"/>
             <a:r>
-              <a:rPr lang="en-US" smtClean="0"/>
+              <a:rPr lang="en-US"/>
               <a:t>Third level</a:t>
             </a:r>
           </a:p>
           <a:p>
             <a:pPr lvl="3"/>
             <a:r>
-              <a:rPr lang="en-US" smtClean="0"/>
+              <a:rPr lang="en-US"/>
               <a:t>Fourth level</a:t>
             </a:r>
           </a:p>
           <a:p>
             <a:pPr lvl="4"/>
             <a:r>
-              <a:rPr lang="en-US" smtClean="0"/>
+              <a:rPr lang="en-US"/>
               <a:t>Fifth level</a:t>
             </a:r>
             <a:endParaRPr lang="en-IN"/>
@@ -3139,10 +3155,15 @@
             <a:spLocks noGrp="1"/>
           </p:cNvSpPr>
           <p:nvPr>
-            <p:ph type="ctrTitle"/>
-          </p:nvPr>
-        </p:nvSpPr>
-        <p:spPr/>
+            <p:ph type="ctrTitle" idx="4294967295"/>
+          </p:nvPr>
+        </p:nvSpPr>
+        <p:spPr>
+          <a:xfrm>
+            <a:off x="955675" y="1484784"/>
+            <a:ext cx="10834688" cy="1470025"/>
+          </a:xfrm>
+        </p:spPr>
         <p:txBody>
           <a:bodyPr>
             <a:normAutofit fontScale="90000"/>
@@ -3165,20 +3186,174 @@
       </p:sp>
       <p:sp>
         <p:nvSpPr>
-          <p:cNvPr id="3" name="Subtitle 2"/>
-          <p:cNvSpPr>
-            <a:spLocks noGrp="1"/>
-          </p:cNvSpPr>
-          <p:nvPr>
-            <p:ph type="subTitle" idx="1"/>
-          </p:nvPr>
-        </p:nvSpPr>
-        <p:spPr/>
-        <p:txBody>
-          <a:bodyPr/>
+          <p:cNvPr id="5" name="TextBox 4">
+            <a:extLst>
+              <a:ext uri="{FF2B5EF4-FFF2-40B4-BE49-F238E27FC236}">
+                <a16:creationId xmlns:a16="http://schemas.microsoft.com/office/drawing/2014/main" id="{8EE70153-1CC2-4718-8C55-17B3666CEDB6}"/>
+              </a:ext>
+            </a:extLst>
+          </p:cNvPr>
+          <p:cNvSpPr txBox="1"/>
+          <p:nvPr/>
+        </p:nvSpPr>
+        <p:spPr>
+          <a:xfrm>
+            <a:off x="7808692" y="3903192"/>
+            <a:ext cx="6372664" cy="2308324"/>
+          </a:xfrm>
+          <a:prstGeom prst="rect">
+            <a:avLst/>
+          </a:prstGeom>
+          <a:noFill/>
+        </p:spPr>
+        <p:txBody>
+          <a:bodyPr wrap="square">
+            <a:spAutoFit/>
+          </a:bodyPr>
           <a:lstStyle/>
           <a:p>
-            <a:endParaRPr lang="en-IN" dirty="0"/>
+            <a:r>
+              <a:rPr lang="en-US" sz="2400" dirty="0">
+                <a:latin typeface="Times New Roman" panose="02020603050405020304" pitchFamily="18" charset="0"/>
+                <a:cs typeface="Times New Roman" panose="02020603050405020304" pitchFamily="18" charset="0"/>
+              </a:rPr>
+              <a:t>Team Members,</a:t>
+            </a:r>
+          </a:p>
+          <a:p>
+            <a:br>
+              <a:rPr lang="en-US" sz="2400" dirty="0">
+                <a:latin typeface="Times New Roman" panose="02020603050405020304" pitchFamily="18" charset="0"/>
+                <a:cs typeface="Times New Roman" panose="02020603050405020304" pitchFamily="18" charset="0"/>
+              </a:rPr>
+            </a:br>
+            <a:r>
+              <a:rPr lang="en-US" sz="2400" dirty="0">
+                <a:latin typeface="Times New Roman" panose="02020603050405020304" pitchFamily="18" charset="0"/>
+                <a:cs typeface="Times New Roman" panose="02020603050405020304" pitchFamily="18" charset="0"/>
+              </a:rPr>
+              <a:t>	V Arun</a:t>
+            </a:r>
+          </a:p>
+          <a:p>
+            <a:r>
+              <a:rPr lang="en-US" sz="2400" dirty="0">
+                <a:latin typeface="Times New Roman" panose="02020603050405020304" pitchFamily="18" charset="0"/>
+                <a:cs typeface="Times New Roman" panose="02020603050405020304" pitchFamily="18" charset="0"/>
+              </a:rPr>
+              <a:t>	M </a:t>
+            </a:r>
+            <a:r>
+              <a:rPr lang="en-US" sz="2400" dirty="0" err="1">
+                <a:latin typeface="Times New Roman" panose="02020603050405020304" pitchFamily="18" charset="0"/>
+                <a:cs typeface="Times New Roman" panose="02020603050405020304" pitchFamily="18" charset="0"/>
+              </a:rPr>
+              <a:t>Ganeshpandiyan</a:t>
+            </a:r>
+            <a:endParaRPr lang="en-US" sz="2400" dirty="0">
+              <a:latin typeface="Times New Roman" panose="02020603050405020304" pitchFamily="18" charset="0"/>
+              <a:cs typeface="Times New Roman" panose="02020603050405020304" pitchFamily="18" charset="0"/>
+            </a:endParaRPr>
+          </a:p>
+          <a:p>
+            <a:r>
+              <a:rPr lang="en-US" sz="2400" dirty="0">
+                <a:latin typeface="Times New Roman" panose="02020603050405020304" pitchFamily="18" charset="0"/>
+                <a:cs typeface="Times New Roman" panose="02020603050405020304" pitchFamily="18" charset="0"/>
+              </a:rPr>
+              <a:t>	V </a:t>
+            </a:r>
+            <a:r>
+              <a:rPr lang="en-US" sz="2400" dirty="0" err="1">
+                <a:latin typeface="Times New Roman" panose="02020603050405020304" pitchFamily="18" charset="0"/>
+                <a:cs typeface="Times New Roman" panose="02020603050405020304" pitchFamily="18" charset="0"/>
+              </a:rPr>
+              <a:t>Kaleeswaran</a:t>
+            </a:r>
+            <a:endParaRPr lang="en-US" sz="2400" dirty="0">
+              <a:latin typeface="Times New Roman" panose="02020603050405020304" pitchFamily="18" charset="0"/>
+              <a:cs typeface="Times New Roman" panose="02020603050405020304" pitchFamily="18" charset="0"/>
+            </a:endParaRPr>
+          </a:p>
+          <a:p>
+            <a:r>
+              <a:rPr lang="en-US" sz="2400" dirty="0">
+                <a:latin typeface="Times New Roman" panose="02020603050405020304" pitchFamily="18" charset="0"/>
+                <a:cs typeface="Times New Roman" panose="02020603050405020304" pitchFamily="18" charset="0"/>
+              </a:rPr>
+              <a:t>	P Ramkumar</a:t>
+            </a:r>
+          </a:p>
+        </p:txBody>
+      </p:sp>
+      <p:sp>
+        <p:nvSpPr>
+          <p:cNvPr id="7" name="TextBox 6">
+            <a:extLst>
+              <a:ext uri="{FF2B5EF4-FFF2-40B4-BE49-F238E27FC236}">
+                <a16:creationId xmlns:a16="http://schemas.microsoft.com/office/drawing/2014/main" id="{C0C57148-03B4-407A-8BD8-C2C7F93D0AC4}"/>
+              </a:ext>
+            </a:extLst>
+          </p:cNvPr>
+          <p:cNvSpPr txBox="1"/>
+          <p:nvPr/>
+        </p:nvSpPr>
+        <p:spPr>
+          <a:xfrm>
+            <a:off x="1116435" y="3903192"/>
+            <a:ext cx="6879100" cy="1200329"/>
+          </a:xfrm>
+          <a:prstGeom prst="rect">
+            <a:avLst/>
+          </a:prstGeom>
+          <a:noFill/>
+        </p:spPr>
+        <p:txBody>
+          <a:bodyPr wrap="square">
+            <a:spAutoFit/>
+          </a:bodyPr>
+          <a:lstStyle/>
+          <a:p>
+            <a:r>
+              <a:rPr lang="en-US" sz="2400" dirty="0">
+                <a:latin typeface="Times New Roman" panose="02020603050405020304" pitchFamily="18" charset="0"/>
+                <a:cs typeface="Times New Roman" panose="02020603050405020304" pitchFamily="18" charset="0"/>
+              </a:rPr>
+              <a:t>GUIDED BY,</a:t>
+            </a:r>
+            <a:br>
+              <a:rPr lang="en-US" sz="2400" dirty="0">
+                <a:latin typeface="Times New Roman" panose="02020603050405020304" pitchFamily="18" charset="0"/>
+                <a:cs typeface="Times New Roman" panose="02020603050405020304" pitchFamily="18" charset="0"/>
+              </a:rPr>
+            </a:br>
+            <a:endParaRPr lang="en-US" sz="2400" dirty="0">
+              <a:latin typeface="Times New Roman" panose="02020603050405020304" pitchFamily="18" charset="0"/>
+              <a:cs typeface="Times New Roman" panose="02020603050405020304" pitchFamily="18" charset="0"/>
+            </a:endParaRPr>
+          </a:p>
+          <a:p>
+            <a:r>
+              <a:rPr lang="en-US" sz="2400" dirty="0">
+                <a:latin typeface="Times New Roman" panose="02020603050405020304" pitchFamily="18" charset="0"/>
+                <a:cs typeface="Times New Roman" panose="02020603050405020304" pitchFamily="18" charset="0"/>
+              </a:rPr>
+              <a:t>	Mr. V. </a:t>
+            </a:r>
+            <a:r>
+              <a:rPr lang="en-US" sz="2400" dirty="0" err="1">
+                <a:latin typeface="Times New Roman" panose="02020603050405020304" pitchFamily="18" charset="0"/>
+                <a:cs typeface="Times New Roman" panose="02020603050405020304" pitchFamily="18" charset="0"/>
+              </a:rPr>
+              <a:t>Solai</a:t>
+            </a:r>
+            <a:r>
+              <a:rPr lang="en-US" sz="2400" dirty="0">
+                <a:latin typeface="Times New Roman" panose="02020603050405020304" pitchFamily="18" charset="0"/>
+                <a:cs typeface="Times New Roman" panose="02020603050405020304" pitchFamily="18" charset="0"/>
+              </a:rPr>
+              <a:t> Raja	</a:t>
+            </a:r>
           </a:p>
         </p:txBody>
       </p:sp>
@@ -3228,13 +3403,13 @@
           <a:lstStyle/>
           <a:p>
             <a:r>
-              <a:rPr lang="en-US" b="1" dirty="0" smtClean="0">
+              <a:rPr lang="en-US" b="1" u="sng" dirty="0">
                 <a:latin typeface="Times New Roman" pitchFamily="18" charset="0"/>
                 <a:cs typeface="Times New Roman" pitchFamily="18" charset="0"/>
               </a:rPr>
               <a:t>Literature Survey-5</a:t>
             </a:r>
-            <a:endParaRPr lang="en-IN" b="1" dirty="0">
+            <a:endParaRPr lang="en-IN" b="1" u="sng" dirty="0">
               <a:latin typeface="Times New Roman" pitchFamily="18" charset="0"/>
               <a:cs typeface="Times New Roman" pitchFamily="18" charset="0"/>
             </a:endParaRPr>
@@ -3267,10 +3442,34 @@
                 <a:tableStyleId>{5C22544A-7EE6-4342-B048-85BDC9FD1C3A}</a:tableStyleId>
               </a:tblPr>
               <a:tblGrid>
-                <a:gridCol w="2592288"/>
-                <a:gridCol w="2448272"/>
-                <a:gridCol w="1584176"/>
-                <a:gridCol w="4824536"/>
+                <a:gridCol w="2592288">
+                  <a:extLst>
+                    <a:ext uri="{9D8B030D-6E8A-4147-A177-3AD203B41FA5}">
+                      <a16:colId xmlns:a16="http://schemas.microsoft.com/office/drawing/2014/main" val="20000"/>
+                    </a:ext>
+                  </a:extLst>
+                </a:gridCol>
+                <a:gridCol w="2448272">
+                  <a:extLst>
+                    <a:ext uri="{9D8B030D-6E8A-4147-A177-3AD203B41FA5}">
+                      <a16:colId xmlns:a16="http://schemas.microsoft.com/office/drawing/2014/main" val="20001"/>
+                    </a:ext>
+                  </a:extLst>
+                </a:gridCol>
+                <a:gridCol w="1584176">
+                  <a:extLst>
+                    <a:ext uri="{9D8B030D-6E8A-4147-A177-3AD203B41FA5}">
+                      <a16:colId xmlns:a16="http://schemas.microsoft.com/office/drawing/2014/main" val="20002"/>
+                    </a:ext>
+                  </a:extLst>
+                </a:gridCol>
+                <a:gridCol w="4824536">
+                  <a:extLst>
+                    <a:ext uri="{9D8B030D-6E8A-4147-A177-3AD203B41FA5}">
+                      <a16:colId xmlns:a16="http://schemas.microsoft.com/office/drawing/2014/main" val="20003"/>
+                    </a:ext>
+                  </a:extLst>
+                </a:gridCol>
               </a:tblGrid>
               <a:tr h="648072">
                 <a:tc>
@@ -3280,7 +3479,7 @@
                     <a:p>
                       <a:pPr algn="ctr"/>
                       <a:r>
-                        <a:rPr lang="en-US" sz="3200" dirty="0" smtClean="0">
+                        <a:rPr lang="en-US" sz="3200" dirty="0">
                           <a:latin typeface="Times New Roman" pitchFamily="18" charset="0"/>
                           <a:cs typeface="Times New Roman" pitchFamily="18" charset="0"/>
                         </a:rPr>
@@ -3301,7 +3500,7 @@
                     <a:p>
                       <a:pPr algn="ctr"/>
                       <a:r>
-                        <a:rPr lang="en-US" sz="3200" dirty="0" smtClean="0">
+                        <a:rPr lang="en-US" sz="3200" dirty="0">
                           <a:latin typeface="Times New Roman" pitchFamily="18" charset="0"/>
                           <a:cs typeface="Times New Roman" pitchFamily="18" charset="0"/>
                         </a:rPr>
@@ -3322,7 +3521,7 @@
                     <a:p>
                       <a:pPr algn="ctr"/>
                       <a:r>
-                        <a:rPr lang="en-US" sz="3200" dirty="0" smtClean="0">
+                        <a:rPr lang="en-US" sz="3200" dirty="0">
                           <a:latin typeface="Times New Roman" pitchFamily="18" charset="0"/>
                           <a:cs typeface="Times New Roman" pitchFamily="18" charset="0"/>
                         </a:rPr>
@@ -3343,7 +3542,7 @@
                     <a:p>
                       <a:pPr algn="ctr"/>
                       <a:r>
-                        <a:rPr lang="en-US" sz="3200" dirty="0" smtClean="0">
+                        <a:rPr lang="en-US" sz="3200" dirty="0">
                           <a:latin typeface="Times New Roman" pitchFamily="18" charset="0"/>
                           <a:cs typeface="Times New Roman" pitchFamily="18" charset="0"/>
                         </a:rPr>
@@ -3357,6 +3556,11 @@
                   </a:txBody>
                   <a:tcPr/>
                 </a:tc>
+                <a:extLst>
+                  <a:ext uri="{0D108BD9-81ED-4DB2-BD59-A6C34878D82A}">
+                    <a16:rowId xmlns:a16="http://schemas.microsoft.com/office/drawing/2014/main" val="10000"/>
+                  </a:ext>
+                </a:extLst>
               </a:tr>
               <a:tr h="4165664">
                 <a:tc>
@@ -3366,7 +3570,7 @@
                     <a:p>
                       <a:pPr algn="just"/>
                       <a:r>
-                        <a:rPr lang="en-US" sz="2000" b="0" dirty="0" smtClean="0">
+                        <a:rPr lang="en-US" sz="2000" b="0" dirty="0">
                           <a:latin typeface="Times New Roman" pitchFamily="18" charset="0"/>
                           <a:cs typeface="Times New Roman" pitchFamily="18" charset="0"/>
                         </a:rPr>
@@ -3387,41 +3591,41 @@
                     <a:p>
                       <a:pPr algn="just"/>
                       <a:r>
-                        <a:rPr lang="en-IN" sz="2000" b="0" dirty="0" err="1" smtClean="0">
+                        <a:rPr lang="en-IN" sz="2000" b="0" dirty="0" err="1">
                           <a:latin typeface="Times New Roman" pitchFamily="18" charset="0"/>
                           <a:cs typeface="Times New Roman" pitchFamily="18" charset="0"/>
                         </a:rPr>
                         <a:t>Olusola</a:t>
                       </a:r>
                       <a:r>
-                        <a:rPr lang="en-IN" sz="2000" b="0" dirty="0" smtClean="0">
+                        <a:rPr lang="en-IN" sz="2000" b="0" dirty="0">
                           <a:latin typeface="Times New Roman" pitchFamily="18" charset="0"/>
                           <a:cs typeface="Times New Roman" pitchFamily="18" charset="0"/>
                         </a:rPr>
                         <a:t> </a:t>
                       </a:r>
                       <a:r>
-                        <a:rPr lang="en-IN" sz="2000" b="0" dirty="0" err="1" smtClean="0">
+                        <a:rPr lang="en-IN" sz="2000" b="0" dirty="0" err="1">
                           <a:latin typeface="Times New Roman" pitchFamily="18" charset="0"/>
                           <a:cs typeface="Times New Roman" pitchFamily="18" charset="0"/>
                         </a:rPr>
                         <a:t>Oluwakemi</a:t>
                       </a:r>
                       <a:r>
-                        <a:rPr lang="en-IN" sz="2000" b="0" dirty="0" smtClean="0">
+                        <a:rPr lang="en-IN" sz="2000" b="0" dirty="0">
                           <a:latin typeface="Times New Roman" pitchFamily="18" charset="0"/>
                           <a:cs typeface="Times New Roman" pitchFamily="18" charset="0"/>
                         </a:rPr>
                         <a:t> </a:t>
                       </a:r>
                       <a:r>
-                        <a:rPr lang="en-IN" sz="2000" b="0" dirty="0" err="1" smtClean="0">
+                        <a:rPr lang="en-IN" sz="2000" b="0" dirty="0" err="1">
                           <a:latin typeface="Times New Roman" pitchFamily="18" charset="0"/>
                           <a:cs typeface="Times New Roman" pitchFamily="18" charset="0"/>
                         </a:rPr>
                         <a:t>Abayomi-Alli</a:t>
                       </a:r>
-                      <a:endParaRPr lang="en-IN" sz="2000" b="0" dirty="0" smtClean="0">
+                      <a:endParaRPr lang="en-IN" sz="2000" b="0" dirty="0">
                         <a:latin typeface="Times New Roman" pitchFamily="18" charset="0"/>
                         <a:cs typeface="Times New Roman" pitchFamily="18" charset="0"/>
                       </a:endParaRPr>
@@ -3443,7 +3647,7 @@
                     <a:p>
                       <a:pPr algn="just"/>
                       <a:r>
-                        <a:rPr lang="en-US" sz="2000" b="0" dirty="0" smtClean="0">
+                        <a:rPr lang="en-US" sz="2000" b="0" dirty="0">
                           <a:latin typeface="Times New Roman" pitchFamily="18" charset="0"/>
                           <a:cs typeface="Times New Roman" pitchFamily="18" charset="0"/>
                         </a:rPr>
@@ -3464,7 +3668,7 @@
                     <a:p>
                       <a:pPr algn="just"/>
                       <a:r>
-                        <a:rPr lang="en-US" sz="2000" b="0" i="0" kern="1200" dirty="0" smtClean="0">
+                        <a:rPr lang="en-US" sz="2000" b="0" i="0" kern="1200" dirty="0">
                           <a:solidFill>
                             <a:schemeClr val="dk1"/>
                           </a:solidFill>
@@ -3476,7 +3680,7 @@
                         <a:t>This paper introduces a novel image colour histogram transformation technique for generating synthetic images for data augmentation in image classification tasks. The approach is based on the convolution of the </a:t>
                       </a:r>
                       <a:r>
-                        <a:rPr lang="en-US" sz="2000" b="0" i="0" kern="1200" dirty="0" err="1" smtClean="0">
+                        <a:rPr lang="en-US" sz="2000" b="0" i="0" kern="1200" dirty="0" err="1">
                           <a:solidFill>
                             <a:schemeClr val="dk1"/>
                           </a:solidFill>
@@ -3488,7 +3692,7 @@
                         <a:t>Chebyshev</a:t>
                       </a:r>
                       <a:r>
-                        <a:rPr lang="en-US" sz="2000" b="0" i="0" kern="1200" dirty="0" smtClean="0">
+                        <a:rPr lang="en-US" sz="2000" b="0" i="0" kern="1200" dirty="0">
                           <a:solidFill>
                             <a:schemeClr val="dk1"/>
                           </a:solidFill>
@@ -3507,6 +3711,11 @@
                   </a:txBody>
                   <a:tcPr/>
                 </a:tc>
+                <a:extLst>
+                  <a:ext uri="{0D108BD9-81ED-4DB2-BD59-A6C34878D82A}">
+                    <a16:rowId xmlns:a16="http://schemas.microsoft.com/office/drawing/2014/main" val="10001"/>
+                  </a:ext>
+                </a:extLst>
               </a:tr>
             </a:tbl>
           </a:graphicData>
@@ -3558,13 +3767,13 @@
           <a:lstStyle/>
           <a:p>
             <a:r>
-              <a:rPr lang="en-US" b="1" dirty="0" smtClean="0">
+              <a:rPr lang="en-US" b="1" u="sng" dirty="0">
                 <a:latin typeface="Times New Roman" pitchFamily="18" charset="0"/>
                 <a:cs typeface="Times New Roman" pitchFamily="18" charset="0"/>
               </a:rPr>
               <a:t>Literature Survey-6</a:t>
             </a:r>
-            <a:endParaRPr lang="en-IN" b="1" dirty="0">
+            <a:endParaRPr lang="en-IN" b="1" u="sng" dirty="0">
               <a:latin typeface="Times New Roman" pitchFamily="18" charset="0"/>
               <a:cs typeface="Times New Roman" pitchFamily="18" charset="0"/>
             </a:endParaRPr>
@@ -3597,10 +3806,34 @@
                 <a:tableStyleId>{5C22544A-7EE6-4342-B048-85BDC9FD1C3A}</a:tableStyleId>
               </a:tblPr>
               <a:tblGrid>
-                <a:gridCol w="2592288"/>
-                <a:gridCol w="2448272"/>
-                <a:gridCol w="1584176"/>
-                <a:gridCol w="4824536"/>
+                <a:gridCol w="2592288">
+                  <a:extLst>
+                    <a:ext uri="{9D8B030D-6E8A-4147-A177-3AD203B41FA5}">
+                      <a16:colId xmlns:a16="http://schemas.microsoft.com/office/drawing/2014/main" val="20000"/>
+                    </a:ext>
+                  </a:extLst>
+                </a:gridCol>
+                <a:gridCol w="2448272">
+                  <a:extLst>
+                    <a:ext uri="{9D8B030D-6E8A-4147-A177-3AD203B41FA5}">
+                      <a16:colId xmlns:a16="http://schemas.microsoft.com/office/drawing/2014/main" val="20001"/>
+                    </a:ext>
+                  </a:extLst>
+                </a:gridCol>
+                <a:gridCol w="1584176">
+                  <a:extLst>
+                    <a:ext uri="{9D8B030D-6E8A-4147-A177-3AD203B41FA5}">
+                      <a16:colId xmlns:a16="http://schemas.microsoft.com/office/drawing/2014/main" val="20002"/>
+                    </a:ext>
+                  </a:extLst>
+                </a:gridCol>
+                <a:gridCol w="4824536">
+                  <a:extLst>
+                    <a:ext uri="{9D8B030D-6E8A-4147-A177-3AD203B41FA5}">
+                      <a16:colId xmlns:a16="http://schemas.microsoft.com/office/drawing/2014/main" val="20003"/>
+                    </a:ext>
+                  </a:extLst>
+                </a:gridCol>
               </a:tblGrid>
               <a:tr h="648072">
                 <a:tc>
@@ -3610,7 +3843,7 @@
                     <a:p>
                       <a:pPr algn="ctr"/>
                       <a:r>
-                        <a:rPr lang="en-US" sz="3200" dirty="0" smtClean="0">
+                        <a:rPr lang="en-US" sz="3200" dirty="0">
                           <a:latin typeface="Times New Roman" pitchFamily="18" charset="0"/>
                           <a:cs typeface="Times New Roman" pitchFamily="18" charset="0"/>
                         </a:rPr>
@@ -3631,7 +3864,7 @@
                     <a:p>
                       <a:pPr algn="ctr"/>
                       <a:r>
-                        <a:rPr lang="en-US" sz="3200" dirty="0" smtClean="0">
+                        <a:rPr lang="en-US" sz="3200" dirty="0">
                           <a:latin typeface="Times New Roman" pitchFamily="18" charset="0"/>
                           <a:cs typeface="Times New Roman" pitchFamily="18" charset="0"/>
                         </a:rPr>
@@ -3652,7 +3885,7 @@
                     <a:p>
                       <a:pPr algn="ctr"/>
                       <a:r>
-                        <a:rPr lang="en-US" sz="3200" dirty="0" smtClean="0">
+                        <a:rPr lang="en-US" sz="3200" dirty="0">
                           <a:latin typeface="Times New Roman" pitchFamily="18" charset="0"/>
                           <a:cs typeface="Times New Roman" pitchFamily="18" charset="0"/>
                         </a:rPr>
@@ -3673,7 +3906,7 @@
                     <a:p>
                       <a:pPr algn="ctr"/>
                       <a:r>
-                        <a:rPr lang="en-US" sz="3200" dirty="0" smtClean="0">
+                        <a:rPr lang="en-US" sz="3200" dirty="0">
                           <a:latin typeface="Times New Roman" pitchFamily="18" charset="0"/>
                           <a:cs typeface="Times New Roman" pitchFamily="18" charset="0"/>
                         </a:rPr>
@@ -3687,6 +3920,11 @@
                   </a:txBody>
                   <a:tcPr/>
                 </a:tc>
+                <a:extLst>
+                  <a:ext uri="{0D108BD9-81ED-4DB2-BD59-A6C34878D82A}">
+                    <a16:rowId xmlns:a16="http://schemas.microsoft.com/office/drawing/2014/main" val="10000"/>
+                  </a:ext>
+                </a:extLst>
               </a:tr>
               <a:tr h="4165664">
                 <a:tc>
@@ -3696,7 +3934,7 @@
                     <a:p>
                       <a:pPr algn="just"/>
                       <a:r>
-                        <a:rPr lang="en-US" sz="2000" b="0" dirty="0" smtClean="0">
+                        <a:rPr lang="en-US" sz="2000" b="0" dirty="0">
                           <a:latin typeface="Times New Roman" pitchFamily="18" charset="0"/>
                           <a:cs typeface="Times New Roman" pitchFamily="18" charset="0"/>
                         </a:rPr>
@@ -3717,32 +3955,49 @@
                     <a:p>
                       <a:pPr algn="just"/>
                       <a:r>
-                        <a:rPr lang="en-IN" sz="2000" b="0" dirty="0" err="1" smtClean="0">
+                        <a:rPr lang="en-IN" sz="2000" b="0" dirty="0" err="1">
                           <a:latin typeface="Times New Roman" pitchFamily="18" charset="0"/>
                           <a:cs typeface="Times New Roman" pitchFamily="18" charset="0"/>
                         </a:rPr>
                         <a:t>Huy</a:t>
                       </a:r>
                       <a:r>
-                        <a:rPr lang="en-IN" sz="2000" b="0" dirty="0" smtClean="0">
+                        <a:rPr lang="en-IN" sz="2000" b="0" dirty="0">
                           <a:latin typeface="Times New Roman" pitchFamily="18" charset="0"/>
                           <a:cs typeface="Times New Roman" pitchFamily="18" charset="0"/>
                         </a:rPr>
                         <a:t>-Tan Thai; </a:t>
                       </a:r>
                       <a:r>
-                        <a:rPr lang="en-IN" sz="2000" b="0" dirty="0" err="1" smtClean="0">
+                        <a:rPr lang="en-IN" sz="2000" b="0" dirty="0" err="1">
                           <a:latin typeface="Times New Roman" pitchFamily="18" charset="0"/>
                           <a:cs typeface="Times New Roman" pitchFamily="18" charset="0"/>
                         </a:rPr>
                         <a:t>Nhu</a:t>
                       </a:r>
                       <a:r>
-                        <a:rPr lang="en-IN" sz="2000" b="0" dirty="0" smtClean="0">
+                        <a:rPr lang="en-IN" sz="2000" b="0" dirty="0">
                           <a:latin typeface="Times New Roman" pitchFamily="18" charset="0"/>
                           <a:cs typeface="Times New Roman" pitchFamily="18" charset="0"/>
                         </a:rPr>
                         <a:t>-Y Tran-Van</a:t>
+                      </a:r>
+                    </a:p>
+                  </a:txBody>
+                  <a:tcPr/>
+                </a:tc>
+                <a:tc>
+                  <a:txBody>
+                    <a:bodyPr/>
+                    <a:lstStyle/>
+                    <a:p>
+                      <a:pPr algn="just"/>
+                      <a:r>
+                        <a:rPr lang="en-US" sz="2000" b="0" dirty="0">
+                          <a:latin typeface="Times New Roman" pitchFamily="18" charset="0"/>
+                          <a:cs typeface="Times New Roman" pitchFamily="18" charset="0"/>
+                        </a:rPr>
+                        <a:t>2021</a:t>
                       </a:r>
                       <a:endParaRPr lang="en-IN" sz="2000" b="0" dirty="0">
                         <a:latin typeface="Times New Roman" pitchFamily="18" charset="0"/>
@@ -3759,11 +4014,25 @@
                     <a:p>
                       <a:pPr algn="just"/>
                       <a:r>
-                        <a:rPr lang="en-US" sz="2000" b="0" dirty="0" smtClean="0">
-                          <a:latin typeface="Times New Roman" pitchFamily="18" charset="0"/>
-                          <a:cs typeface="Times New Roman" pitchFamily="18" charset="0"/>
-                        </a:rPr>
-                        <a:t>2021</a:t>
+                        <a:rPr lang="en-US" sz="2000" b="0" dirty="0">
+                          <a:latin typeface="Times New Roman" pitchFamily="18" charset="0"/>
+                          <a:cs typeface="Times New Roman" pitchFamily="18" charset="0"/>
+                        </a:rPr>
+                        <a:t> These results also indicate the potential superiority of the </a:t>
+                      </a:r>
+                      <a:r>
+                        <a:rPr lang="en-US" sz="2000" b="0" dirty="0" err="1">
+                          <a:latin typeface="Times New Roman" pitchFamily="18" charset="0"/>
+                          <a:cs typeface="Times New Roman" pitchFamily="18" charset="0"/>
+                        </a:rPr>
+                        <a:t>ViT</a:t>
+                      </a:r>
+                      <a:r>
+                        <a:rPr lang="en-US" sz="2000" b="0" dirty="0">
+                          <a:latin typeface="Times New Roman" pitchFamily="18" charset="0"/>
+                          <a:cs typeface="Times New Roman" pitchFamily="18" charset="0"/>
+                        </a:rPr>
+                        <a:t> over established methods in analyzing leaf diseases. Next, we quantize the original model and successfully deploy it onto the Edge device named Raspberry Pi 4, which can be attached to a drone that allows farmers to automatically and efficiently detect infected leaves. This result has a significant capability for many future applications in smart agriculture.</a:t>
                       </a:r>
                       <a:endParaRPr lang="en-IN" sz="2000" b="0" dirty="0">
                         <a:latin typeface="Times New Roman" pitchFamily="18" charset="0"/>
@@ -3773,41 +4042,11 @@
                   </a:txBody>
                   <a:tcPr/>
                 </a:tc>
-                <a:tc>
-                  <a:txBody>
-                    <a:bodyPr/>
-                    <a:lstStyle/>
-                    <a:p>
-                      <a:pPr algn="just"/>
-                      <a:r>
-                        <a:rPr lang="en-US" sz="2000" b="0" dirty="0" smtClean="0">
-                          <a:latin typeface="Times New Roman" pitchFamily="18" charset="0"/>
-                          <a:cs typeface="Times New Roman" pitchFamily="18" charset="0"/>
-                        </a:rPr>
-                        <a:t> These results also indicate the potential superiority of the </a:t>
-                      </a:r>
-                      <a:r>
-                        <a:rPr lang="en-US" sz="2000" b="0" dirty="0" err="1" smtClean="0">
-                          <a:latin typeface="Times New Roman" pitchFamily="18" charset="0"/>
-                          <a:cs typeface="Times New Roman" pitchFamily="18" charset="0"/>
-                        </a:rPr>
-                        <a:t>ViT</a:t>
-                      </a:r>
-                      <a:r>
-                        <a:rPr lang="en-US" sz="2000" b="0" dirty="0" smtClean="0">
-                          <a:latin typeface="Times New Roman" pitchFamily="18" charset="0"/>
-                          <a:cs typeface="Times New Roman" pitchFamily="18" charset="0"/>
-                        </a:rPr>
-                        <a:t> over established methods in analyzing leaf diseases. Next, we quantize the original model and successfully deploy it onto the Edge device named Raspberry Pi 4, which can be attached to a drone that allows farmers to automatically and efficiently detect infected leaves. This result has a significant capability for many future applications in smart agriculture.</a:t>
-                      </a:r>
-                      <a:endParaRPr lang="en-IN" sz="2000" b="0" dirty="0">
-                        <a:latin typeface="Times New Roman" pitchFamily="18" charset="0"/>
-                        <a:cs typeface="Times New Roman" pitchFamily="18" charset="0"/>
-                      </a:endParaRPr>
-                    </a:p>
-                  </a:txBody>
-                  <a:tcPr/>
-                </a:tc>
+                <a:extLst>
+                  <a:ext uri="{0D108BD9-81ED-4DB2-BD59-A6C34878D82A}">
+                    <a16:rowId xmlns:a16="http://schemas.microsoft.com/office/drawing/2014/main" val="10001"/>
+                  </a:ext>
+                </a:extLst>
               </a:tr>
             </a:tbl>
           </a:graphicData>
@@ -3859,13 +4098,13 @@
           <a:lstStyle/>
           <a:p>
             <a:r>
-              <a:rPr lang="en-US" b="1" dirty="0" smtClean="0">
+              <a:rPr lang="en-US" b="1" u="sng" dirty="0">
                 <a:latin typeface="Times New Roman" pitchFamily="18" charset="0"/>
                 <a:cs typeface="Times New Roman" pitchFamily="18" charset="0"/>
               </a:rPr>
               <a:t>Literature Survey-7</a:t>
             </a:r>
-            <a:endParaRPr lang="en-IN" b="1" dirty="0">
+            <a:endParaRPr lang="en-IN" b="1" u="sng" dirty="0">
               <a:latin typeface="Times New Roman" pitchFamily="18" charset="0"/>
               <a:cs typeface="Times New Roman" pitchFamily="18" charset="0"/>
             </a:endParaRPr>
@@ -3898,10 +4137,34 @@
                 <a:tableStyleId>{5C22544A-7EE6-4342-B048-85BDC9FD1C3A}</a:tableStyleId>
               </a:tblPr>
               <a:tblGrid>
-                <a:gridCol w="2592288"/>
-                <a:gridCol w="2448272"/>
-                <a:gridCol w="1584176"/>
-                <a:gridCol w="4824536"/>
+                <a:gridCol w="2592288">
+                  <a:extLst>
+                    <a:ext uri="{9D8B030D-6E8A-4147-A177-3AD203B41FA5}">
+                      <a16:colId xmlns:a16="http://schemas.microsoft.com/office/drawing/2014/main" val="20000"/>
+                    </a:ext>
+                  </a:extLst>
+                </a:gridCol>
+                <a:gridCol w="2448272">
+                  <a:extLst>
+                    <a:ext uri="{9D8B030D-6E8A-4147-A177-3AD203B41FA5}">
+                      <a16:colId xmlns:a16="http://schemas.microsoft.com/office/drawing/2014/main" val="20001"/>
+                    </a:ext>
+                  </a:extLst>
+                </a:gridCol>
+                <a:gridCol w="1584176">
+                  <a:extLst>
+                    <a:ext uri="{9D8B030D-6E8A-4147-A177-3AD203B41FA5}">
+                      <a16:colId xmlns:a16="http://schemas.microsoft.com/office/drawing/2014/main" val="20002"/>
+                    </a:ext>
+                  </a:extLst>
+                </a:gridCol>
+                <a:gridCol w="4824536">
+                  <a:extLst>
+                    <a:ext uri="{9D8B030D-6E8A-4147-A177-3AD203B41FA5}">
+                      <a16:colId xmlns:a16="http://schemas.microsoft.com/office/drawing/2014/main" val="20003"/>
+                    </a:ext>
+                  </a:extLst>
+                </a:gridCol>
               </a:tblGrid>
               <a:tr h="648072">
                 <a:tc>
@@ -3911,7 +4174,7 @@
                     <a:p>
                       <a:pPr algn="ctr"/>
                       <a:r>
-                        <a:rPr lang="en-US" sz="3200" dirty="0" smtClean="0">
+                        <a:rPr lang="en-US" sz="3200" dirty="0">
                           <a:latin typeface="Times New Roman" pitchFamily="18" charset="0"/>
                           <a:cs typeface="Times New Roman" pitchFamily="18" charset="0"/>
                         </a:rPr>
@@ -3932,7 +4195,7 @@
                     <a:p>
                       <a:pPr algn="ctr"/>
                       <a:r>
-                        <a:rPr lang="en-US" sz="3200" dirty="0" smtClean="0">
+                        <a:rPr lang="en-US" sz="3200" dirty="0">
                           <a:latin typeface="Times New Roman" pitchFamily="18" charset="0"/>
                           <a:cs typeface="Times New Roman" pitchFamily="18" charset="0"/>
                         </a:rPr>
@@ -3953,7 +4216,7 @@
                     <a:p>
                       <a:pPr algn="ctr"/>
                       <a:r>
-                        <a:rPr lang="en-US" sz="3200" dirty="0" smtClean="0">
+                        <a:rPr lang="en-US" sz="3200" dirty="0">
                           <a:latin typeface="Times New Roman" pitchFamily="18" charset="0"/>
                           <a:cs typeface="Times New Roman" pitchFamily="18" charset="0"/>
                         </a:rPr>
@@ -3974,7 +4237,7 @@
                     <a:p>
                       <a:pPr algn="ctr"/>
                       <a:r>
-                        <a:rPr lang="en-US" sz="3200" dirty="0" smtClean="0">
+                        <a:rPr lang="en-US" sz="3200" dirty="0">
                           <a:latin typeface="Times New Roman" pitchFamily="18" charset="0"/>
                           <a:cs typeface="Times New Roman" pitchFamily="18" charset="0"/>
                         </a:rPr>
@@ -3988,6 +4251,11 @@
                   </a:txBody>
                   <a:tcPr/>
                 </a:tc>
+                <a:extLst>
+                  <a:ext uri="{0D108BD9-81ED-4DB2-BD59-A6C34878D82A}">
+                    <a16:rowId xmlns:a16="http://schemas.microsoft.com/office/drawing/2014/main" val="10000"/>
+                  </a:ext>
+                </a:extLst>
               </a:tr>
               <a:tr h="4165664">
                 <a:tc>
@@ -3997,7 +4265,7 @@
                     <a:p>
                       <a:pPr algn="just"/>
                       <a:r>
-                        <a:rPr lang="en-US" sz="2000" b="0" dirty="0" smtClean="0">
+                        <a:rPr lang="en-US" sz="2000" b="0" dirty="0">
                           <a:latin typeface="Times New Roman" pitchFamily="18" charset="0"/>
                           <a:cs typeface="Times New Roman" pitchFamily="18" charset="0"/>
                         </a:rPr>
@@ -4018,60 +4286,77 @@
                     <a:p>
                       <a:pPr algn="just"/>
                       <a:r>
-                        <a:rPr lang="en-IN" sz="2000" b="0" dirty="0" err="1" smtClean="0">
+                        <a:rPr lang="en-IN" sz="2000" b="0" dirty="0" err="1">
                           <a:latin typeface="Times New Roman" pitchFamily="18" charset="0"/>
                           <a:cs typeface="Times New Roman" pitchFamily="18" charset="0"/>
                         </a:rPr>
                         <a:t>Aditya</a:t>
                       </a:r>
                       <a:r>
-                        <a:rPr lang="en-IN" sz="2000" b="0" dirty="0" smtClean="0">
+                        <a:rPr lang="en-IN" sz="2000" b="0" dirty="0">
                           <a:latin typeface="Times New Roman" pitchFamily="18" charset="0"/>
                           <a:cs typeface="Times New Roman" pitchFamily="18" charset="0"/>
                         </a:rPr>
                         <a:t> </a:t>
                       </a:r>
                       <a:r>
-                        <a:rPr lang="en-IN" sz="2000" b="0" dirty="0" err="1" smtClean="0">
+                        <a:rPr lang="en-IN" sz="2000" b="0" dirty="0" err="1">
                           <a:latin typeface="Times New Roman" pitchFamily="18" charset="0"/>
                           <a:cs typeface="Times New Roman" pitchFamily="18" charset="0"/>
                         </a:rPr>
                         <a:t>Khamparia</a:t>
                       </a:r>
                       <a:r>
-                        <a:rPr lang="en-IN" sz="2000" b="0" dirty="0" smtClean="0">
+                        <a:rPr lang="en-IN" sz="2000" b="0" dirty="0">
                           <a:latin typeface="Times New Roman" pitchFamily="18" charset="0"/>
                           <a:cs typeface="Times New Roman" pitchFamily="18" charset="0"/>
                         </a:rPr>
                         <a:t>, </a:t>
                       </a:r>
                       <a:r>
-                        <a:rPr lang="en-IN" sz="2000" b="0" dirty="0" err="1" smtClean="0">
+                        <a:rPr lang="en-IN" sz="2000" b="0" dirty="0" err="1">
                           <a:latin typeface="Times New Roman" pitchFamily="18" charset="0"/>
                           <a:cs typeface="Times New Roman" pitchFamily="18" charset="0"/>
                         </a:rPr>
                         <a:t>Gurinder</a:t>
                       </a:r>
                       <a:r>
-                        <a:rPr lang="en-IN" sz="2000" b="0" dirty="0" smtClean="0">
+                        <a:rPr lang="en-IN" sz="2000" b="0" dirty="0">
                           <a:latin typeface="Times New Roman" pitchFamily="18" charset="0"/>
                           <a:cs typeface="Times New Roman" pitchFamily="18" charset="0"/>
                         </a:rPr>
                         <a:t> </a:t>
                       </a:r>
                       <a:r>
-                        <a:rPr lang="en-IN" sz="2000" b="0" dirty="0" err="1" smtClean="0">
+                        <a:rPr lang="en-IN" sz="2000" b="0" dirty="0" err="1">
                           <a:latin typeface="Times New Roman" pitchFamily="18" charset="0"/>
                           <a:cs typeface="Times New Roman" pitchFamily="18" charset="0"/>
                         </a:rPr>
                         <a:t>Saini</a:t>
                       </a:r>
                       <a:r>
-                        <a:rPr lang="en-IN" sz="2000" b="0" dirty="0" smtClean="0">
+                        <a:rPr lang="en-IN" sz="2000" b="0" dirty="0">
                           <a:latin typeface="Times New Roman" pitchFamily="18" charset="0"/>
                           <a:cs typeface="Times New Roman" pitchFamily="18" charset="0"/>
                         </a:rPr>
                         <a:t>, Deepak Gupta</a:t>
+                      </a:r>
+                    </a:p>
+                  </a:txBody>
+                  <a:tcPr/>
+                </a:tc>
+                <a:tc>
+                  <a:txBody>
+                    <a:bodyPr/>
+                    <a:lstStyle/>
+                    <a:p>
+                      <a:pPr algn="just"/>
+                      <a:r>
+                        <a:rPr lang="en-US" sz="2000" b="0" dirty="0">
+                          <a:latin typeface="Times New Roman" pitchFamily="18" charset="0"/>
+                          <a:cs typeface="Times New Roman" pitchFamily="18" charset="0"/>
+                        </a:rPr>
+                        <a:t>2020</a:t>
                       </a:r>
                       <a:endParaRPr lang="en-IN" sz="2000" b="0" dirty="0">
                         <a:latin typeface="Times New Roman" pitchFamily="18" charset="0"/>
@@ -4088,28 +4373,7 @@
                     <a:p>
                       <a:pPr algn="just"/>
                       <a:r>
-                        <a:rPr lang="en-US" sz="2000" b="0" dirty="0" smtClean="0">
-                          <a:latin typeface="Times New Roman" pitchFamily="18" charset="0"/>
-                          <a:cs typeface="Times New Roman" pitchFamily="18" charset="0"/>
-                        </a:rPr>
-                        <a:t>2020</a:t>
-                      </a:r>
-                      <a:endParaRPr lang="en-IN" sz="2000" b="0" dirty="0">
-                        <a:latin typeface="Times New Roman" pitchFamily="18" charset="0"/>
-                        <a:cs typeface="Times New Roman" pitchFamily="18" charset="0"/>
-                      </a:endParaRPr>
-                    </a:p>
-                  </a:txBody>
-                  <a:tcPr/>
-                </a:tc>
-                <a:tc>
-                  <a:txBody>
-                    <a:bodyPr/>
-                    <a:lstStyle/>
-                    <a:p>
-                      <a:pPr algn="just"/>
-                      <a:r>
-                        <a:rPr lang="en-US" sz="2000" b="0" i="0" kern="1200" dirty="0" smtClean="0">
+                        <a:rPr lang="en-US" sz="2000" b="0" i="0" kern="1200" dirty="0">
                           <a:solidFill>
                             <a:schemeClr val="dk1"/>
                           </a:solidFill>
@@ -4128,6 +4392,11 @@
                   </a:txBody>
                   <a:tcPr/>
                 </a:tc>
+                <a:extLst>
+                  <a:ext uri="{0D108BD9-81ED-4DB2-BD59-A6C34878D82A}">
+                    <a16:rowId xmlns:a16="http://schemas.microsoft.com/office/drawing/2014/main" val="10001"/>
+                  </a:ext>
+                </a:extLst>
               </a:tr>
             </a:tbl>
           </a:graphicData>
@@ -4179,13 +4448,13 @@
           <a:lstStyle/>
           <a:p>
             <a:r>
-              <a:rPr lang="en-US" b="1" dirty="0" smtClean="0">
+              <a:rPr lang="en-US" b="1" u="sng" dirty="0">
                 <a:latin typeface="Times New Roman" pitchFamily="18" charset="0"/>
                 <a:cs typeface="Times New Roman" pitchFamily="18" charset="0"/>
               </a:rPr>
               <a:t>Literature Survey-8</a:t>
             </a:r>
-            <a:endParaRPr lang="en-IN" b="1" dirty="0">
+            <a:endParaRPr lang="en-IN" b="1" u="sng" dirty="0">
               <a:latin typeface="Times New Roman" pitchFamily="18" charset="0"/>
               <a:cs typeface="Times New Roman" pitchFamily="18" charset="0"/>
             </a:endParaRPr>
@@ -4218,10 +4487,34 @@
                 <a:tableStyleId>{5C22544A-7EE6-4342-B048-85BDC9FD1C3A}</a:tableStyleId>
               </a:tblPr>
               <a:tblGrid>
-                <a:gridCol w="2592288"/>
-                <a:gridCol w="2448272"/>
-                <a:gridCol w="1584176"/>
-                <a:gridCol w="4824536"/>
+                <a:gridCol w="2592288">
+                  <a:extLst>
+                    <a:ext uri="{9D8B030D-6E8A-4147-A177-3AD203B41FA5}">
+                      <a16:colId xmlns:a16="http://schemas.microsoft.com/office/drawing/2014/main" val="20000"/>
+                    </a:ext>
+                  </a:extLst>
+                </a:gridCol>
+                <a:gridCol w="2448272">
+                  <a:extLst>
+                    <a:ext uri="{9D8B030D-6E8A-4147-A177-3AD203B41FA5}">
+                      <a16:colId xmlns:a16="http://schemas.microsoft.com/office/drawing/2014/main" val="20001"/>
+                    </a:ext>
+                  </a:extLst>
+                </a:gridCol>
+                <a:gridCol w="1584176">
+                  <a:extLst>
+                    <a:ext uri="{9D8B030D-6E8A-4147-A177-3AD203B41FA5}">
+                      <a16:colId xmlns:a16="http://schemas.microsoft.com/office/drawing/2014/main" val="20002"/>
+                    </a:ext>
+                  </a:extLst>
+                </a:gridCol>
+                <a:gridCol w="4824536">
+                  <a:extLst>
+                    <a:ext uri="{9D8B030D-6E8A-4147-A177-3AD203B41FA5}">
+                      <a16:colId xmlns:a16="http://schemas.microsoft.com/office/drawing/2014/main" val="20003"/>
+                    </a:ext>
+                  </a:extLst>
+                </a:gridCol>
               </a:tblGrid>
               <a:tr h="648072">
                 <a:tc>
@@ -4231,7 +4524,7 @@
                     <a:p>
                       <a:pPr algn="ctr"/>
                       <a:r>
-                        <a:rPr lang="en-US" sz="3200" dirty="0" smtClean="0">
+                        <a:rPr lang="en-US" sz="3200" dirty="0">
                           <a:latin typeface="Times New Roman" pitchFamily="18" charset="0"/>
                           <a:cs typeface="Times New Roman" pitchFamily="18" charset="0"/>
                         </a:rPr>
@@ -4252,7 +4545,7 @@
                     <a:p>
                       <a:pPr algn="ctr"/>
                       <a:r>
-                        <a:rPr lang="en-US" sz="3200" dirty="0" smtClean="0">
+                        <a:rPr lang="en-US" sz="3200" dirty="0">
                           <a:latin typeface="Times New Roman" pitchFamily="18" charset="0"/>
                           <a:cs typeface="Times New Roman" pitchFamily="18" charset="0"/>
                         </a:rPr>
@@ -4273,7 +4566,7 @@
                     <a:p>
                       <a:pPr algn="ctr"/>
                       <a:r>
-                        <a:rPr lang="en-US" sz="3200" dirty="0" smtClean="0">
+                        <a:rPr lang="en-US" sz="3200" dirty="0">
                           <a:latin typeface="Times New Roman" pitchFamily="18" charset="0"/>
                           <a:cs typeface="Times New Roman" pitchFamily="18" charset="0"/>
                         </a:rPr>
@@ -4294,7 +4587,7 @@
                     <a:p>
                       <a:pPr algn="ctr"/>
                       <a:r>
-                        <a:rPr lang="en-US" sz="3200" dirty="0" smtClean="0">
+                        <a:rPr lang="en-US" sz="3200" dirty="0">
                           <a:latin typeface="Times New Roman" pitchFamily="18" charset="0"/>
                           <a:cs typeface="Times New Roman" pitchFamily="18" charset="0"/>
                         </a:rPr>
@@ -4308,6 +4601,11 @@
                   </a:txBody>
                   <a:tcPr/>
                 </a:tc>
+                <a:extLst>
+                  <a:ext uri="{0D108BD9-81ED-4DB2-BD59-A6C34878D82A}">
+                    <a16:rowId xmlns:a16="http://schemas.microsoft.com/office/drawing/2014/main" val="10000"/>
+                  </a:ext>
+                </a:extLst>
               </a:tr>
               <a:tr h="4165664">
                 <a:tc>
@@ -4317,7 +4615,7 @@
                     <a:p>
                       <a:pPr algn="just"/>
                       <a:r>
-                        <a:rPr lang="en-US" sz="2000" b="0" dirty="0" smtClean="0">
+                        <a:rPr lang="en-US" sz="2000" b="0" dirty="0">
                           <a:latin typeface="Times New Roman" pitchFamily="18" charset="0"/>
                           <a:cs typeface="Times New Roman" pitchFamily="18" charset="0"/>
                         </a:rPr>
@@ -4338,56 +4636,56 @@
                     <a:p>
                       <a:pPr algn="just"/>
                       <a:r>
-                        <a:rPr lang="en-IN" sz="2000" b="0" dirty="0" smtClean="0">
+                        <a:rPr lang="en-IN" sz="2000" b="0" dirty="0">
                           <a:latin typeface="Times New Roman" pitchFamily="18" charset="0"/>
                           <a:cs typeface="Times New Roman" pitchFamily="18" charset="0"/>
                         </a:rPr>
                         <a:t>Abdul </a:t>
                       </a:r>
                       <a:r>
-                        <a:rPr lang="en-IN" sz="2000" b="0" dirty="0" err="1" smtClean="0">
+                        <a:rPr lang="en-IN" sz="2000" b="0" dirty="0" err="1">
                           <a:latin typeface="Times New Roman" pitchFamily="18" charset="0"/>
                           <a:cs typeface="Times New Roman" pitchFamily="18" charset="0"/>
                         </a:rPr>
                         <a:t>Jalil</a:t>
                       </a:r>
                       <a:r>
-                        <a:rPr lang="en-IN" sz="2000" b="0" dirty="0" smtClean="0">
+                        <a:rPr lang="en-IN" sz="2000" b="0" dirty="0">
                           <a:latin typeface="Times New Roman" pitchFamily="18" charset="0"/>
                           <a:cs typeface="Times New Roman" pitchFamily="18" charset="0"/>
                         </a:rPr>
                         <a:t> </a:t>
                       </a:r>
                       <a:r>
-                        <a:rPr lang="en-IN" sz="2000" b="0" dirty="0" err="1" smtClean="0">
+                        <a:rPr lang="en-IN" sz="2000" b="0" dirty="0" err="1">
                           <a:latin typeface="Times New Roman" pitchFamily="18" charset="0"/>
                           <a:cs typeface="Times New Roman" pitchFamily="18" charset="0"/>
                         </a:rPr>
                         <a:t>Rozaqi</a:t>
                       </a:r>
                       <a:r>
-                        <a:rPr lang="en-IN" sz="2000" b="0" dirty="0" smtClean="0">
+                        <a:rPr lang="en-IN" sz="2000" b="0" dirty="0">
                           <a:latin typeface="Times New Roman" pitchFamily="18" charset="0"/>
                           <a:cs typeface="Times New Roman" pitchFamily="18" charset="0"/>
                         </a:rPr>
                         <a:t>; </a:t>
                       </a:r>
                       <a:r>
-                        <a:rPr lang="en-IN" sz="2000" b="0" dirty="0" err="1" smtClean="0">
+                        <a:rPr lang="en-IN" sz="2000" b="0" dirty="0" err="1">
                           <a:latin typeface="Times New Roman" pitchFamily="18" charset="0"/>
                           <a:cs typeface="Times New Roman" pitchFamily="18" charset="0"/>
                         </a:rPr>
                         <a:t>Andi</a:t>
                       </a:r>
                       <a:r>
-                        <a:rPr lang="en-IN" sz="2000" b="0" dirty="0" smtClean="0">
+                        <a:rPr lang="en-IN" sz="2000" b="0" dirty="0">
                           <a:latin typeface="Times New Roman" pitchFamily="18" charset="0"/>
                           <a:cs typeface="Times New Roman" pitchFamily="18" charset="0"/>
                         </a:rPr>
                         <a:t> </a:t>
                       </a:r>
                       <a:r>
-                        <a:rPr lang="en-IN" sz="2000" b="0" dirty="0" err="1" smtClean="0">
+                        <a:rPr lang="en-IN" sz="2000" b="0" dirty="0" err="1">
                           <a:latin typeface="Times New Roman" pitchFamily="18" charset="0"/>
                           <a:cs typeface="Times New Roman" pitchFamily="18" charset="0"/>
                         </a:rPr>
@@ -4408,7 +4706,7 @@
                     <a:p>
                       <a:pPr algn="just"/>
                       <a:r>
-                        <a:rPr lang="en-US" sz="2000" b="0" dirty="0" smtClean="0">
+                        <a:rPr lang="en-US" sz="2000" b="0" dirty="0">
                           <a:latin typeface="Times New Roman" pitchFamily="18" charset="0"/>
                           <a:cs typeface="Times New Roman" pitchFamily="18" charset="0"/>
                         </a:rPr>
@@ -4429,7 +4727,7 @@
                     <a:p>
                       <a:pPr algn="just"/>
                       <a:r>
-                        <a:rPr lang="en-US" sz="2000" b="0" dirty="0" smtClean="0">
+                        <a:rPr lang="en-US" sz="2000" b="0" dirty="0">
                           <a:latin typeface="Times New Roman" pitchFamily="18" charset="0"/>
                           <a:cs typeface="Times New Roman" pitchFamily="18" charset="0"/>
                         </a:rPr>
@@ -4443,6 +4741,11 @@
                   </a:txBody>
                   <a:tcPr/>
                 </a:tc>
+                <a:extLst>
+                  <a:ext uri="{0D108BD9-81ED-4DB2-BD59-A6C34878D82A}">
+                    <a16:rowId xmlns:a16="http://schemas.microsoft.com/office/drawing/2014/main" val="10001"/>
+                  </a:ext>
+                </a:extLst>
               </a:tr>
             </a:tbl>
           </a:graphicData>
@@ -4494,13 +4797,13 @@
           <a:lstStyle/>
           <a:p>
             <a:r>
-              <a:rPr lang="en-US" b="1" dirty="0" smtClean="0">
+              <a:rPr lang="en-US" b="1" u="sng" dirty="0">
                 <a:latin typeface="Times New Roman" pitchFamily="18" charset="0"/>
                 <a:cs typeface="Times New Roman" pitchFamily="18" charset="0"/>
               </a:rPr>
               <a:t>Literature Survey-9</a:t>
             </a:r>
-            <a:endParaRPr lang="en-IN" b="1" dirty="0">
+            <a:endParaRPr lang="en-IN" b="1" u="sng" dirty="0">
               <a:latin typeface="Times New Roman" pitchFamily="18" charset="0"/>
               <a:cs typeface="Times New Roman" pitchFamily="18" charset="0"/>
             </a:endParaRPr>
@@ -4533,10 +4836,34 @@
                 <a:tableStyleId>{5C22544A-7EE6-4342-B048-85BDC9FD1C3A}</a:tableStyleId>
               </a:tblPr>
               <a:tblGrid>
-                <a:gridCol w="2592288"/>
-                <a:gridCol w="2448272"/>
-                <a:gridCol w="1584176"/>
-                <a:gridCol w="4824536"/>
+                <a:gridCol w="2592288">
+                  <a:extLst>
+                    <a:ext uri="{9D8B030D-6E8A-4147-A177-3AD203B41FA5}">
+                      <a16:colId xmlns:a16="http://schemas.microsoft.com/office/drawing/2014/main" val="20000"/>
+                    </a:ext>
+                  </a:extLst>
+                </a:gridCol>
+                <a:gridCol w="2448272">
+                  <a:extLst>
+                    <a:ext uri="{9D8B030D-6E8A-4147-A177-3AD203B41FA5}">
+                      <a16:colId xmlns:a16="http://schemas.microsoft.com/office/drawing/2014/main" val="20001"/>
+                    </a:ext>
+                  </a:extLst>
+                </a:gridCol>
+                <a:gridCol w="1584176">
+                  <a:extLst>
+                    <a:ext uri="{9D8B030D-6E8A-4147-A177-3AD203B41FA5}">
+                      <a16:colId xmlns:a16="http://schemas.microsoft.com/office/drawing/2014/main" val="20002"/>
+                    </a:ext>
+                  </a:extLst>
+                </a:gridCol>
+                <a:gridCol w="4824536">
+                  <a:extLst>
+                    <a:ext uri="{9D8B030D-6E8A-4147-A177-3AD203B41FA5}">
+                      <a16:colId xmlns:a16="http://schemas.microsoft.com/office/drawing/2014/main" val="20003"/>
+                    </a:ext>
+                  </a:extLst>
+                </a:gridCol>
               </a:tblGrid>
               <a:tr h="648072">
                 <a:tc>
@@ -4546,7 +4873,7 @@
                     <a:p>
                       <a:pPr algn="ctr"/>
                       <a:r>
-                        <a:rPr lang="en-US" sz="3200" dirty="0" smtClean="0">
+                        <a:rPr lang="en-US" sz="3200" dirty="0">
                           <a:latin typeface="Times New Roman" pitchFamily="18" charset="0"/>
                           <a:cs typeface="Times New Roman" pitchFamily="18" charset="0"/>
                         </a:rPr>
@@ -4567,7 +4894,7 @@
                     <a:p>
                       <a:pPr algn="ctr"/>
                       <a:r>
-                        <a:rPr lang="en-US" sz="3200" dirty="0" smtClean="0">
+                        <a:rPr lang="en-US" sz="3200" dirty="0">
                           <a:latin typeface="Times New Roman" pitchFamily="18" charset="0"/>
                           <a:cs typeface="Times New Roman" pitchFamily="18" charset="0"/>
                         </a:rPr>
@@ -4588,7 +4915,7 @@
                     <a:p>
                       <a:pPr algn="ctr"/>
                       <a:r>
-                        <a:rPr lang="en-US" sz="3200" dirty="0" smtClean="0">
+                        <a:rPr lang="en-US" sz="3200" dirty="0">
                           <a:latin typeface="Times New Roman" pitchFamily="18" charset="0"/>
                           <a:cs typeface="Times New Roman" pitchFamily="18" charset="0"/>
                         </a:rPr>
@@ -4609,7 +4936,7 @@
                     <a:p>
                       <a:pPr algn="ctr"/>
                       <a:r>
-                        <a:rPr lang="en-US" sz="3200" dirty="0" smtClean="0">
+                        <a:rPr lang="en-US" sz="3200" dirty="0">
                           <a:latin typeface="Times New Roman" pitchFamily="18" charset="0"/>
                           <a:cs typeface="Times New Roman" pitchFamily="18" charset="0"/>
                         </a:rPr>
@@ -4623,6 +4950,11 @@
                   </a:txBody>
                   <a:tcPr/>
                 </a:tc>
+                <a:extLst>
+                  <a:ext uri="{0D108BD9-81ED-4DB2-BD59-A6C34878D82A}">
+                    <a16:rowId xmlns:a16="http://schemas.microsoft.com/office/drawing/2014/main" val="10000"/>
+                  </a:ext>
+                </a:extLst>
               </a:tr>
               <a:tr h="4165664">
                 <a:tc>
@@ -4648,7 +4980,7 @@
                         <a:defRPr/>
                       </a:pPr>
                       <a:r>
-                        <a:rPr lang="en-US" sz="2000" b="0" dirty="0" smtClean="0">
+                        <a:rPr lang="en-US" sz="2000" b="0" dirty="0">
                           <a:latin typeface="Times New Roman" pitchFamily="18" charset="0"/>
                           <a:cs typeface="Times New Roman" pitchFamily="18" charset="0"/>
                         </a:rPr>
@@ -4688,55 +5020,55 @@
                         <a:defRPr/>
                       </a:pPr>
                       <a:r>
-                        <a:rPr lang="en-US" sz="2000" b="0" dirty="0" err="1" smtClean="0">
+                        <a:rPr lang="en-US" sz="2000" b="0" dirty="0" err="1">
                           <a:latin typeface="Times New Roman" pitchFamily="18" charset="0"/>
                           <a:cs typeface="Times New Roman" pitchFamily="18" charset="0"/>
                         </a:rPr>
                         <a:t>Aditi</a:t>
                       </a:r>
                       <a:r>
-                        <a:rPr lang="en-US" sz="2000" b="0" dirty="0" smtClean="0">
+                        <a:rPr lang="en-US" sz="2000" b="0" dirty="0">
                           <a:latin typeface="Times New Roman" pitchFamily="18" charset="0"/>
                           <a:cs typeface="Times New Roman" pitchFamily="18" charset="0"/>
                         </a:rPr>
                         <a:t> Singh1 and </a:t>
                       </a:r>
                       <a:r>
-                        <a:rPr lang="en-US" sz="2000" b="0" dirty="0" err="1" smtClean="0">
+                        <a:rPr lang="en-US" sz="2000" b="0" dirty="0" err="1">
                           <a:latin typeface="Times New Roman" pitchFamily="18" charset="0"/>
                           <a:cs typeface="Times New Roman" pitchFamily="18" charset="0"/>
                         </a:rPr>
                         <a:t>Harjeet</a:t>
                       </a:r>
                       <a:r>
-                        <a:rPr lang="en-US" sz="2000" b="0" dirty="0" smtClean="0">
+                        <a:rPr lang="en-US" sz="2000" b="0" dirty="0">
                           <a:latin typeface="Times New Roman" pitchFamily="18" charset="0"/>
                           <a:cs typeface="Times New Roman" pitchFamily="18" charset="0"/>
                         </a:rPr>
                         <a:t> </a:t>
                       </a:r>
                       <a:r>
-                        <a:rPr lang="en-US" sz="2000" b="0" dirty="0" err="1" smtClean="0">
+                        <a:rPr lang="en-US" sz="2000" b="0" dirty="0" err="1">
                           <a:latin typeface="Times New Roman" pitchFamily="18" charset="0"/>
                           <a:cs typeface="Times New Roman" pitchFamily="18" charset="0"/>
                         </a:rPr>
                         <a:t>Kaur</a:t>
                       </a:r>
-                      <a:endParaRPr lang="en-IN" sz="2000" b="0" dirty="0" smtClean="0">
+                      <a:endParaRPr lang="en-IN" sz="2000" b="0" dirty="0">
                         <a:latin typeface="Times New Roman" pitchFamily="18" charset="0"/>
                         <a:cs typeface="Times New Roman" pitchFamily="18" charset="0"/>
                       </a:endParaRPr>
                     </a:p>
                     <a:p>
                       <a:pPr algn="just"/>
-                      <a:endParaRPr lang="en-IN" sz="2000" b="0" dirty="0" smtClean="0">
+                      <a:endParaRPr lang="en-IN" sz="2000" b="0" dirty="0">
                         <a:latin typeface="Times New Roman" pitchFamily="18" charset="0"/>
                         <a:cs typeface="Times New Roman" pitchFamily="18" charset="0"/>
                       </a:endParaRPr>
                     </a:p>
                     <a:p>
                       <a:pPr algn="just"/>
-                      <a:endParaRPr lang="en-US" sz="2000" b="0" dirty="0" smtClean="0">
+                      <a:endParaRPr lang="en-US" sz="2000" b="0" dirty="0">
                         <a:latin typeface="Times New Roman" pitchFamily="18" charset="0"/>
                         <a:cs typeface="Times New Roman" pitchFamily="18" charset="0"/>
                       </a:endParaRPr>
@@ -4751,7 +5083,7 @@
                     <a:p>
                       <a:pPr algn="just"/>
                       <a:r>
-                        <a:rPr lang="en-US" sz="2000" b="0" dirty="0" smtClean="0">
+                        <a:rPr lang="en-US" sz="2000" b="0" dirty="0">
                           <a:latin typeface="Times New Roman" pitchFamily="18" charset="0"/>
                           <a:cs typeface="Times New Roman" pitchFamily="18" charset="0"/>
                         </a:rPr>
@@ -4772,7 +5104,7 @@
                     <a:p>
                       <a:pPr algn="just"/>
                       <a:r>
-                        <a:rPr lang="en-US" sz="2000" b="0" dirty="0" smtClean="0">
+                        <a:rPr lang="en-US" sz="2000" b="0" dirty="0">
                           <a:latin typeface="Times New Roman" pitchFamily="18" charset="0"/>
                           <a:cs typeface="Times New Roman" pitchFamily="18" charset="0"/>
                         </a:rPr>
@@ -4786,6 +5118,11 @@
                   </a:txBody>
                   <a:tcPr/>
                 </a:tc>
+                <a:extLst>
+                  <a:ext uri="{0D108BD9-81ED-4DB2-BD59-A6C34878D82A}">
+                    <a16:rowId xmlns:a16="http://schemas.microsoft.com/office/drawing/2014/main" val="10001"/>
+                  </a:ext>
+                </a:extLst>
               </a:tr>
             </a:tbl>
           </a:graphicData>
@@ -4837,13 +5174,13 @@
           <a:lstStyle/>
           <a:p>
             <a:r>
-              <a:rPr lang="en-US" b="1" dirty="0" smtClean="0">
+              <a:rPr lang="en-US" b="1" u="sng" dirty="0">
                 <a:latin typeface="Times New Roman" pitchFamily="18" charset="0"/>
                 <a:cs typeface="Times New Roman" pitchFamily="18" charset="0"/>
               </a:rPr>
               <a:t>Literature Survey-10</a:t>
             </a:r>
-            <a:endParaRPr lang="en-IN" b="1" dirty="0">
+            <a:endParaRPr lang="en-IN" b="1" u="sng" dirty="0">
               <a:latin typeface="Times New Roman" pitchFamily="18" charset="0"/>
               <a:cs typeface="Times New Roman" pitchFamily="18" charset="0"/>
             </a:endParaRPr>
@@ -4876,10 +5213,34 @@
                 <a:tableStyleId>{5C22544A-7EE6-4342-B048-85BDC9FD1C3A}</a:tableStyleId>
               </a:tblPr>
               <a:tblGrid>
-                <a:gridCol w="2592288"/>
-                <a:gridCol w="2448272"/>
-                <a:gridCol w="1584176"/>
-                <a:gridCol w="4824536"/>
+                <a:gridCol w="2592288">
+                  <a:extLst>
+                    <a:ext uri="{9D8B030D-6E8A-4147-A177-3AD203B41FA5}">
+                      <a16:colId xmlns:a16="http://schemas.microsoft.com/office/drawing/2014/main" val="20000"/>
+                    </a:ext>
+                  </a:extLst>
+                </a:gridCol>
+                <a:gridCol w="2448272">
+                  <a:extLst>
+                    <a:ext uri="{9D8B030D-6E8A-4147-A177-3AD203B41FA5}">
+                      <a16:colId xmlns:a16="http://schemas.microsoft.com/office/drawing/2014/main" val="20001"/>
+                    </a:ext>
+                  </a:extLst>
+                </a:gridCol>
+                <a:gridCol w="1584176">
+                  <a:extLst>
+                    <a:ext uri="{9D8B030D-6E8A-4147-A177-3AD203B41FA5}">
+                      <a16:colId xmlns:a16="http://schemas.microsoft.com/office/drawing/2014/main" val="20002"/>
+                    </a:ext>
+                  </a:extLst>
+                </a:gridCol>
+                <a:gridCol w="4824536">
+                  <a:extLst>
+                    <a:ext uri="{9D8B030D-6E8A-4147-A177-3AD203B41FA5}">
+                      <a16:colId xmlns:a16="http://schemas.microsoft.com/office/drawing/2014/main" val="20003"/>
+                    </a:ext>
+                  </a:extLst>
+                </a:gridCol>
               </a:tblGrid>
               <a:tr h="648072">
                 <a:tc>
@@ -4889,7 +5250,7 @@
                     <a:p>
                       <a:pPr algn="ctr"/>
                       <a:r>
-                        <a:rPr lang="en-US" sz="3200" dirty="0" smtClean="0">
+                        <a:rPr lang="en-US" sz="3200" dirty="0">
                           <a:latin typeface="Times New Roman" pitchFamily="18" charset="0"/>
                           <a:cs typeface="Times New Roman" pitchFamily="18" charset="0"/>
                         </a:rPr>
@@ -4910,7 +5271,7 @@
                     <a:p>
                       <a:pPr algn="ctr"/>
                       <a:r>
-                        <a:rPr lang="en-US" sz="3200" dirty="0" smtClean="0">
+                        <a:rPr lang="en-US" sz="3200" dirty="0">
                           <a:latin typeface="Times New Roman" pitchFamily="18" charset="0"/>
                           <a:cs typeface="Times New Roman" pitchFamily="18" charset="0"/>
                         </a:rPr>
@@ -4931,7 +5292,7 @@
                     <a:p>
                       <a:pPr algn="ctr"/>
                       <a:r>
-                        <a:rPr lang="en-US" sz="3200" dirty="0" smtClean="0">
+                        <a:rPr lang="en-US" sz="3200" dirty="0">
                           <a:latin typeface="Times New Roman" pitchFamily="18" charset="0"/>
                           <a:cs typeface="Times New Roman" pitchFamily="18" charset="0"/>
                         </a:rPr>
@@ -4952,7 +5313,7 @@
                     <a:p>
                       <a:pPr algn="ctr"/>
                       <a:r>
-                        <a:rPr lang="en-US" sz="3200" dirty="0" smtClean="0">
+                        <a:rPr lang="en-US" sz="3200" dirty="0">
                           <a:latin typeface="Times New Roman" pitchFamily="18" charset="0"/>
                           <a:cs typeface="Times New Roman" pitchFamily="18" charset="0"/>
                         </a:rPr>
@@ -4966,6 +5327,11 @@
                   </a:txBody>
                   <a:tcPr/>
                 </a:tc>
+                <a:extLst>
+                  <a:ext uri="{0D108BD9-81ED-4DB2-BD59-A6C34878D82A}">
+                    <a16:rowId xmlns:a16="http://schemas.microsoft.com/office/drawing/2014/main" val="10000"/>
+                  </a:ext>
+                </a:extLst>
               </a:tr>
               <a:tr h="4165664">
                 <a:tc>
@@ -4975,7 +5341,7 @@
                     <a:p>
                       <a:pPr algn="just"/>
                       <a:r>
-                        <a:rPr lang="en-US" sz="2000" b="0" dirty="0" smtClean="0">
+                        <a:rPr lang="en-US" sz="2000" b="0" dirty="0">
                           <a:latin typeface="Times New Roman" pitchFamily="18" charset="0"/>
                           <a:cs typeface="Times New Roman" pitchFamily="18" charset="0"/>
                         </a:rPr>
@@ -4996,25 +5362,42 @@
                     <a:p>
                       <a:pPr algn="just"/>
                       <a:r>
-                        <a:rPr lang="en-IN" sz="2000" b="0" dirty="0" smtClean="0">
+                        <a:rPr lang="en-IN" sz="2000" b="0" dirty="0">
                           <a:latin typeface="Times New Roman" pitchFamily="18" charset="0"/>
                           <a:cs typeface="Times New Roman" pitchFamily="18" charset="0"/>
                         </a:rPr>
                         <a:t>Joe Johnson , </a:t>
                       </a:r>
                       <a:r>
-                        <a:rPr lang="en-IN" sz="2000" b="0" dirty="0" err="1" smtClean="0">
+                        <a:rPr lang="en-IN" sz="2000" b="0" dirty="0" err="1">
                           <a:latin typeface="Times New Roman" pitchFamily="18" charset="0"/>
                           <a:cs typeface="Times New Roman" pitchFamily="18" charset="0"/>
                         </a:rPr>
                         <a:t>Geetanjali</a:t>
                       </a:r>
                       <a:r>
-                        <a:rPr lang="en-IN" sz="2000" b="0" dirty="0" smtClean="0">
+                        <a:rPr lang="en-IN" sz="2000" b="0" dirty="0">
                           <a:latin typeface="Times New Roman" pitchFamily="18" charset="0"/>
                           <a:cs typeface="Times New Roman" pitchFamily="18" charset="0"/>
                         </a:rPr>
                         <a:t> Sharma</a:t>
+                      </a:r>
+                    </a:p>
+                  </a:txBody>
+                  <a:tcPr/>
+                </a:tc>
+                <a:tc>
+                  <a:txBody>
+                    <a:bodyPr/>
+                    <a:lstStyle/>
+                    <a:p>
+                      <a:pPr algn="just"/>
+                      <a:r>
+                        <a:rPr lang="en-US" sz="2000" b="0" dirty="0">
+                          <a:latin typeface="Times New Roman" pitchFamily="18" charset="0"/>
+                          <a:cs typeface="Times New Roman" pitchFamily="18" charset="0"/>
+                        </a:rPr>
+                        <a:t>2021</a:t>
                       </a:r>
                       <a:endParaRPr lang="en-IN" sz="2000" b="0" dirty="0">
                         <a:latin typeface="Times New Roman" pitchFamily="18" charset="0"/>
@@ -5031,11 +5414,11 @@
                     <a:p>
                       <a:pPr algn="just"/>
                       <a:r>
-                        <a:rPr lang="en-US" sz="2000" b="0" dirty="0" smtClean="0">
-                          <a:latin typeface="Times New Roman" pitchFamily="18" charset="0"/>
-                          <a:cs typeface="Times New Roman" pitchFamily="18" charset="0"/>
-                        </a:rPr>
-                        <a:t>2021</a:t>
+                        <a:rPr lang="en-US" sz="2000" b="0" dirty="0">
+                          <a:latin typeface="Times New Roman" pitchFamily="18" charset="0"/>
+                          <a:cs typeface="Times New Roman" pitchFamily="18" charset="0"/>
+                        </a:rPr>
+                        <a:t>The model was trained on a dataset of 1423 images of potato leaves obtained from fields in different geographical locations and at different times of the day. The images were manually annotated to create over 6200 labeled patches covering diseased and healthy portions of the leaf. The Mask R-CNN model was able to correctly differentiate between the diseased patch on the potato leaf and the similar-looking background soil patches, which can confound the outcome of binary classification.</a:t>
                       </a:r>
                       <a:endParaRPr lang="en-IN" sz="2000" b="0" dirty="0">
                         <a:latin typeface="Times New Roman" pitchFamily="18" charset="0"/>
@@ -5045,27 +5428,11 @@
                   </a:txBody>
                   <a:tcPr/>
                 </a:tc>
-                <a:tc>
-                  <a:txBody>
-                    <a:bodyPr/>
-                    <a:lstStyle/>
-                    <a:p>
-                      <a:pPr algn="just"/>
-                      <a:r>
-                        <a:rPr lang="en-US" sz="2000" b="0" dirty="0" smtClean="0">
-                          <a:latin typeface="Times New Roman" pitchFamily="18" charset="0"/>
-                          <a:cs typeface="Times New Roman" pitchFamily="18" charset="0"/>
-                        </a:rPr>
-                        <a:t>The model was trained on a dataset of 1423 images of potato leaves obtained from fields in different geographical locations and at different times of the day. The images were manually annotated to create over 6200 labeled patches covering diseased and healthy portions of the leaf. The Mask R-CNN model was able to correctly differentiate between the diseased patch on the potato leaf and the similar-looking background soil patches, which can confound the outcome of binary classification.</a:t>
-                      </a:r>
-                      <a:endParaRPr lang="en-IN" sz="2000" b="0" dirty="0">
-                        <a:latin typeface="Times New Roman" pitchFamily="18" charset="0"/>
-                        <a:cs typeface="Times New Roman" pitchFamily="18" charset="0"/>
-                      </a:endParaRPr>
-                    </a:p>
-                  </a:txBody>
-                  <a:tcPr/>
-                </a:tc>
+                <a:extLst>
+                  <a:ext uri="{0D108BD9-81ED-4DB2-BD59-A6C34878D82A}">
+                    <a16:rowId xmlns:a16="http://schemas.microsoft.com/office/drawing/2014/main" val="10001"/>
+                  </a:ext>
+                </a:extLst>
               </a:tr>
             </a:tbl>
           </a:graphicData>
@@ -5117,13 +5484,27 @@
           <a:lstStyle/>
           <a:p>
             <a:r>
-              <a:rPr lang="en-US" dirty="0" smtClean="0">
-                <a:latin typeface="Times New Roman" pitchFamily="18" charset="0"/>
-                <a:cs typeface="Times New Roman" pitchFamily="18" charset="0"/>
-              </a:rPr>
-              <a:t>Existing System</a:t>
-            </a:r>
-            <a:endParaRPr lang="en-IN" dirty="0">
+              <a:rPr lang="en-US" b="1" u="sng" dirty="0">
+                <a:latin typeface="Times New Roman" pitchFamily="18" charset="0"/>
+                <a:cs typeface="Times New Roman" pitchFamily="18" charset="0"/>
+              </a:rPr>
+              <a:t>EXISTING</a:t>
+            </a:r>
+            <a:r>
+              <a:rPr lang="en-US" u="sng" dirty="0">
+                <a:latin typeface="Times New Roman" pitchFamily="18" charset="0"/>
+                <a:cs typeface="Times New Roman" pitchFamily="18" charset="0"/>
+              </a:rPr>
+              <a:t> </a:t>
+            </a:r>
+            <a:r>
+              <a:rPr lang="en-US" b="1" u="sng" dirty="0">
+                <a:latin typeface="Times New Roman" pitchFamily="18" charset="0"/>
+                <a:cs typeface="Times New Roman" pitchFamily="18" charset="0"/>
+              </a:rPr>
+              <a:t>SYSTEM</a:t>
+            </a:r>
+            <a:endParaRPr lang="en-IN" b="1" u="sng" dirty="0">
               <a:latin typeface="Times New Roman" pitchFamily="18" charset="0"/>
               <a:cs typeface="Times New Roman" pitchFamily="18" charset="0"/>
             </a:endParaRPr>
@@ -5149,7 +5530,7 @@
           <a:p>
             <a:pPr algn="just"/>
             <a:r>
-              <a:rPr lang="en-US" dirty="0" smtClean="0">
+              <a:rPr lang="en-US" dirty="0">
                 <a:latin typeface="Times New Roman" pitchFamily="18" charset="0"/>
                 <a:cs typeface="Times New Roman" pitchFamily="18" charset="0"/>
               </a:rPr>
@@ -5159,21 +5540,21 @@
           <a:p>
             <a:pPr algn="just"/>
             <a:r>
-              <a:rPr lang="en-US" dirty="0" smtClean="0">
+              <a:rPr lang="en-US" dirty="0">
                 <a:latin typeface="Times New Roman" pitchFamily="18" charset="0"/>
                 <a:cs typeface="Times New Roman" pitchFamily="18" charset="0"/>
               </a:rPr>
               <a:t>Extract the deep feature of the leaf using a combination of the pre-trained model and </a:t>
             </a:r>
             <a:r>
-              <a:rPr lang="en-US" dirty="0" err="1" smtClean="0">
+              <a:rPr lang="en-US" dirty="0" err="1">
                 <a:latin typeface="Times New Roman" pitchFamily="18" charset="0"/>
                 <a:cs typeface="Times New Roman" pitchFamily="18" charset="0"/>
               </a:rPr>
               <a:t>ViT</a:t>
             </a:r>
             <a:r>
-              <a:rPr lang="en-US" dirty="0" smtClean="0">
+              <a:rPr lang="en-US" dirty="0">
                 <a:latin typeface="Times New Roman" pitchFamily="18" charset="0"/>
                 <a:cs typeface="Times New Roman" pitchFamily="18" charset="0"/>
               </a:rPr>
@@ -5183,21 +5564,21 @@
           <a:p>
             <a:pPr algn="just"/>
             <a:r>
-              <a:rPr lang="en-US" dirty="0" smtClean="0">
+              <a:rPr lang="en-US" dirty="0">
                 <a:latin typeface="Times New Roman" pitchFamily="18" charset="0"/>
                 <a:cs typeface="Times New Roman" pitchFamily="18" charset="0"/>
               </a:rPr>
               <a:t>Comparisons between the </a:t>
             </a:r>
             <a:r>
-              <a:rPr lang="en-US" dirty="0" err="1" smtClean="0">
+              <a:rPr lang="en-US" dirty="0" err="1">
                 <a:latin typeface="Times New Roman" pitchFamily="18" charset="0"/>
                 <a:cs typeface="Times New Roman" pitchFamily="18" charset="0"/>
               </a:rPr>
               <a:t>TLMViT</a:t>
             </a:r>
             <a:r>
-              <a:rPr lang="en-US" dirty="0" smtClean="0">
+              <a:rPr lang="en-US" dirty="0">
                 <a:latin typeface="Times New Roman" pitchFamily="18" charset="0"/>
                 <a:cs typeface="Times New Roman" pitchFamily="18" charset="0"/>
               </a:rPr>
@@ -5256,13 +5637,13 @@
           <a:lstStyle/>
           <a:p>
             <a:r>
-              <a:rPr lang="en-US" dirty="0" smtClean="0">
-                <a:latin typeface="Times New Roman" pitchFamily="18" charset="0"/>
-                <a:cs typeface="Times New Roman" pitchFamily="18" charset="0"/>
-              </a:rPr>
-              <a:t>Proposed System</a:t>
-            </a:r>
-            <a:endParaRPr lang="en-IN" dirty="0">
+              <a:rPr lang="en-US" b="1" u="sng" dirty="0">
+                <a:latin typeface="Times New Roman" pitchFamily="18" charset="0"/>
+                <a:cs typeface="Times New Roman" pitchFamily="18" charset="0"/>
+              </a:rPr>
+              <a:t>PROPOSED SYSTEM</a:t>
+            </a:r>
+            <a:endParaRPr lang="en-IN" b="1" u="sng" dirty="0">
               <a:latin typeface="Times New Roman" pitchFamily="18" charset="0"/>
               <a:cs typeface="Times New Roman" pitchFamily="18" charset="0"/>
             </a:endParaRPr>
@@ -5290,25 +5671,11 @@
               <a:buNone/>
             </a:pPr>
             <a:r>
-              <a:rPr lang="en-US" dirty="0" smtClean="0">
-                <a:latin typeface="Times New Roman" pitchFamily="18" charset="0"/>
-                <a:cs typeface="Times New Roman" pitchFamily="18" charset="0"/>
-              </a:rPr>
-              <a:t>The  proposed system leaf disease using </a:t>
-            </a:r>
-            <a:r>
               <a:rPr lang="en-US" dirty="0">
                 <a:latin typeface="Times New Roman" pitchFamily="18" charset="0"/>
                 <a:cs typeface="Times New Roman" pitchFamily="18" charset="0"/>
               </a:rPr>
-              <a:t>the </a:t>
-            </a:r>
-            <a:r>
-              <a:rPr lang="en-US" dirty="0" smtClean="0">
-                <a:latin typeface="Times New Roman" pitchFamily="18" charset="0"/>
-                <a:cs typeface="Times New Roman" pitchFamily="18" charset="0"/>
-              </a:rPr>
-              <a:t>DCNN .</a:t>
+              <a:t>The  proposed system leaf disease using the DCNN .</a:t>
             </a:r>
           </a:p>
           <a:p>
@@ -5318,14 +5685,7 @@
                 <a:latin typeface="Times New Roman" pitchFamily="18" charset="0"/>
                 <a:cs typeface="Times New Roman" pitchFamily="18" charset="0"/>
               </a:rPr>
-              <a:t>Collect a comprehensive dataset of leaf images, including various types of diseases and healthy leaves</a:t>
-            </a:r>
-            <a:r>
-              <a:rPr lang="en-US" dirty="0" smtClean="0">
-                <a:latin typeface="Times New Roman" pitchFamily="18" charset="0"/>
-                <a:cs typeface="Times New Roman" pitchFamily="18" charset="0"/>
-              </a:rPr>
-              <a:t>.</a:t>
+              <a:t>Collect a comprehensive dataset of leaf images, including various types of diseases and healthy leaves.</a:t>
             </a:r>
           </a:p>
           <a:p>
@@ -5335,56 +5695,35 @@
                 <a:latin typeface="Times New Roman" pitchFamily="18" charset="0"/>
                 <a:cs typeface="Times New Roman" pitchFamily="18" charset="0"/>
               </a:rPr>
-              <a:t>Choose a pre-trained </a:t>
-            </a:r>
-            <a:r>
-              <a:rPr lang="en-US" dirty="0" smtClean="0">
-                <a:latin typeface="Times New Roman" pitchFamily="18" charset="0"/>
-                <a:cs typeface="Times New Roman" pitchFamily="18" charset="0"/>
-              </a:rPr>
-              <a:t>DCNN </a:t>
+              <a:t>Choose a pre-trained DCNN model from deep learning libraries such as </a:t>
+            </a:r>
+            <a:r>
+              <a:rPr lang="en-US" dirty="0" err="1">
+                <a:latin typeface="Times New Roman" pitchFamily="18" charset="0"/>
+                <a:cs typeface="Times New Roman" pitchFamily="18" charset="0"/>
+              </a:rPr>
+              <a:t>TensorFlow</a:t>
             </a:r>
             <a:r>
               <a:rPr lang="en-US" dirty="0">
                 <a:latin typeface="Times New Roman" pitchFamily="18" charset="0"/>
                 <a:cs typeface="Times New Roman" pitchFamily="18" charset="0"/>
               </a:rPr>
-              <a:t>model from deep learning libraries such as </a:t>
-            </a:r>
-            <a:r>
-              <a:rPr lang="en-US" dirty="0" err="1" smtClean="0">
-                <a:latin typeface="Times New Roman" pitchFamily="18" charset="0"/>
-                <a:cs typeface="Times New Roman" pitchFamily="18" charset="0"/>
-              </a:rPr>
-              <a:t>TensorFlow</a:t>
-            </a:r>
-            <a:r>
-              <a:rPr lang="en-US" dirty="0" smtClean="0">
-                <a:latin typeface="Times New Roman" pitchFamily="18" charset="0"/>
-                <a:cs typeface="Times New Roman" pitchFamily="18" charset="0"/>
-              </a:rPr>
               <a:t> (with </a:t>
             </a:r>
             <a:r>
-              <a:rPr lang="en-US" dirty="0" err="1" smtClean="0">
+              <a:rPr lang="en-US" dirty="0" err="1">
                 <a:latin typeface="Times New Roman" pitchFamily="18" charset="0"/>
                 <a:cs typeface="Times New Roman" pitchFamily="18" charset="0"/>
               </a:rPr>
               <a:t>Keras</a:t>
             </a:r>
             <a:r>
-              <a:rPr lang="en-US" dirty="0" smtClean="0">
-                <a:latin typeface="Times New Roman" pitchFamily="18" charset="0"/>
-                <a:cs typeface="Times New Roman" pitchFamily="18" charset="0"/>
-              </a:rPr>
-              <a:t>) </a:t>
-            </a:r>
-            <a:r>
               <a:rPr lang="en-US" dirty="0">
                 <a:latin typeface="Times New Roman" pitchFamily="18" charset="0"/>
                 <a:cs typeface="Times New Roman" pitchFamily="18" charset="0"/>
               </a:rPr>
-              <a:t>or </a:t>
+              <a:t>) or </a:t>
             </a:r>
             <a:r>
               <a:rPr lang="en-US" dirty="0" err="1">
@@ -5398,31 +5737,17 @@
                 <a:latin typeface="Times New Roman" pitchFamily="18" charset="0"/>
                 <a:cs typeface="Times New Roman" pitchFamily="18" charset="0"/>
               </a:rPr>
-              <a:t>. For example, you can use </a:t>
-            </a:r>
-            <a:r>
-              <a:rPr lang="en-US" dirty="0" smtClean="0">
-                <a:latin typeface="Times New Roman" pitchFamily="18" charset="0"/>
-                <a:cs typeface="Times New Roman" pitchFamily="18" charset="0"/>
-              </a:rPr>
-              <a:t>DCNN.</a:t>
+              <a:t>. For example, you can use DCNN.</a:t>
             </a:r>
           </a:p>
           <a:p>
             <a:pPr algn="just"/>
             <a:r>
-              <a:rPr lang="en-US" dirty="0" smtClean="0">
-                <a:latin typeface="Times New Roman" pitchFamily="18" charset="0"/>
-                <a:cs typeface="Times New Roman" pitchFamily="18" charset="0"/>
-              </a:rPr>
-              <a:t>Train </a:t>
-            </a:r>
-            <a:r>
               <a:rPr lang="en-US" dirty="0">
                 <a:latin typeface="Times New Roman" pitchFamily="18" charset="0"/>
                 <a:cs typeface="Times New Roman" pitchFamily="18" charset="0"/>
               </a:rPr>
-              <a:t>the model on the training dataset. Use an appropriate loss function (e.g., categorical cross-entropy for multi-class classification) and an optimizer (e.g., Adam).</a:t>
+              <a:t>Train the model on the training dataset. Use an appropriate loss function (e.g., categorical cross-entropy for multi-class classification) and an optimizer (e.g., Adam).</a:t>
             </a:r>
           </a:p>
           <a:p>
@@ -5495,13 +5820,13 @@
           <a:lstStyle/>
           <a:p>
             <a:r>
-              <a:rPr lang="en-US" dirty="0" smtClean="0">
-                <a:latin typeface="Times New Roman" pitchFamily="18" charset="0"/>
-                <a:cs typeface="Times New Roman" pitchFamily="18" charset="0"/>
-              </a:rPr>
-              <a:t>Block Diagram</a:t>
-            </a:r>
-            <a:endParaRPr lang="en-IN" dirty="0">
+              <a:rPr lang="en-US" b="1" u="sng" dirty="0">
+                <a:latin typeface="Times New Roman" pitchFamily="18" charset="0"/>
+                <a:cs typeface="Times New Roman" pitchFamily="18" charset="0"/>
+              </a:rPr>
+              <a:t>BLOCK DIAGRAM</a:t>
+            </a:r>
+            <a:endParaRPr lang="en-IN" b="1" u="sng" dirty="0">
               <a:latin typeface="Times New Roman" pitchFamily="18" charset="0"/>
               <a:cs typeface="Times New Roman" pitchFamily="18" charset="0"/>
             </a:endParaRPr>
@@ -5551,7 +5876,7 @@
           <a:p>
             <a:pPr algn="ctr"/>
             <a:r>
-              <a:rPr lang="en-US" dirty="0" smtClean="0">
+              <a:rPr lang="en-US" dirty="0">
                 <a:solidFill>
                   <a:schemeClr val="tx1"/>
                 </a:solidFill>
@@ -5609,7 +5934,7 @@
           <a:p>
             <a:pPr algn="ctr"/>
             <a:r>
-              <a:rPr lang="en-US" dirty="0" smtClean="0">
+              <a:rPr lang="en-US" dirty="0">
                 <a:solidFill>
                   <a:schemeClr val="tx1"/>
                 </a:solidFill>
@@ -5620,7 +5945,7 @@
           <a:p>
             <a:pPr algn="ctr"/>
             <a:r>
-              <a:rPr lang="en-US" dirty="0" smtClean="0">
+              <a:rPr lang="en-US" dirty="0">
                 <a:solidFill>
                   <a:schemeClr val="tx1"/>
                 </a:solidFill>
@@ -5678,7 +6003,7 @@
           <a:p>
             <a:pPr algn="ctr"/>
             <a:r>
-              <a:rPr lang="en-US" dirty="0" smtClean="0">
+              <a:rPr lang="en-US" dirty="0">
                 <a:solidFill>
                   <a:schemeClr val="tx1"/>
                 </a:solidFill>
@@ -5696,7 +6021,7 @@
           </a:p>
           <a:p>
             <a:pPr algn="ctr"/>
-            <a:endParaRPr lang="en-US" dirty="0" smtClean="0">
+            <a:endParaRPr lang="en-US" dirty="0">
               <a:solidFill>
                 <a:schemeClr val="tx1"/>
               </a:solidFill>
@@ -5712,7 +6037,7 @@
           </a:p>
           <a:p>
             <a:pPr algn="ctr"/>
-            <a:endParaRPr lang="en-US" dirty="0" smtClean="0">
+            <a:endParaRPr lang="en-US" dirty="0">
               <a:solidFill>
                 <a:schemeClr val="tx1"/>
               </a:solidFill>
@@ -5771,7 +6096,7 @@
           <a:p>
             <a:pPr algn="ctr"/>
             <a:r>
-              <a:rPr lang="en-US" dirty="0" smtClean="0">
+              <a:rPr lang="en-US" dirty="0">
                 <a:solidFill>
                   <a:schemeClr val="tx1"/>
                 </a:solidFill>
@@ -5829,7 +6154,7 @@
           <a:p>
             <a:pPr algn="ctr"/>
             <a:r>
-              <a:rPr lang="en-US" dirty="0" smtClean="0">
+              <a:rPr lang="en-US" dirty="0">
                 <a:solidFill>
                   <a:schemeClr val="tx1"/>
                 </a:solidFill>
@@ -5887,7 +6212,7 @@
           <a:p>
             <a:pPr algn="ctr"/>
             <a:r>
-              <a:rPr lang="en-US" dirty="0" smtClean="0">
+              <a:rPr lang="en-US" dirty="0">
                 <a:solidFill>
                   <a:schemeClr val="tx1"/>
                 </a:solidFill>
@@ -6216,15 +6541,14 @@
           <a:bodyPr/>
           <a:lstStyle/>
           <a:p>
-            <a:pPr algn="l"/>
-            <a:r>
-              <a:rPr lang="en-US" dirty="0" smtClean="0">
-                <a:latin typeface="Times New Roman" pitchFamily="18" charset="0"/>
-                <a:cs typeface="Times New Roman" pitchFamily="18" charset="0"/>
-              </a:rPr>
-              <a:t>Modules </a:t>
-            </a:r>
-            <a:endParaRPr lang="en-IN" dirty="0">
+            <a:r>
+              <a:rPr lang="en-US" b="1" u="sng" dirty="0">
+                <a:latin typeface="Times New Roman" pitchFamily="18" charset="0"/>
+                <a:cs typeface="Times New Roman" pitchFamily="18" charset="0"/>
+              </a:rPr>
+              <a:t>MODULES </a:t>
+            </a:r>
+            <a:endParaRPr lang="en-IN" b="1" u="sng" dirty="0">
               <a:latin typeface="Times New Roman" pitchFamily="18" charset="0"/>
               <a:cs typeface="Times New Roman" pitchFamily="18" charset="0"/>
             </a:endParaRPr>
@@ -6243,16 +6567,17 @@
         </p:nvSpPr>
         <p:spPr>
           <a:xfrm>
-            <a:off x="684387" y="1628800"/>
-            <a:ext cx="11471434" cy="4525963"/>
+            <a:off x="5076875" y="1700808"/>
+            <a:ext cx="6408712" cy="4525963"/>
           </a:xfrm>
         </p:spPr>
         <p:txBody>
           <a:bodyPr/>
           <a:lstStyle/>
           <a:p>
-            <a:r>
-              <a:rPr lang="en-US" dirty="0" smtClean="0">
+            <a:pPr algn="just"/>
+            <a:r>
+              <a:rPr lang="en-US" dirty="0">
                 <a:latin typeface="Times New Roman" pitchFamily="18" charset="0"/>
                 <a:cs typeface="Times New Roman" pitchFamily="18" charset="0"/>
               </a:rPr>
@@ -6260,8 +6585,9 @@
             </a:r>
           </a:p>
           <a:p>
-            <a:r>
-              <a:rPr lang="en-US" dirty="0" smtClean="0">
+            <a:pPr algn="just"/>
+            <a:r>
+              <a:rPr lang="en-US" dirty="0">
                 <a:latin typeface="Times New Roman" pitchFamily="18" charset="0"/>
                 <a:cs typeface="Times New Roman" pitchFamily="18" charset="0"/>
               </a:rPr>
@@ -6269,8 +6595,9 @@
             </a:r>
           </a:p>
           <a:p>
-            <a:r>
-              <a:rPr lang="en-US" dirty="0" smtClean="0">
+            <a:pPr algn="just"/>
+            <a:r>
+              <a:rPr lang="en-US" dirty="0">
                 <a:latin typeface="Times New Roman" pitchFamily="18" charset="0"/>
                 <a:cs typeface="Times New Roman" pitchFamily="18" charset="0"/>
               </a:rPr>
@@ -6278,8 +6605,9 @@
             </a:r>
           </a:p>
           <a:p>
-            <a:r>
-              <a:rPr lang="en-US" dirty="0" smtClean="0">
+            <a:pPr algn="just"/>
+            <a:r>
+              <a:rPr lang="en-US" dirty="0">
                 <a:latin typeface="Times New Roman" pitchFamily="18" charset="0"/>
                 <a:cs typeface="Times New Roman" pitchFamily="18" charset="0"/>
               </a:rPr>
@@ -6287,6 +6615,7 @@
             </a:r>
           </a:p>
           <a:p>
+            <a:pPr algn="just"/>
             <a:endParaRPr lang="en-IN" dirty="0">
               <a:latin typeface="Times New Roman" pitchFamily="18" charset="0"/>
               <a:cs typeface="Times New Roman" pitchFamily="18" charset="0"/>
@@ -6339,13 +6668,19 @@
           <a:bodyPr/>
           <a:lstStyle/>
           <a:p>
-            <a:pPr algn="l"/>
-            <a:r>
-              <a:rPr lang="en-US" dirty="0" smtClean="0">
-                <a:latin typeface="Times New Roman" pitchFamily="18" charset="0"/>
-                <a:cs typeface="Times New Roman" pitchFamily="18" charset="0"/>
-              </a:rPr>
-              <a:t>Objective </a:t>
+            <a:r>
+              <a:rPr lang="en-US" b="1" u="sng" dirty="0">
+                <a:latin typeface="Times New Roman" panose="02020603050405020304" pitchFamily="18" charset="0"/>
+                <a:cs typeface="Times New Roman" panose="02020603050405020304" pitchFamily="18" charset="0"/>
+              </a:rPr>
+              <a:t>OBJECTIVE</a:t>
+            </a:r>
+            <a:r>
+              <a:rPr lang="en-US" dirty="0">
+                <a:latin typeface="Times New Roman" pitchFamily="18" charset="0"/>
+                <a:cs typeface="Times New Roman" pitchFamily="18" charset="0"/>
+              </a:rPr>
+              <a:t> </a:t>
             </a:r>
             <a:endParaRPr lang="en-IN" dirty="0">
               <a:latin typeface="Times New Roman" pitchFamily="18" charset="0"/>
@@ -6364,13 +6699,21 @@
             <p:ph idx="1"/>
           </p:nvPr>
         </p:nvSpPr>
-        <p:spPr/>
+        <p:spPr>
+          <a:xfrm>
+            <a:off x="2101004" y="1664804"/>
+            <a:ext cx="8544029" cy="3528392"/>
+          </a:xfrm>
+        </p:spPr>
         <p:txBody>
           <a:bodyPr/>
           <a:lstStyle/>
           <a:p>
-            <a:r>
-              <a:rPr lang="en-US" dirty="0" smtClean="0">
+            <a:pPr marL="0" indent="0" algn="just">
+              <a:buNone/>
+            </a:pPr>
+            <a:r>
+              <a:rPr lang="en-US" dirty="0">
                 <a:latin typeface="Times New Roman" pitchFamily="18" charset="0"/>
                 <a:cs typeface="Times New Roman" pitchFamily="18" charset="0"/>
               </a:rPr>
@@ -6428,15 +6771,14 @@
           <a:bodyPr/>
           <a:lstStyle/>
           <a:p>
-            <a:pPr algn="l"/>
-            <a:r>
-              <a:rPr lang="en-US" b="1" dirty="0" smtClean="0">
-                <a:latin typeface="Times New Roman" pitchFamily="18" charset="0"/>
-                <a:cs typeface="Times New Roman" pitchFamily="18" charset="0"/>
-              </a:rPr>
-              <a:t>Data Collection:</a:t>
-            </a:r>
-            <a:endParaRPr lang="en-IN" dirty="0">
+            <a:r>
+              <a:rPr lang="en-US" b="1" u="sng" dirty="0">
+                <a:latin typeface="Times New Roman" pitchFamily="18" charset="0"/>
+                <a:cs typeface="Times New Roman" pitchFamily="18" charset="0"/>
+              </a:rPr>
+              <a:t>DATA COLLECTION:</a:t>
+            </a:r>
+            <a:endParaRPr lang="en-IN" u="sng" dirty="0">
               <a:latin typeface="Times New Roman" pitchFamily="18" charset="0"/>
               <a:cs typeface="Times New Roman" pitchFamily="18" charset="0"/>
             </a:endParaRPr>
@@ -6460,67 +6802,11 @@
           <a:p>
             <a:pPr lvl="0" algn="just"/>
             <a:r>
-              <a:rPr lang="en-US" dirty="0" smtClean="0">
-                <a:latin typeface="Times New Roman" pitchFamily="18" charset="0"/>
-                <a:cs typeface="Times New Roman" pitchFamily="18" charset="0"/>
-              </a:rPr>
-              <a:t>The </a:t>
-            </a:r>
-            <a:r>
               <a:rPr lang="en-US" dirty="0">
                 <a:latin typeface="Times New Roman" pitchFamily="18" charset="0"/>
                 <a:cs typeface="Times New Roman" pitchFamily="18" charset="0"/>
               </a:rPr>
-              <a:t>first step is to </a:t>
-            </a:r>
-            <a:r>
-              <a:rPr lang="en-US" dirty="0" smtClean="0">
-                <a:latin typeface="Times New Roman" pitchFamily="18" charset="0"/>
-                <a:cs typeface="Times New Roman" pitchFamily="18" charset="0"/>
-              </a:rPr>
-              <a:t>Collecting </a:t>
-            </a:r>
-            <a:r>
-              <a:rPr lang="en-US" dirty="0">
-                <a:latin typeface="Times New Roman" pitchFamily="18" charset="0"/>
-                <a:cs typeface="Times New Roman" pitchFamily="18" charset="0"/>
-              </a:rPr>
-              <a:t>data on plant leave</a:t>
-            </a:r>
-            <a:r>
-              <a:rPr lang="en-US" dirty="0" smtClean="0">
-                <a:latin typeface="Times New Roman" pitchFamily="18" charset="0"/>
-                <a:cs typeface="Times New Roman" pitchFamily="18" charset="0"/>
-              </a:rPr>
-              <a:t> </a:t>
-            </a:r>
-            <a:r>
-              <a:rPr lang="en-US" dirty="0">
-                <a:latin typeface="Times New Roman" pitchFamily="18" charset="0"/>
-                <a:cs typeface="Times New Roman" pitchFamily="18" charset="0"/>
-              </a:rPr>
-              <a:t>diseases is essential for research, disease management, and developing </a:t>
-            </a:r>
-            <a:r>
-              <a:rPr lang="en-US" dirty="0" smtClean="0">
-                <a:latin typeface="Times New Roman" pitchFamily="18" charset="0"/>
-                <a:cs typeface="Times New Roman" pitchFamily="18" charset="0"/>
-              </a:rPr>
-              <a:t>solutions </a:t>
-            </a:r>
-            <a:r>
-              <a:rPr lang="en-US" dirty="0">
-                <a:latin typeface="Times New Roman" pitchFamily="18" charset="0"/>
-                <a:cs typeface="Times New Roman" pitchFamily="18" charset="0"/>
-              </a:rPr>
-              <a:t>to protect crops and </a:t>
-            </a:r>
-            <a:r>
-              <a:rPr lang="en-US" dirty="0" smtClean="0">
-                <a:latin typeface="Times New Roman" pitchFamily="18" charset="0"/>
-                <a:cs typeface="Times New Roman" pitchFamily="18" charset="0"/>
-              </a:rPr>
-              <a:t>plants. we are collecting the tomato leaves.</a:t>
+              <a:t>The first step is to Collecting data on plant leave diseases is essential for research, disease management, and developing solutions to protect crops and plants. we are collecting the tomato leaves.</a:t>
             </a:r>
             <a:r>
               <a:rPr lang="en-IN" dirty="0"/>
@@ -6578,13 +6864,19 @@
           <a:bodyPr/>
           <a:lstStyle/>
           <a:p>
-            <a:pPr algn="l"/>
-            <a:r>
-              <a:rPr lang="en-US" b="1" dirty="0" smtClean="0">
-                <a:latin typeface="Times New Roman" pitchFamily="18" charset="0"/>
-                <a:cs typeface="Times New Roman" pitchFamily="18" charset="0"/>
-              </a:rPr>
-              <a:t>Preprocessing:</a:t>
+            <a:r>
+              <a:rPr lang="en-US" b="1" u="sng" dirty="0">
+                <a:latin typeface="Times New Roman" pitchFamily="18" charset="0"/>
+                <a:cs typeface="Times New Roman" pitchFamily="18" charset="0"/>
+              </a:rPr>
+              <a:t>PREPROCESSING</a:t>
+            </a:r>
+            <a:r>
+              <a:rPr lang="en-US" b="1" dirty="0">
+                <a:latin typeface="Times New Roman" pitchFamily="18" charset="0"/>
+                <a:cs typeface="Times New Roman" pitchFamily="18" charset="0"/>
+              </a:rPr>
+              <a:t>:</a:t>
             </a:r>
             <a:endParaRPr lang="en-IN" dirty="0">
               <a:latin typeface="Times New Roman" pitchFamily="18" charset="0"/>
@@ -6610,13 +6902,13 @@
           <a:p>
             <a:pPr lvl="0" algn="just"/>
             <a:r>
-              <a:rPr lang="en-US" dirty="0" smtClean="0">
+              <a:rPr lang="en-US" dirty="0">
                 <a:latin typeface="Times New Roman" pitchFamily="18" charset="0"/>
                 <a:cs typeface="Times New Roman" pitchFamily="18" charset="0"/>
               </a:rPr>
               <a:t>The collected data must be preprocessed to remove any errors or inconsistencies. This may involve removing missing data.</a:t>
             </a:r>
-            <a:endParaRPr lang="en-IN" dirty="0" smtClean="0">
+            <a:endParaRPr lang="en-IN" dirty="0">
               <a:latin typeface="Times New Roman" pitchFamily="18" charset="0"/>
               <a:cs typeface="Times New Roman" pitchFamily="18" charset="0"/>
             </a:endParaRPr>
@@ -6675,18 +6967,20 @@
           <a:bodyPr/>
           <a:lstStyle/>
           <a:p>
-            <a:pPr algn="l"/>
-            <a:r>
-              <a:rPr lang="en-IN" b="1" dirty="0" smtClean="0">
-                <a:latin typeface="Times New Roman" pitchFamily="18" charset="0"/>
-                <a:cs typeface="Times New Roman" pitchFamily="18" charset="0"/>
-              </a:rPr>
-              <a:t>DCNN </a:t>
-            </a:r>
-            <a:endParaRPr lang="en-IN" b="1" dirty="0">
-              <a:latin typeface="Times New Roman" pitchFamily="18" charset="0"/>
-              <a:cs typeface="Times New Roman" pitchFamily="18" charset="0"/>
-            </a:endParaRPr>
+            <a:r>
+              <a:rPr lang="en-IN" b="1" u="sng" dirty="0">
+                <a:latin typeface="Times New Roman" pitchFamily="18" charset="0"/>
+                <a:cs typeface="Times New Roman" pitchFamily="18" charset="0"/>
+              </a:rPr>
+              <a:t>DCNN</a:t>
+            </a:r>
+            <a:r>
+              <a:rPr lang="en-IN" b="1" dirty="0">
+                <a:latin typeface="Times New Roman" pitchFamily="18" charset="0"/>
+                <a:cs typeface="Times New Roman" pitchFamily="18" charset="0"/>
+              </a:rPr>
+              <a:t> </a:t>
+            </a:r>
           </a:p>
         </p:txBody>
       </p:sp>
@@ -6741,97 +7035,47 @@
                 <a:latin typeface="Times New Roman" pitchFamily="18" charset="0"/>
                 <a:cs typeface="Times New Roman" pitchFamily="18" charset="0"/>
               </a:rPr>
-              <a:t> number matrices of pixel values for a computer</a:t>
-            </a:r>
-            <a:r>
-              <a:rPr lang="en-US" sz="2600" dirty="0" smtClean="0">
-                <a:latin typeface="Times New Roman" pitchFamily="18" charset="0"/>
-                <a:cs typeface="Times New Roman" pitchFamily="18" charset="0"/>
-              </a:rPr>
-              <a:t>).</a:t>
+              <a:t> number matrices of pixel values for a computer).</a:t>
             </a:r>
           </a:p>
           <a:p>
             <a:pPr algn="just"/>
             <a:r>
-              <a:rPr lang="en-US" sz="2600" dirty="0" smtClean="0">
-                <a:latin typeface="Times New Roman" pitchFamily="18" charset="0"/>
-                <a:cs typeface="Times New Roman" pitchFamily="18" charset="0"/>
-              </a:rPr>
-              <a:t> </a:t>
-            </a:r>
-            <a:r>
               <a:rPr lang="en-US" sz="2600" dirty="0">
                 <a:latin typeface="Times New Roman" pitchFamily="18" charset="0"/>
                 <a:cs typeface="Times New Roman" pitchFamily="18" charset="0"/>
               </a:rPr>
-              <a:t>By finding rough feature matches in roughly the same positions in two images, CNNs get a lot better at seeing similarities than whole-image matching schemes</a:t>
-            </a:r>
-            <a:r>
-              <a:rPr lang="en-US" sz="2600" dirty="0" smtClean="0">
-                <a:latin typeface="Times New Roman" pitchFamily="18" charset="0"/>
-                <a:cs typeface="Times New Roman" pitchFamily="18" charset="0"/>
-              </a:rPr>
-              <a:t>.</a:t>
+              <a:t> By finding rough feature matches in roughly the same positions in two images, CNNs get a lot better at seeing similarities than whole-image matching schemes.</a:t>
             </a:r>
           </a:p>
           <a:p>
             <a:pPr algn="just"/>
             <a:r>
-              <a:rPr lang="en-US" sz="2600" dirty="0" smtClean="0">
-                <a:latin typeface="Times New Roman" pitchFamily="18" charset="0"/>
-                <a:cs typeface="Times New Roman" pitchFamily="18" charset="0"/>
-              </a:rPr>
-              <a:t> </a:t>
-            </a:r>
-            <a:r>
               <a:rPr lang="en-US" sz="2600" dirty="0">
                 <a:latin typeface="Times New Roman" pitchFamily="18" charset="0"/>
                 <a:cs typeface="Times New Roman" pitchFamily="18" charset="0"/>
               </a:rPr>
-              <a:t>However, When presented with a new image, the CNN doesn’t know exactly where these features will match so it tries them everywhere, in every possible position(matches feature matrices in steps by shifting the defined steps at a time). </a:t>
-            </a:r>
-            <a:endParaRPr lang="en-US" sz="2600" dirty="0" smtClean="0">
-              <a:latin typeface="Times New Roman" pitchFamily="18" charset="0"/>
-              <a:cs typeface="Times New Roman" pitchFamily="18" charset="0"/>
-            </a:endParaRPr>
+              <a:t> However, When presented with a new image, the CNN doesn’t know exactly where these features will match so it tries them everywhere, in every possible position(matches feature matrices in steps by shifting the defined steps at a time). </a:t>
+            </a:r>
           </a:p>
           <a:p>
             <a:pPr algn="just"/>
             <a:r>
-              <a:rPr lang="en-US" sz="2600" dirty="0" smtClean="0">
-                <a:latin typeface="Times New Roman" pitchFamily="18" charset="0"/>
-                <a:cs typeface="Times New Roman" pitchFamily="18" charset="0"/>
-              </a:rPr>
-              <a:t>In </a:t>
-            </a:r>
-            <a:r>
               <a:rPr lang="en-US" sz="2600" dirty="0">
                 <a:latin typeface="Times New Roman" pitchFamily="18" charset="0"/>
                 <a:cs typeface="Times New Roman" pitchFamily="18" charset="0"/>
               </a:rPr>
-              <a:t>calculating the match to a feature across the whole image, we make it a filter. </a:t>
-            </a:r>
-            <a:endParaRPr lang="en-US" sz="2600" dirty="0" smtClean="0">
-              <a:latin typeface="Times New Roman" pitchFamily="18" charset="0"/>
-              <a:cs typeface="Times New Roman" pitchFamily="18" charset="0"/>
-            </a:endParaRPr>
+              <a:t>In calculating the match to a feature across the whole image, we make it a filter. </a:t>
+            </a:r>
           </a:p>
           <a:p>
             <a:pPr algn="just"/>
             <a:r>
-              <a:rPr lang="en-US" sz="2600" dirty="0" smtClean="0">
-                <a:latin typeface="Times New Roman" pitchFamily="18" charset="0"/>
-                <a:cs typeface="Times New Roman" pitchFamily="18" charset="0"/>
-              </a:rPr>
-              <a:t>The </a:t>
-            </a:r>
-            <a:r>
               <a:rPr lang="en-US" sz="2600" dirty="0">
                 <a:latin typeface="Times New Roman" pitchFamily="18" charset="0"/>
                 <a:cs typeface="Times New Roman" pitchFamily="18" charset="0"/>
               </a:rPr>
-              <a:t>math we use to do this is called convolution, from which Convolutional Neural Networks take their name.</a:t>
+              <a:t>The math we use to do this is called convolution, from which Convolutional Neural Networks take their name.</a:t>
             </a:r>
             <a:endParaRPr lang="en-IN" sz="2600" dirty="0">
               <a:latin typeface="Times New Roman" pitchFamily="18" charset="0"/>
@@ -6887,15 +7131,14 @@
           </a:bodyPr>
           <a:lstStyle/>
           <a:p>
-            <a:pPr algn="l"/>
-            <a:r>
-              <a:rPr lang="en-IN" b="1" dirty="0" smtClean="0">
-                <a:latin typeface="Times New Roman" pitchFamily="18" charset="0"/>
-                <a:cs typeface="Times New Roman" pitchFamily="18" charset="0"/>
-              </a:rPr>
-              <a:t>DCNN Architecture</a:t>
-            </a:r>
-            <a:endParaRPr lang="en-IN" dirty="0">
+            <a:r>
+              <a:rPr lang="en-IN" b="1" u="sng" dirty="0">
+                <a:latin typeface="Times New Roman" pitchFamily="18" charset="0"/>
+                <a:cs typeface="Times New Roman" pitchFamily="18" charset="0"/>
+              </a:rPr>
+              <a:t>DCNN ARCHITECTURE</a:t>
+            </a:r>
+            <a:endParaRPr lang="en-IN" u="sng" dirty="0">
               <a:latin typeface="Times New Roman" pitchFamily="18" charset="0"/>
               <a:cs typeface="Times New Roman" pitchFamily="18" charset="0"/>
             </a:endParaRPr>
@@ -6976,7 +7219,7 @@
           <p:cNvPr id="2" name="Title 1">
             <a:extLst>
               <a:ext uri="{FF2B5EF4-FFF2-40B4-BE49-F238E27FC236}">
-                <a16:creationId xmlns:a16="http://schemas.microsoft.com/office/drawing/2014/main" xmlns="" id="{CE51D007-754D-4148-A009-0039C1B880FD}"/>
+                <a16:creationId xmlns:a16="http://schemas.microsoft.com/office/drawing/2014/main" id="{CE51D007-754D-4148-A009-0039C1B880FD}"/>
               </a:ext>
             </a:extLst>
           </p:cNvPr>
@@ -6993,11 +7236,11 @@
           <a:lstStyle/>
           <a:p>
             <a:r>
-              <a:rPr lang="en-IN" b="1" dirty="0">
-                <a:latin typeface="Times New Roman" pitchFamily="18" charset="0"/>
-                <a:cs typeface="Times New Roman" pitchFamily="18" charset="0"/>
-              </a:rPr>
-              <a:t> Requirements</a:t>
+              <a:rPr lang="en-IN" b="1" u="sng" dirty="0">
+                <a:latin typeface="Times New Roman" pitchFamily="18" charset="0"/>
+                <a:cs typeface="Times New Roman" pitchFamily="18" charset="0"/>
+              </a:rPr>
+              <a:t> REQUIREMENTS</a:t>
             </a:r>
           </a:p>
         </p:txBody>
@@ -7007,7 +7250,7 @@
           <p:cNvPr id="3" name="Content Placeholder 2">
             <a:extLst>
               <a:ext uri="{FF2B5EF4-FFF2-40B4-BE49-F238E27FC236}">
-                <a16:creationId xmlns:a16="http://schemas.microsoft.com/office/drawing/2014/main" xmlns="" id="{F33C54AF-D170-4F2A-9AD9-510757670BDF}"/>
+                <a16:creationId xmlns:a16="http://schemas.microsoft.com/office/drawing/2014/main" id="{F33C54AF-D170-4F2A-9AD9-510757670BDF}"/>
               </a:ext>
             </a:extLst>
           </p:cNvPr>
@@ -7043,7 +7286,7 @@
               <a:buNone/>
             </a:pPr>
             <a:r>
-              <a:rPr lang="en-US" dirty="0" smtClean="0">
+              <a:rPr lang="en-US" dirty="0">
                 <a:latin typeface="Times New Roman" pitchFamily="18" charset="0"/>
                 <a:cs typeface="Times New Roman" pitchFamily="18" charset="0"/>
               </a:rPr>
@@ -7059,14 +7302,7 @@
                 <a:latin typeface="Times New Roman" pitchFamily="18" charset="0"/>
                 <a:cs typeface="Times New Roman" pitchFamily="18" charset="0"/>
               </a:rPr>
-              <a:t>	</a:t>
-            </a:r>
-            <a:r>
-              <a:rPr lang="en-US" dirty="0" smtClean="0">
-                <a:latin typeface="Times New Roman" pitchFamily="18" charset="0"/>
-                <a:cs typeface="Times New Roman" pitchFamily="18" charset="0"/>
-              </a:rPr>
-              <a:t>Minimum 4GB RAM</a:t>
+              <a:t>	Minimum 4GB RAM</a:t>
             </a:r>
           </a:p>
           <a:p>
@@ -7078,14 +7314,7 @@
                 <a:latin typeface="Times New Roman" pitchFamily="18" charset="0"/>
                 <a:cs typeface="Times New Roman" pitchFamily="18" charset="0"/>
               </a:rPr>
-              <a:t>	</a:t>
-            </a:r>
-            <a:r>
-              <a:rPr lang="en-US" dirty="0" smtClean="0">
-                <a:latin typeface="Times New Roman" pitchFamily="18" charset="0"/>
-                <a:cs typeface="Times New Roman" pitchFamily="18" charset="0"/>
-              </a:rPr>
-              <a:t>500 GB SSD Hard drive</a:t>
+              <a:t>	500 GB SSD Hard drive</a:t>
             </a:r>
           </a:p>
           <a:p>
@@ -7121,25 +7350,11 @@
               <a:t>	</a:t>
             </a:r>
             <a:r>
-              <a:rPr lang="en-US" sz="2800" dirty="0" smtClean="0">
-                <a:latin typeface="Times New Roman" pitchFamily="18" charset="0"/>
-                <a:cs typeface="Times New Roman" pitchFamily="18" charset="0"/>
-              </a:rPr>
-              <a:t>Operating </a:t>
-            </a:r>
-            <a:r>
               <a:rPr lang="en-US" sz="2800" dirty="0">
                 <a:latin typeface="Times New Roman" pitchFamily="18" charset="0"/>
                 <a:cs typeface="Times New Roman" pitchFamily="18" charset="0"/>
               </a:rPr>
-              <a:t>System : Windows </a:t>
-            </a:r>
-            <a:r>
-              <a:rPr lang="en-US" sz="2800" dirty="0" smtClean="0">
-                <a:latin typeface="Times New Roman" pitchFamily="18" charset="0"/>
-                <a:cs typeface="Times New Roman" pitchFamily="18" charset="0"/>
-              </a:rPr>
-              <a:t>10,11 64 bit system</a:t>
+              <a:t>Operating System : Windows 10,11 64 bit system</a:t>
             </a:r>
           </a:p>
           <a:p>
@@ -7154,23 +7369,16 @@
               <a:t>	</a:t>
             </a:r>
             <a:r>
-              <a:rPr lang="en-IN" dirty="0" smtClean="0">
-                <a:latin typeface="Times New Roman" panose="02020603050405020304" pitchFamily="18" charset="0"/>
-                <a:cs typeface="Times New Roman" panose="02020603050405020304" pitchFamily="18" charset="0"/>
-              </a:rPr>
-              <a:t>Python </a:t>
-            </a:r>
-            <a:r>
               <a:rPr lang="en-IN" dirty="0">
                 <a:latin typeface="Times New Roman" panose="02020603050405020304" pitchFamily="18" charset="0"/>
                 <a:cs typeface="Times New Roman" panose="02020603050405020304" pitchFamily="18" charset="0"/>
               </a:rPr>
-              <a:t>IDE 3.7.6</a:t>
-            </a:r>
-          </a:p>
-          <a:p>
-            <a:r>
-              <a:rPr lang="en-IN" b="1" dirty="0" smtClean="0">
+              <a:t>Python IDE 3.7.6</a:t>
+            </a:r>
+          </a:p>
+          <a:p>
+            <a:r>
+              <a:rPr lang="en-IN" b="1" dirty="0">
                 <a:latin typeface="Times New Roman" panose="02020603050405020304" pitchFamily="18" charset="0"/>
                 <a:cs typeface="Times New Roman" panose="02020603050405020304" pitchFamily="18" charset="0"/>
               </a:rPr>
@@ -7186,81 +7394,21 @@
                 <a:latin typeface="Times New Roman" panose="02020603050405020304" pitchFamily="18" charset="0"/>
                 <a:cs typeface="Times New Roman" panose="02020603050405020304" pitchFamily="18" charset="0"/>
               </a:rPr>
-              <a:t> </a:t>
-            </a:r>
-            <a:r>
-              <a:rPr lang="en-US" dirty="0" smtClean="0">
-                <a:latin typeface="Times New Roman" panose="02020603050405020304" pitchFamily="18" charset="0"/>
-                <a:cs typeface="Times New Roman" panose="02020603050405020304" pitchFamily="18" charset="0"/>
-              </a:rPr>
-              <a:t>            </a:t>
+              <a:t>             </a:t>
             </a:r>
             <a:r>
               <a:rPr lang="en-US" dirty="0" err="1">
                 <a:latin typeface="Times New Roman" panose="02020603050405020304" pitchFamily="18" charset="0"/>
                 <a:cs typeface="Times New Roman" panose="02020603050405020304" pitchFamily="18" charset="0"/>
               </a:rPr>
-              <a:t>T</a:t>
-            </a:r>
-            <a:r>
-              <a:rPr lang="en-US" dirty="0" err="1" smtClean="0">
+              <a:t>Tensorflow</a:t>
+            </a:r>
+            <a:r>
+              <a:rPr lang="en-US" dirty="0">
                 <a:latin typeface="Times New Roman" panose="02020603050405020304" pitchFamily="18" charset="0"/>
                 <a:cs typeface="Times New Roman" panose="02020603050405020304" pitchFamily="18" charset="0"/>
               </a:rPr>
-              <a:t>ensorflow</a:t>
-            </a:r>
-            <a:r>
-              <a:rPr lang="en-US" dirty="0" smtClean="0">
-                <a:latin typeface="Times New Roman" panose="02020603050405020304" pitchFamily="18" charset="0"/>
-                <a:cs typeface="Times New Roman" panose="02020603050405020304" pitchFamily="18" charset="0"/>
-              </a:rPr>
               <a:t> </a:t>
-            </a:r>
-            <a:endParaRPr lang="en-IN" dirty="0" smtClean="0">
-              <a:latin typeface="Times New Roman" panose="02020603050405020304" pitchFamily="18" charset="0"/>
-              <a:cs typeface="Times New Roman" panose="02020603050405020304" pitchFamily="18" charset="0"/>
-            </a:endParaRPr>
-          </a:p>
-          <a:p>
-            <a:pPr marL="0" indent="0">
-              <a:buNone/>
-            </a:pPr>
-            <a:r>
-              <a:rPr lang="en-IN" dirty="0">
-                <a:latin typeface="Times New Roman" panose="02020603050405020304" pitchFamily="18" charset="0"/>
-                <a:cs typeface="Times New Roman" panose="02020603050405020304" pitchFamily="18" charset="0"/>
-              </a:rPr>
-              <a:t>	</a:t>
-            </a:r>
-            <a:r>
-              <a:rPr lang="en-IN" dirty="0" err="1" smtClean="0">
-                <a:latin typeface="Times New Roman" panose="02020603050405020304" pitchFamily="18" charset="0"/>
-                <a:cs typeface="Times New Roman" panose="02020603050405020304" pitchFamily="18" charset="0"/>
-              </a:rPr>
-              <a:t>Protobuf</a:t>
-            </a:r>
-            <a:endParaRPr lang="en-IN" dirty="0" smtClean="0">
-              <a:latin typeface="Times New Roman" panose="02020603050405020304" pitchFamily="18" charset="0"/>
-              <a:cs typeface="Times New Roman" panose="02020603050405020304" pitchFamily="18" charset="0"/>
-            </a:endParaRPr>
-          </a:p>
-          <a:p>
-            <a:pPr marL="0" indent="0">
-              <a:buNone/>
-            </a:pPr>
-            <a:r>
-              <a:rPr lang="en-IN" dirty="0" smtClean="0">
-                <a:latin typeface="Times New Roman" panose="02020603050405020304" pitchFamily="18" charset="0"/>
-                <a:cs typeface="Times New Roman" panose="02020603050405020304" pitchFamily="18" charset="0"/>
-              </a:rPr>
-              <a:t>	</a:t>
-            </a:r>
-            <a:r>
-              <a:rPr lang="en-IN" dirty="0" err="1" smtClean="0">
-                <a:latin typeface="Times New Roman" panose="02020603050405020304" pitchFamily="18" charset="0"/>
-                <a:cs typeface="Times New Roman" panose="02020603050405020304" pitchFamily="18" charset="0"/>
-              </a:rPr>
-              <a:t>Matplotlib</a:t>
             </a:r>
             <a:endParaRPr lang="en-IN" dirty="0">
               <a:latin typeface="Times New Roman" panose="02020603050405020304" pitchFamily="18" charset="0"/>
@@ -7272,47 +7420,93 @@
               <a:buNone/>
             </a:pPr>
             <a:r>
-              <a:rPr lang="en-IN" dirty="0" smtClean="0">
+              <a:rPr lang="en-IN" dirty="0">
                 <a:latin typeface="Times New Roman" panose="02020603050405020304" pitchFamily="18" charset="0"/>
                 <a:cs typeface="Times New Roman" panose="02020603050405020304" pitchFamily="18" charset="0"/>
               </a:rPr>
               <a:t>	</a:t>
             </a:r>
             <a:r>
-              <a:rPr lang="en-IN" dirty="0" err="1" smtClean="0">
+              <a:rPr lang="en-IN" dirty="0" err="1">
                 <a:latin typeface="Times New Roman" panose="02020603050405020304" pitchFamily="18" charset="0"/>
                 <a:cs typeface="Times New Roman" panose="02020603050405020304" pitchFamily="18" charset="0"/>
               </a:rPr>
-              <a:t>Scikit</a:t>
-            </a:r>
-            <a:r>
-              <a:rPr lang="en-IN" dirty="0" smtClean="0">
-                <a:latin typeface="Times New Roman" panose="02020603050405020304" pitchFamily="18" charset="0"/>
-                <a:cs typeface="Times New Roman" panose="02020603050405020304" pitchFamily="18" charset="0"/>
-              </a:rPr>
-              <a:t>-learn</a:t>
-            </a:r>
+              <a:t>Protobuf</a:t>
+            </a:r>
+            <a:endParaRPr lang="en-IN" dirty="0">
+              <a:latin typeface="Times New Roman" panose="02020603050405020304" pitchFamily="18" charset="0"/>
+              <a:cs typeface="Times New Roman" panose="02020603050405020304" pitchFamily="18" charset="0"/>
+            </a:endParaRPr>
           </a:p>
           <a:p>
             <a:pPr marL="0" indent="0">
               <a:buNone/>
             </a:pPr>
             <a:r>
-              <a:rPr lang="en-US" dirty="0" smtClean="0">
+              <a:rPr lang="en-IN" dirty="0">
                 <a:latin typeface="Times New Roman" panose="02020603050405020304" pitchFamily="18" charset="0"/>
                 <a:cs typeface="Times New Roman" panose="02020603050405020304" pitchFamily="18" charset="0"/>
               </a:rPr>
-              <a:t>             </a:t>
-            </a:r>
-            <a:r>
-              <a:rPr lang="en-US" dirty="0" err="1" smtClean="0">
+              <a:t>	</a:t>
+            </a:r>
+            <a:r>
+              <a:rPr lang="en-IN" dirty="0" err="1">
                 <a:latin typeface="Times New Roman" panose="02020603050405020304" pitchFamily="18" charset="0"/>
                 <a:cs typeface="Times New Roman" panose="02020603050405020304" pitchFamily="18" charset="0"/>
               </a:rPr>
+              <a:t>Matplotlib</a:t>
+            </a:r>
+            <a:endParaRPr lang="en-IN" dirty="0">
+              <a:latin typeface="Times New Roman" panose="02020603050405020304" pitchFamily="18" charset="0"/>
+              <a:cs typeface="Times New Roman" panose="02020603050405020304" pitchFamily="18" charset="0"/>
+            </a:endParaRPr>
+          </a:p>
+          <a:p>
+            <a:pPr marL="0" indent="0">
+              <a:buNone/>
+            </a:pPr>
+            <a:r>
+              <a:rPr lang="en-IN" dirty="0">
+                <a:latin typeface="Times New Roman" panose="02020603050405020304" pitchFamily="18" charset="0"/>
+                <a:cs typeface="Times New Roman" panose="02020603050405020304" pitchFamily="18" charset="0"/>
+              </a:rPr>
+              <a:t>	</a:t>
+            </a:r>
+            <a:r>
+              <a:rPr lang="en-IN" dirty="0" err="1">
+                <a:latin typeface="Times New Roman" panose="02020603050405020304" pitchFamily="18" charset="0"/>
+                <a:cs typeface="Times New Roman" panose="02020603050405020304" pitchFamily="18" charset="0"/>
+              </a:rPr>
+              <a:t>Scikit</a:t>
+            </a:r>
+            <a:r>
+              <a:rPr lang="en-IN" dirty="0">
+                <a:latin typeface="Times New Roman" panose="02020603050405020304" pitchFamily="18" charset="0"/>
+                <a:cs typeface="Times New Roman" panose="02020603050405020304" pitchFamily="18" charset="0"/>
+              </a:rPr>
+              <a:t>-learn</a:t>
+            </a:r>
+          </a:p>
+          <a:p>
+            <a:pPr marL="0" indent="0">
+              <a:buNone/>
+            </a:pPr>
+            <a:r>
+              <a:rPr lang="en-US" dirty="0">
+                <a:latin typeface="Times New Roman" panose="02020603050405020304" pitchFamily="18" charset="0"/>
+                <a:cs typeface="Times New Roman" panose="02020603050405020304" pitchFamily="18" charset="0"/>
+              </a:rPr>
+              <a:t>             </a:t>
+            </a:r>
+            <a:r>
+              <a:rPr lang="en-US" dirty="0" err="1">
+                <a:latin typeface="Times New Roman" panose="02020603050405020304" pitchFamily="18" charset="0"/>
+                <a:cs typeface="Times New Roman" panose="02020603050405020304" pitchFamily="18" charset="0"/>
+              </a:rPr>
               <a:t>Opencv</a:t>
             </a:r>
             <a:r>
-              <a:rPr lang="en-US" dirty="0" smtClean="0">
+              <a:rPr lang="en-US" dirty="0">
                 <a:latin typeface="Times New Roman" panose="02020603050405020304" pitchFamily="18" charset="0"/>
                 <a:cs typeface="Times New Roman" panose="02020603050405020304" pitchFamily="18" charset="0"/>
               </a:rPr>
@@ -7387,13 +7581,19 @@
           </a:bodyPr>
           <a:lstStyle/>
           <a:p>
-            <a:pPr algn="l"/>
+            <a:r>
+              <a:rPr lang="en-IN" b="1" u="sng" dirty="0">
+                <a:latin typeface="Times New Roman" pitchFamily="18" charset="0"/>
+                <a:cs typeface="Times New Roman" pitchFamily="18" charset="0"/>
+              </a:rPr>
+              <a:t>DATASET</a:t>
+            </a:r>
             <a:r>
               <a:rPr lang="en-IN" b="1" dirty="0">
                 <a:latin typeface="Times New Roman" pitchFamily="18" charset="0"/>
                 <a:cs typeface="Times New Roman" pitchFamily="18" charset="0"/>
               </a:rPr>
-              <a:t>Dataset </a:t>
+              <a:t> </a:t>
             </a:r>
             <a:endParaRPr lang="en-IN" dirty="0">
               <a:latin typeface="Times New Roman" pitchFamily="18" charset="0"/>
@@ -7482,13 +7682,19 @@
           </a:bodyPr>
           <a:lstStyle/>
           <a:p>
-            <a:pPr algn="l"/>
+            <a:r>
+              <a:rPr lang="en-IN" b="1" u="sng" dirty="0">
+                <a:latin typeface="Times New Roman" pitchFamily="18" charset="0"/>
+                <a:cs typeface="Times New Roman" pitchFamily="18" charset="0"/>
+              </a:rPr>
+              <a:t>TRAINING</a:t>
+            </a:r>
             <a:r>
               <a:rPr lang="en-IN" b="1" dirty="0">
                 <a:latin typeface="Times New Roman" pitchFamily="18" charset="0"/>
                 <a:cs typeface="Times New Roman" pitchFamily="18" charset="0"/>
               </a:rPr>
-              <a:t>Training </a:t>
+              <a:t> </a:t>
             </a:r>
             <a:endParaRPr lang="en-IN" dirty="0">
               <a:latin typeface="Times New Roman" pitchFamily="18" charset="0"/>
@@ -7609,20 +7815,13 @@
           <a:lstStyle/>
           <a:p>
             <a:r>
-              <a:rPr lang="en-IN" b="1" dirty="0">
-                <a:latin typeface="Times New Roman" pitchFamily="18" charset="0"/>
-                <a:cs typeface="Times New Roman" pitchFamily="18" charset="0"/>
-              </a:rPr>
-              <a:t>Accuracy Graph Loss </a:t>
-            </a:r>
-            <a:r>
-              <a:rPr lang="en-IN" b="1" dirty="0" smtClean="0">
-                <a:latin typeface="Times New Roman" pitchFamily="18" charset="0"/>
-                <a:cs typeface="Times New Roman" pitchFamily="18" charset="0"/>
-              </a:rPr>
-              <a:t>Graph</a:t>
-            </a:r>
-            <a:endParaRPr lang="en-IN" dirty="0">
+              <a:rPr lang="en-IN" b="1" u="sng" dirty="0">
+                <a:latin typeface="Times New Roman" pitchFamily="18" charset="0"/>
+                <a:cs typeface="Times New Roman" pitchFamily="18" charset="0"/>
+              </a:rPr>
+              <a:t>ACCURACY GRAPH LOSS GRAPH</a:t>
+            </a:r>
+            <a:endParaRPr lang="en-IN" u="sng" dirty="0">
               <a:latin typeface="Times New Roman" pitchFamily="18" charset="0"/>
               <a:cs typeface="Times New Roman" pitchFamily="18" charset="0"/>
             </a:endParaRPr>
@@ -7717,29 +7916,14 @@
           </a:bodyPr>
           <a:lstStyle/>
           <a:p>
-            <a:pPr algn="l"/>
-            <a:r>
-              <a:rPr lang="en-US" b="1" dirty="0" smtClean="0">
-                <a:latin typeface="Times New Roman" pitchFamily="18" charset="0"/>
-                <a:cs typeface="Times New Roman" pitchFamily="18" charset="0"/>
-              </a:rPr>
-              <a:t>Result-1 </a:t>
-            </a:r>
-            <a:r>
-              <a:rPr lang="en-US" b="1" dirty="0">
-                <a:latin typeface="Times New Roman" pitchFamily="18" charset="0"/>
-                <a:cs typeface="Times New Roman" pitchFamily="18" charset="0"/>
-              </a:rPr>
-              <a:t>Health </a:t>
-            </a:r>
-            <a:r>
-              <a:rPr lang="en-US" b="1" dirty="0" smtClean="0">
-                <a:latin typeface="Times New Roman" pitchFamily="18" charset="0"/>
-                <a:cs typeface="Times New Roman" pitchFamily="18" charset="0"/>
-              </a:rPr>
-              <a:t>Detected</a:t>
-            </a:r>
-            <a:endParaRPr lang="en-IN" dirty="0">
+            <a:r>
+              <a:rPr lang="en-US" b="1" u="sng" dirty="0">
+                <a:latin typeface="Times New Roman" pitchFamily="18" charset="0"/>
+                <a:cs typeface="Times New Roman" pitchFamily="18" charset="0"/>
+              </a:rPr>
+              <a:t>Result-1 Health Detected</a:t>
+            </a:r>
+            <a:endParaRPr lang="en-IN" u="sng" dirty="0">
               <a:latin typeface="Times New Roman" pitchFamily="18" charset="0"/>
               <a:cs typeface="Times New Roman" pitchFamily="18" charset="0"/>
             </a:endParaRPr>
@@ -7856,13 +8040,13 @@
           <a:lstStyle/>
           <a:p>
             <a:r>
-              <a:rPr lang="en-US" b="1" dirty="0" smtClean="0">
+              <a:rPr lang="en-US" b="1" u="sng" dirty="0">
                 <a:latin typeface="Times New Roman" pitchFamily="18" charset="0"/>
                 <a:cs typeface="Times New Roman" pitchFamily="18" charset="0"/>
               </a:rPr>
               <a:t>Result-2 Yellow Leaf Curl Detected</a:t>
             </a:r>
-            <a:endParaRPr lang="en-IN" dirty="0"/>
+            <a:endParaRPr lang="en-IN" u="sng" dirty="0"/>
           </a:p>
         </p:txBody>
       </p:sp>
@@ -7976,13 +8160,13 @@
           <a:lstStyle/>
           <a:p>
             <a:r>
-              <a:rPr lang="en-US" dirty="0" smtClean="0">
-                <a:latin typeface="Times New Roman" pitchFamily="18" charset="0"/>
-                <a:cs typeface="Times New Roman" pitchFamily="18" charset="0"/>
-              </a:rPr>
-              <a:t>Abstract</a:t>
-            </a:r>
-            <a:endParaRPr lang="en-IN" dirty="0">
+              <a:rPr lang="en-US" b="1" u="sng" dirty="0">
+                <a:latin typeface="Times New Roman" pitchFamily="18" charset="0"/>
+                <a:cs typeface="Times New Roman" pitchFamily="18" charset="0"/>
+              </a:rPr>
+              <a:t>ABSTRACT</a:t>
+            </a:r>
+            <a:endParaRPr lang="en-IN" b="1" u="sng" dirty="0">
               <a:latin typeface="Times New Roman" pitchFamily="18" charset="0"/>
               <a:cs typeface="Times New Roman" pitchFamily="18" charset="0"/>
             </a:endParaRPr>
@@ -8012,162 +8196,58 @@
                 <a:latin typeface="Times New Roman" pitchFamily="18" charset="0"/>
                 <a:cs typeface="Times New Roman" pitchFamily="18" charset="0"/>
               </a:rPr>
-              <a:t>Tomato cultivation is a vital component of global agriculture, contributing significantly to both food security and economic development</a:t>
-            </a:r>
-            <a:r>
-              <a:rPr lang="en-IN" dirty="0" smtClean="0">
-                <a:latin typeface="Times New Roman" pitchFamily="18" charset="0"/>
-                <a:cs typeface="Times New Roman" pitchFamily="18" charset="0"/>
-              </a:rPr>
-              <a:t>.</a:t>
+              <a:t>Tomato cultivation is a vital component of global agriculture, contributing significantly to both food security and economic development.</a:t>
             </a:r>
           </a:p>
           <a:p>
             <a:pPr algn="just"/>
             <a:r>
-              <a:rPr lang="en-IN" dirty="0" smtClean="0">
-                <a:latin typeface="Times New Roman" pitchFamily="18" charset="0"/>
-                <a:cs typeface="Times New Roman" pitchFamily="18" charset="0"/>
-              </a:rPr>
-              <a:t> </a:t>
-            </a:r>
-            <a:r>
               <a:rPr lang="en-IN" dirty="0">
                 <a:latin typeface="Times New Roman" pitchFamily="18" charset="0"/>
                 <a:cs typeface="Times New Roman" pitchFamily="18" charset="0"/>
               </a:rPr>
-              <a:t>However, the occurrence of diseases in tomato plants poses a significant threat to crop yield and quality. </a:t>
-            </a:r>
-            <a:endParaRPr lang="en-IN" dirty="0" smtClean="0">
-              <a:latin typeface="Times New Roman" pitchFamily="18" charset="0"/>
-              <a:cs typeface="Times New Roman" pitchFamily="18" charset="0"/>
-            </a:endParaRPr>
+              <a:t> However, the occurrence of diseases in tomato plants poses a significant threat to crop yield and quality. </a:t>
+            </a:r>
           </a:p>
           <a:p>
             <a:pPr algn="just"/>
             <a:r>
-              <a:rPr lang="en-IN" dirty="0" smtClean="0">
-                <a:latin typeface="Times New Roman" pitchFamily="18" charset="0"/>
-                <a:cs typeface="Times New Roman" pitchFamily="18" charset="0"/>
-              </a:rPr>
-              <a:t>Early </a:t>
-            </a:r>
-            <a:r>
               <a:rPr lang="en-IN" dirty="0">
                 <a:latin typeface="Times New Roman" pitchFamily="18" charset="0"/>
                 <a:cs typeface="Times New Roman" pitchFamily="18" charset="0"/>
               </a:rPr>
-              <a:t>detection and diagnosis of these diseases are crucial for effective disease management. </a:t>
-            </a:r>
-            <a:endParaRPr lang="en-IN" dirty="0" smtClean="0">
-              <a:latin typeface="Times New Roman" pitchFamily="18" charset="0"/>
-              <a:cs typeface="Times New Roman" pitchFamily="18" charset="0"/>
-            </a:endParaRPr>
+              <a:t>Early detection and diagnosis of these diseases are crucial for effective disease management. </a:t>
+            </a:r>
           </a:p>
           <a:p>
             <a:pPr algn="just"/>
             <a:r>
-              <a:rPr lang="en-IN" dirty="0" smtClean="0">
-                <a:latin typeface="Times New Roman" pitchFamily="18" charset="0"/>
-                <a:cs typeface="Times New Roman" pitchFamily="18" charset="0"/>
-              </a:rPr>
-              <a:t>In </a:t>
-            </a:r>
-            <a:r>
               <a:rPr lang="en-IN" dirty="0">
                 <a:latin typeface="Times New Roman" pitchFamily="18" charset="0"/>
                 <a:cs typeface="Times New Roman" pitchFamily="18" charset="0"/>
               </a:rPr>
-              <a:t>recent years, Artificial Intelligence (AI) techniques, particularly Convolutional Neural Networks (CNNs) such as </a:t>
-            </a:r>
-            <a:r>
-              <a:rPr lang="en-IN" dirty="0" smtClean="0">
-                <a:latin typeface="Times New Roman" pitchFamily="18" charset="0"/>
-                <a:cs typeface="Times New Roman" pitchFamily="18" charset="0"/>
-              </a:rPr>
-              <a:t>DCNN, </a:t>
-            </a:r>
+              <a:t>In recent years, Artificial Intelligence (AI) techniques, particularly Convolutional Neural Networks (CNNs) such as DCNN, have shown promise in automating the detection and classification of plant diseases. </a:t>
+            </a:r>
+          </a:p>
+          <a:p>
+            <a:pPr algn="just"/>
             <a:r>
               <a:rPr lang="en-IN" dirty="0">
                 <a:latin typeface="Times New Roman" pitchFamily="18" charset="0"/>
                 <a:cs typeface="Times New Roman" pitchFamily="18" charset="0"/>
               </a:rPr>
-              <a:t>have shown promise in automating the detection and classification of plant diseases. </a:t>
-            </a:r>
-            <a:endParaRPr lang="en-IN" dirty="0" smtClean="0">
-              <a:latin typeface="Times New Roman" pitchFamily="18" charset="0"/>
-              <a:cs typeface="Times New Roman" pitchFamily="18" charset="0"/>
-            </a:endParaRPr>
+              <a:t>This research explores the application of DCNN in the context of tomato leaf disease detection. The study involves the collection of a diverse dataset of tomato leaf images representing various diseases and healthy states. </a:t>
+            </a:r>
           </a:p>
           <a:p>
             <a:pPr algn="just"/>
             <a:r>
-              <a:rPr lang="en-IN" dirty="0" smtClean="0">
-                <a:latin typeface="Times New Roman" pitchFamily="18" charset="0"/>
-                <a:cs typeface="Times New Roman" pitchFamily="18" charset="0"/>
-              </a:rPr>
-              <a:t>This </a:t>
-            </a:r>
-            <a:r>
               <a:rPr lang="en-IN" dirty="0">
                 <a:latin typeface="Times New Roman" pitchFamily="18" charset="0"/>
                 <a:cs typeface="Times New Roman" pitchFamily="18" charset="0"/>
               </a:rPr>
-              <a:t>research explores the application of </a:t>
-            </a:r>
-            <a:r>
-              <a:rPr lang="en-IN" dirty="0" smtClean="0">
-                <a:latin typeface="Times New Roman" pitchFamily="18" charset="0"/>
-                <a:cs typeface="Times New Roman" pitchFamily="18" charset="0"/>
-              </a:rPr>
-              <a:t>DCNN </a:t>
-            </a:r>
-            <a:r>
-              <a:rPr lang="en-IN" dirty="0">
-                <a:latin typeface="Times New Roman" pitchFamily="18" charset="0"/>
-                <a:cs typeface="Times New Roman" pitchFamily="18" charset="0"/>
-              </a:rPr>
-              <a:t>in the context of tomato leaf disease detection. The study involves the collection of a diverse dataset of tomato leaf images representing various diseases and healthy states. </a:t>
-            </a:r>
-            <a:endParaRPr lang="en-IN" dirty="0" smtClean="0">
-              <a:latin typeface="Times New Roman" pitchFamily="18" charset="0"/>
-              <a:cs typeface="Times New Roman" pitchFamily="18" charset="0"/>
-            </a:endParaRPr>
-          </a:p>
-          <a:p>
-            <a:pPr algn="just"/>
-            <a:r>
-              <a:rPr lang="en-IN" dirty="0" smtClean="0">
-                <a:latin typeface="Times New Roman" pitchFamily="18" charset="0"/>
-                <a:cs typeface="Times New Roman" pitchFamily="18" charset="0"/>
-              </a:rPr>
-              <a:t>The </a:t>
-            </a:r>
-            <a:r>
-              <a:rPr lang="en-IN" dirty="0">
-                <a:latin typeface="Times New Roman" pitchFamily="18" charset="0"/>
-                <a:cs typeface="Times New Roman" pitchFamily="18" charset="0"/>
-              </a:rPr>
-              <a:t>dataset is pre-processed to enhance the model's ability to generalize across different conditions. </a:t>
-            </a:r>
-            <a:r>
-              <a:rPr lang="en-IN" dirty="0" smtClean="0">
-                <a:latin typeface="Times New Roman" pitchFamily="18" charset="0"/>
-                <a:cs typeface="Times New Roman" pitchFamily="18" charset="0"/>
-              </a:rPr>
-              <a:t>DCNN, </a:t>
-            </a:r>
-            <a:r>
-              <a:rPr lang="en-IN" dirty="0">
-                <a:latin typeface="Times New Roman" pitchFamily="18" charset="0"/>
-                <a:cs typeface="Times New Roman" pitchFamily="18" charset="0"/>
-              </a:rPr>
-              <a:t>a type of deep neural network architecture known for its dense connectivity and feature reuse, is employed for the classification task. </a:t>
-            </a:r>
-            <a:endParaRPr lang="en-IN" dirty="0" smtClean="0">
-              <a:latin typeface="Times New Roman" pitchFamily="18" charset="0"/>
-              <a:cs typeface="Times New Roman" pitchFamily="18" charset="0"/>
-            </a:endParaRPr>
+              <a:t>The dataset is pre-processed to enhance the model's ability to generalize across different conditions. DCNN, a type of deep neural network architecture known for its dense connectivity and feature reuse, is employed for the classification task. </a:t>
+            </a:r>
           </a:p>
         </p:txBody>
       </p:sp>
@@ -8216,22 +8296,14 @@
           <a:bodyPr/>
           <a:lstStyle/>
           <a:p>
-            <a:pPr algn="l"/>
-            <a:r>
-              <a:rPr lang="en-US" b="1" dirty="0" smtClean="0">
-                <a:latin typeface="Times New Roman" pitchFamily="18" charset="0"/>
-                <a:cs typeface="Times New Roman" pitchFamily="18" charset="0"/>
-              </a:rPr>
-              <a:t>Result-2 Mosaic Virus </a:t>
-            </a:r>
-            <a:r>
-              <a:rPr lang="en-US" b="1" dirty="0">
-                <a:latin typeface="Times New Roman" pitchFamily="18" charset="0"/>
-                <a:cs typeface="Times New Roman" pitchFamily="18" charset="0"/>
-              </a:rPr>
-              <a:t>Detected</a:t>
-            </a:r>
-            <a:endParaRPr lang="en-IN" dirty="0"/>
+            <a:r>
+              <a:rPr lang="en-US" b="1" u="sng" dirty="0">
+                <a:latin typeface="Times New Roman" pitchFamily="18" charset="0"/>
+                <a:cs typeface="Times New Roman" pitchFamily="18" charset="0"/>
+              </a:rPr>
+              <a:t>Result-2 Mosaic Virus Detected</a:t>
+            </a:r>
+            <a:endParaRPr lang="en-IN" u="sng" dirty="0"/>
           </a:p>
         </p:txBody>
       </p:sp>
@@ -8345,13 +8417,13 @@
           <a:lstStyle/>
           <a:p>
             <a:r>
-              <a:rPr lang="en-GB" b="1" dirty="0" smtClean="0">
-                <a:latin typeface="Times New Roman" pitchFamily="18" charset="0"/>
-                <a:cs typeface="Times New Roman" pitchFamily="18" charset="0"/>
-              </a:rPr>
-              <a:t>Conclusion </a:t>
-            </a:r>
-            <a:endParaRPr lang="en-IN" b="1" dirty="0">
+              <a:rPr lang="en-GB" b="1" u="sng" dirty="0">
+                <a:latin typeface="Times New Roman" pitchFamily="18" charset="0"/>
+                <a:cs typeface="Times New Roman" pitchFamily="18" charset="0"/>
+              </a:rPr>
+              <a:t>CONCLUSION </a:t>
+            </a:r>
+            <a:endParaRPr lang="en-IN" b="1" u="sng" dirty="0">
               <a:latin typeface="Times New Roman" pitchFamily="18" charset="0"/>
               <a:cs typeface="Times New Roman" pitchFamily="18" charset="0"/>
             </a:endParaRPr>
@@ -8383,92 +8455,45 @@
               </a:rPr>
               <a:t>In this project, we applied the deep convolutional neural network architecture to the task of plant disease classification. </a:t>
             </a:r>
-            <a:endParaRPr lang="en-IN" dirty="0" smtClean="0">
-              <a:latin typeface="Times New Roman" pitchFamily="18" charset="0"/>
-              <a:cs typeface="Times New Roman" pitchFamily="18" charset="0"/>
-            </a:endParaRPr>
           </a:p>
           <a:p>
             <a:pPr algn="just"/>
             <a:r>
-              <a:rPr lang="en-IN" dirty="0" smtClean="0">
-                <a:latin typeface="Times New Roman" pitchFamily="18" charset="0"/>
-                <a:cs typeface="Times New Roman" pitchFamily="18" charset="0"/>
-              </a:rPr>
-              <a:t>Plant </a:t>
-            </a:r>
-            <a:r>
               <a:rPr lang="en-IN" dirty="0">
                 <a:latin typeface="Times New Roman" pitchFamily="18" charset="0"/>
                 <a:cs typeface="Times New Roman" pitchFamily="18" charset="0"/>
               </a:rPr>
-              <a:t>diseases can have a devastating impact on crop yields and food security, making early and accurate detection crucial. </a:t>
-            </a:r>
-            <a:endParaRPr lang="en-IN" dirty="0" smtClean="0">
-              <a:latin typeface="Times New Roman" pitchFamily="18" charset="0"/>
-              <a:cs typeface="Times New Roman" pitchFamily="18" charset="0"/>
-            </a:endParaRPr>
+              <a:t>Plant diseases can have a devastating impact on crop yields and food security, making early and accurate detection crucial. </a:t>
+            </a:r>
           </a:p>
           <a:p>
             <a:pPr algn="just"/>
             <a:r>
-              <a:rPr lang="en-IN" dirty="0" smtClean="0">
-                <a:latin typeface="Times New Roman" pitchFamily="18" charset="0"/>
-                <a:cs typeface="Times New Roman" pitchFamily="18" charset="0"/>
-              </a:rPr>
-              <a:t>By </a:t>
-            </a:r>
-            <a:r>
               <a:rPr lang="en-IN" dirty="0">
                 <a:latin typeface="Times New Roman" pitchFamily="18" charset="0"/>
                 <a:cs typeface="Times New Roman" pitchFamily="18" charset="0"/>
               </a:rPr>
-              <a:t>leveraging deep learning techniques like DCNN, we have made significant strides in automating the detection process</a:t>
-            </a:r>
-            <a:r>
-              <a:rPr lang="en-IN" dirty="0" smtClean="0">
-                <a:latin typeface="Times New Roman" pitchFamily="18" charset="0"/>
-                <a:cs typeface="Times New Roman" pitchFamily="18" charset="0"/>
-              </a:rPr>
-              <a:t>.</a:t>
+              <a:t>By leveraging deep learning techniques like DCNN, we have made significant strides in automating the detection process.</a:t>
             </a:r>
           </a:p>
           <a:p>
             <a:pPr algn="just"/>
             <a:r>
-              <a:rPr lang="en-IN" dirty="0" smtClean="0">
-                <a:latin typeface="Times New Roman" pitchFamily="18" charset="0"/>
-                <a:cs typeface="Times New Roman" pitchFamily="18" charset="0"/>
-              </a:rPr>
-              <a:t>Our </a:t>
-            </a:r>
-            <a:r>
               <a:rPr lang="en-IN" dirty="0">
                 <a:latin typeface="Times New Roman" pitchFamily="18" charset="0"/>
                 <a:cs typeface="Times New Roman" pitchFamily="18" charset="0"/>
               </a:rPr>
-              <a:t>results demonstrate the effectiveness of DCNN in accurately classifying various plant diseases. </a:t>
-            </a:r>
-            <a:endParaRPr lang="en-IN" dirty="0" smtClean="0">
-              <a:latin typeface="Times New Roman" pitchFamily="18" charset="0"/>
-              <a:cs typeface="Times New Roman" pitchFamily="18" charset="0"/>
-            </a:endParaRPr>
+              <a:t>Our results demonstrate the effectiveness of DCNN in accurately classifying various plant diseases. </a:t>
+            </a:r>
           </a:p>
           <a:p>
             <a:pPr algn="just"/>
             <a:r>
-              <a:rPr lang="en-IN" dirty="0" smtClean="0">
-                <a:latin typeface="Times New Roman" pitchFamily="18" charset="0"/>
-                <a:cs typeface="Times New Roman" pitchFamily="18" charset="0"/>
-              </a:rPr>
-              <a:t>‘The </a:t>
-            </a:r>
-            <a:r>
               <a:rPr lang="en-IN" dirty="0">
                 <a:latin typeface="Times New Roman" pitchFamily="18" charset="0"/>
                 <a:cs typeface="Times New Roman" pitchFamily="18" charset="0"/>
               </a:rPr>
-              <a:t>model achieved a high level of accuracy in identifying these diseases, surpassing traditional methods and showcasing the potential for AI in agriculture.</a:t>
+              <a:t>‘The model achieved a high level of accuracy in identifying these diseases, surpassing traditional methods and showcasing the potential for AI in agriculture.</a:t>
             </a:r>
           </a:p>
           <a:p>
@@ -8525,18 +8550,13 @@
           <a:bodyPr/>
           <a:lstStyle/>
           <a:p>
-            <a:pPr algn="l"/>
-            <a:r>
-              <a:rPr lang="en-IN" dirty="0" smtClean="0">
-                <a:latin typeface="Times New Roman" pitchFamily="18" charset="0"/>
-                <a:cs typeface="Times New Roman" pitchFamily="18" charset="0"/>
-              </a:rPr>
-              <a:t>References </a:t>
-            </a:r>
-            <a:endParaRPr lang="en-IN" dirty="0">
-              <a:latin typeface="Times New Roman" pitchFamily="18" charset="0"/>
-              <a:cs typeface="Times New Roman" pitchFamily="18" charset="0"/>
-            </a:endParaRPr>
+            <a:r>
+              <a:rPr lang="en-IN" b="1" u="sng" dirty="0">
+                <a:latin typeface="Times New Roman" pitchFamily="18" charset="0"/>
+                <a:cs typeface="Times New Roman" pitchFamily="18" charset="0"/>
+              </a:rPr>
+              <a:t>REFERENCES </a:t>
+            </a:r>
           </a:p>
         </p:txBody>
       </p:sp>
@@ -8562,18 +8582,11 @@
               <a:buAutoNum type="arabicPeriod"/>
             </a:pPr>
             <a:r>
-              <a:rPr lang="en-IN" dirty="0" smtClean="0">
-                <a:latin typeface="Times New Roman" pitchFamily="18" charset="0"/>
-                <a:cs typeface="Times New Roman" pitchFamily="18" charset="0"/>
-              </a:rPr>
-              <a:t>A</a:t>
-            </a:r>
-            <a:r>
               <a:rPr lang="en-IN" dirty="0">
                 <a:latin typeface="Times New Roman" pitchFamily="18" charset="0"/>
                 <a:cs typeface="Times New Roman" pitchFamily="18" charset="0"/>
               </a:rPr>
-              <a:t>. K. </a:t>
+              <a:t>A. K. </a:t>
             </a:r>
             <a:r>
               <a:rPr lang="en-IN" dirty="0" err="1">
@@ -8610,18 +8623,11 @@
               <a:buAutoNum type="arabicPeriod"/>
             </a:pPr>
             <a:r>
-              <a:rPr lang="en-IN" dirty="0" smtClean="0">
-                <a:latin typeface="Times New Roman" pitchFamily="18" charset="0"/>
-                <a:cs typeface="Times New Roman" pitchFamily="18" charset="0"/>
-              </a:rPr>
-              <a:t>A</a:t>
-            </a:r>
-            <a:r>
               <a:rPr lang="en-IN" dirty="0">
                 <a:latin typeface="Times New Roman" pitchFamily="18" charset="0"/>
                 <a:cs typeface="Times New Roman" pitchFamily="18" charset="0"/>
               </a:rPr>
-              <a:t>. </a:t>
+              <a:t>A. </a:t>
             </a:r>
             <a:r>
               <a:rPr lang="en-IN" dirty="0" err="1">
@@ -8658,18 +8664,11 @@
               <a:buAutoNum type="arabicPeriod"/>
             </a:pPr>
             <a:r>
-              <a:rPr lang="en-IN" dirty="0" smtClean="0">
-                <a:latin typeface="Times New Roman" pitchFamily="18" charset="0"/>
-                <a:cs typeface="Times New Roman" pitchFamily="18" charset="0"/>
-              </a:rPr>
-              <a:t>A</a:t>
-            </a:r>
-            <a:r>
               <a:rPr lang="en-IN" dirty="0">
                 <a:latin typeface="Times New Roman" pitchFamily="18" charset="0"/>
                 <a:cs typeface="Times New Roman" pitchFamily="18" charset="0"/>
               </a:rPr>
-              <a:t>. Ahmad, D. </a:t>
+              <a:t>A. Ahmad, D. </a:t>
             </a:r>
             <a:r>
               <a:rPr lang="en-IN" dirty="0" err="1">
@@ -8706,18 +8705,11 @@
               <a:buAutoNum type="arabicPeriod"/>
             </a:pPr>
             <a:r>
-              <a:rPr lang="en-IN" dirty="0" smtClean="0">
-                <a:latin typeface="Times New Roman" pitchFamily="18" charset="0"/>
-                <a:cs typeface="Times New Roman" pitchFamily="18" charset="0"/>
-              </a:rPr>
-              <a:t>R</a:t>
-            </a:r>
-            <a:r>
               <a:rPr lang="en-IN" dirty="0">
                 <a:latin typeface="Times New Roman" pitchFamily="18" charset="0"/>
                 <a:cs typeface="Times New Roman" pitchFamily="18" charset="0"/>
               </a:rPr>
-              <a:t>. </a:t>
+              <a:t>R. </a:t>
             </a:r>
             <a:r>
               <a:rPr lang="en-IN" dirty="0" err="1">
@@ -8796,18 +8788,11 @@
               <a:buAutoNum type="arabicPeriod"/>
             </a:pPr>
             <a:r>
-              <a:rPr lang="en-IN" dirty="0" smtClean="0">
-                <a:latin typeface="Times New Roman" pitchFamily="18" charset="0"/>
-                <a:cs typeface="Times New Roman" pitchFamily="18" charset="0"/>
-              </a:rPr>
-              <a:t>O</a:t>
-            </a:r>
-            <a:r>
               <a:rPr lang="en-IN" dirty="0">
                 <a:latin typeface="Times New Roman" pitchFamily="18" charset="0"/>
                 <a:cs typeface="Times New Roman" pitchFamily="18" charset="0"/>
               </a:rPr>
-              <a:t>. O. </a:t>
+              <a:t>O. O. </a:t>
             </a:r>
             <a:r>
               <a:rPr lang="en-IN" dirty="0" err="1">
@@ -8923,15 +8908,14 @@
           <a:bodyPr/>
           <a:lstStyle/>
           <a:p>
-            <a:pPr algn="l"/>
-            <a:r>
-              <a:rPr lang="en-IN" dirty="0" smtClean="0">
-                <a:latin typeface="Times New Roman" pitchFamily="18" charset="0"/>
-                <a:cs typeface="Times New Roman" pitchFamily="18" charset="0"/>
-              </a:rPr>
-              <a:t>References </a:t>
-            </a:r>
-            <a:endParaRPr lang="en-IN" dirty="0"/>
+            <a:r>
+              <a:rPr lang="en-IN" b="1" u="sng" dirty="0">
+                <a:latin typeface="Times New Roman" pitchFamily="18" charset="0"/>
+                <a:cs typeface="Times New Roman" pitchFamily="18" charset="0"/>
+              </a:rPr>
+              <a:t>REFERENCES </a:t>
+            </a:r>
+            <a:endParaRPr lang="en-IN" b="1" u="sng" dirty="0"/>
           </a:p>
         </p:txBody>
       </p:sp>
@@ -8957,18 +8941,11 @@
               <a:buAutoNum type="arabicPeriod" startAt="6"/>
             </a:pPr>
             <a:r>
-              <a:rPr lang="en-IN" dirty="0" smtClean="0">
-                <a:latin typeface="Times New Roman" pitchFamily="18" charset="0"/>
-                <a:cs typeface="Times New Roman" pitchFamily="18" charset="0"/>
-              </a:rPr>
-              <a:t>H</a:t>
-            </a:r>
-            <a:r>
               <a:rPr lang="en-IN" dirty="0">
                 <a:latin typeface="Times New Roman" pitchFamily="18" charset="0"/>
                 <a:cs typeface="Times New Roman" pitchFamily="18" charset="0"/>
               </a:rPr>
-              <a:t>.-T. Thai, N.-Y. Tran-Van, and K.-H. Le, ‘‘Artificial cognition for early leaf disease detection using vision transformers,’’ 2021.</a:t>
+              <a:t>H.-T. Thai, N.-Y. Tran-Van, and K.-H. Le, ‘‘Artificial cognition for early leaf disease detection using vision transformers,’’ 2021.</a:t>
             </a:r>
           </a:p>
           <a:p>
@@ -8977,18 +8954,11 @@
               <a:buAutoNum type="arabicPeriod" startAt="6"/>
             </a:pPr>
             <a:r>
-              <a:rPr lang="en-IN" dirty="0" smtClean="0">
-                <a:latin typeface="Times New Roman" pitchFamily="18" charset="0"/>
-                <a:cs typeface="Times New Roman" pitchFamily="18" charset="0"/>
-              </a:rPr>
-              <a:t>A</a:t>
-            </a:r>
-            <a:r>
               <a:rPr lang="en-IN" dirty="0">
                 <a:latin typeface="Times New Roman" pitchFamily="18" charset="0"/>
                 <a:cs typeface="Times New Roman" pitchFamily="18" charset="0"/>
               </a:rPr>
-              <a:t>. </a:t>
+              <a:t>A. </a:t>
             </a:r>
             <a:r>
               <a:rPr lang="en-IN" dirty="0" err="1">
@@ -9053,18 +9023,11 @@
               <a:buAutoNum type="arabicPeriod" startAt="6"/>
             </a:pPr>
             <a:r>
-              <a:rPr lang="en-IN" dirty="0" smtClean="0">
-                <a:latin typeface="Times New Roman" pitchFamily="18" charset="0"/>
-                <a:cs typeface="Times New Roman" pitchFamily="18" charset="0"/>
-              </a:rPr>
-              <a:t>A</a:t>
-            </a:r>
-            <a:r>
               <a:rPr lang="en-IN" dirty="0">
                 <a:latin typeface="Times New Roman" pitchFamily="18" charset="0"/>
                 <a:cs typeface="Times New Roman" pitchFamily="18" charset="0"/>
               </a:rPr>
-              <a:t>. J. </a:t>
+              <a:t>A. J. </a:t>
             </a:r>
             <a:r>
               <a:rPr lang="en-IN" dirty="0" err="1">
@@ -9101,18 +9064,11 @@
               <a:buAutoNum type="arabicPeriod" startAt="6"/>
             </a:pPr>
             <a:r>
-              <a:rPr lang="en-IN" dirty="0" smtClean="0">
-                <a:latin typeface="Times New Roman" pitchFamily="18" charset="0"/>
-                <a:cs typeface="Times New Roman" pitchFamily="18" charset="0"/>
-              </a:rPr>
-              <a:t>A</a:t>
-            </a:r>
-            <a:r>
               <a:rPr lang="en-IN" dirty="0">
                 <a:latin typeface="Times New Roman" pitchFamily="18" charset="0"/>
                 <a:cs typeface="Times New Roman" pitchFamily="18" charset="0"/>
               </a:rPr>
-              <a:t>. Singh and H. </a:t>
+              <a:t>A. Singh and H. </a:t>
             </a:r>
             <a:r>
               <a:rPr lang="en-IN" dirty="0" err="1">
@@ -9135,18 +9091,11 @@
               <a:buAutoNum type="arabicPeriod" startAt="6"/>
             </a:pPr>
             <a:r>
-              <a:rPr lang="en-IN" dirty="0" smtClean="0">
-                <a:latin typeface="Times New Roman" pitchFamily="18" charset="0"/>
-                <a:cs typeface="Times New Roman" pitchFamily="18" charset="0"/>
-              </a:rPr>
-              <a:t>J</a:t>
-            </a:r>
-            <a:r>
               <a:rPr lang="en-IN" dirty="0">
                 <a:latin typeface="Times New Roman" pitchFamily="18" charset="0"/>
                 <a:cs typeface="Times New Roman" pitchFamily="18" charset="0"/>
               </a:rPr>
-              <a:t>. Johnson, G. Sharma, S. </a:t>
+              <a:t>J. Johnson, G. Sharma, S. </a:t>
             </a:r>
             <a:r>
               <a:rPr lang="en-IN" dirty="0" err="1">
@@ -9249,13 +9198,13 @@
           <a:lstStyle/>
           <a:p>
             <a:r>
-              <a:rPr lang="en-US" dirty="0">
-                <a:latin typeface="Times New Roman" pitchFamily="18" charset="0"/>
-                <a:cs typeface="Times New Roman" pitchFamily="18" charset="0"/>
-              </a:rPr>
-              <a:t>Abstract</a:t>
-            </a:r>
-            <a:endParaRPr lang="en-IN" dirty="0"/>
+              <a:rPr lang="en-US" b="1" u="sng" dirty="0">
+                <a:latin typeface="Times New Roman" pitchFamily="18" charset="0"/>
+                <a:cs typeface="Times New Roman" pitchFamily="18" charset="0"/>
+              </a:rPr>
+              <a:t>ABSTRACT</a:t>
+            </a:r>
+            <a:endParaRPr lang="en-IN" b="1" u="sng" dirty="0"/>
           </a:p>
         </p:txBody>
       </p:sp>
@@ -9312,21 +9261,7 @@
                 <a:latin typeface="Times New Roman" pitchFamily="18" charset="0"/>
                 <a:cs typeface="Times New Roman" pitchFamily="18" charset="0"/>
               </a:rPr>
-              <a:t>The results demonstrate the potential of </a:t>
-            </a:r>
-            <a:r>
-              <a:rPr lang="en-IN" dirty="0" smtClean="0">
-                <a:latin typeface="Times New Roman" pitchFamily="18" charset="0"/>
-                <a:cs typeface="Times New Roman" pitchFamily="18" charset="0"/>
-              </a:rPr>
-              <a:t>DCNN </a:t>
-            </a:r>
-            <a:r>
-              <a:rPr lang="en-IN" dirty="0">
-                <a:latin typeface="Times New Roman" pitchFamily="18" charset="0"/>
-                <a:cs typeface="Times New Roman" pitchFamily="18" charset="0"/>
-              </a:rPr>
-              <a:t>in accurately identifying and classifying tomato leaf diseases.</a:t>
+              <a:t>The results demonstrate the potential of DCNN in accurately identifying and classifying tomato leaf diseases.</a:t>
             </a:r>
           </a:p>
           <a:p>
@@ -9390,11 +9325,18 @@
           <a:lstStyle/>
           <a:p>
             <a:r>
-              <a:rPr lang="en-US" dirty="0" smtClean="0">
-                <a:latin typeface="Times New Roman" pitchFamily="18" charset="0"/>
-                <a:cs typeface="Times New Roman" pitchFamily="18" charset="0"/>
-              </a:rPr>
-              <a:t>Introduction </a:t>
+              <a:rPr lang="en-US" b="1" u="sng" dirty="0">
+                <a:latin typeface="Times New Roman" pitchFamily="18" charset="0"/>
+                <a:cs typeface="Times New Roman" pitchFamily="18" charset="0"/>
+              </a:rPr>
+              <a:t>INTRODUCTION</a:t>
+            </a:r>
+            <a:r>
+              <a:rPr lang="en-US" dirty="0">
+                <a:latin typeface="Times New Roman" pitchFamily="18" charset="0"/>
+                <a:cs typeface="Times New Roman" pitchFamily="18" charset="0"/>
+              </a:rPr>
+              <a:t> </a:t>
             </a:r>
             <a:endParaRPr lang="en-IN" dirty="0">
               <a:latin typeface="Times New Roman" pitchFamily="18" charset="0"/>
@@ -9422,7 +9364,7 @@
           <a:p>
             <a:pPr algn="just"/>
             <a:r>
-              <a:rPr lang="en-US" dirty="0" smtClean="0">
+              <a:rPr lang="en-US" dirty="0">
                 <a:latin typeface="Times New Roman" pitchFamily="18" charset="0"/>
                 <a:cs typeface="Times New Roman" pitchFamily="18" charset="0"/>
               </a:rPr>
@@ -9432,7 +9374,7 @@
           <a:p>
             <a:pPr algn="just"/>
             <a:r>
-              <a:rPr lang="en-US" dirty="0" smtClean="0">
+              <a:rPr lang="en-US" dirty="0">
                 <a:latin typeface="Times New Roman" pitchFamily="18" charset="0"/>
                 <a:cs typeface="Times New Roman" pitchFamily="18" charset="0"/>
               </a:rPr>
@@ -9442,7 +9384,7 @@
           <a:p>
             <a:pPr algn="just"/>
             <a:r>
-              <a:rPr lang="en-US" dirty="0" smtClean="0">
+              <a:rPr lang="en-US" dirty="0">
                 <a:latin typeface="Times New Roman" pitchFamily="18" charset="0"/>
                 <a:cs typeface="Times New Roman" pitchFamily="18" charset="0"/>
               </a:rPr>
@@ -9452,7 +9394,7 @@
           <a:p>
             <a:pPr algn="just"/>
             <a:r>
-              <a:rPr lang="en-US" dirty="0" smtClean="0">
+              <a:rPr lang="en-US" dirty="0">
                 <a:latin typeface="Times New Roman" pitchFamily="18" charset="0"/>
                 <a:cs typeface="Times New Roman" pitchFamily="18" charset="0"/>
               </a:rPr>
@@ -9462,7 +9404,7 @@
           <a:p>
             <a:pPr algn="just"/>
             <a:r>
-              <a:rPr lang="en-US" dirty="0" smtClean="0">
+              <a:rPr lang="en-US" dirty="0">
                 <a:latin typeface="Times New Roman" pitchFamily="18" charset="0"/>
                 <a:cs typeface="Times New Roman" pitchFamily="18" charset="0"/>
               </a:rPr>
@@ -9521,13 +9463,13 @@
           <a:lstStyle/>
           <a:p>
             <a:r>
-              <a:rPr lang="en-US" b="1" dirty="0" smtClean="0">
+              <a:rPr lang="en-US" b="1" u="sng" dirty="0">
                 <a:latin typeface="Times New Roman" pitchFamily="18" charset="0"/>
                 <a:cs typeface="Times New Roman" pitchFamily="18" charset="0"/>
               </a:rPr>
               <a:t>Literature Survey-1</a:t>
             </a:r>
-            <a:endParaRPr lang="en-IN" b="1" dirty="0">
+            <a:endParaRPr lang="en-IN" b="1" u="sng" dirty="0">
               <a:latin typeface="Times New Roman" pitchFamily="18" charset="0"/>
               <a:cs typeface="Times New Roman" pitchFamily="18" charset="0"/>
             </a:endParaRPr>
@@ -9560,10 +9502,34 @@
                 <a:tableStyleId>{5C22544A-7EE6-4342-B048-85BDC9FD1C3A}</a:tableStyleId>
               </a:tblPr>
               <a:tblGrid>
-                <a:gridCol w="2592288"/>
-                <a:gridCol w="2448272"/>
-                <a:gridCol w="1584176"/>
-                <a:gridCol w="4824536"/>
+                <a:gridCol w="2592288">
+                  <a:extLst>
+                    <a:ext uri="{9D8B030D-6E8A-4147-A177-3AD203B41FA5}">
+                      <a16:colId xmlns:a16="http://schemas.microsoft.com/office/drawing/2014/main" val="20000"/>
+                    </a:ext>
+                  </a:extLst>
+                </a:gridCol>
+                <a:gridCol w="2448272">
+                  <a:extLst>
+                    <a:ext uri="{9D8B030D-6E8A-4147-A177-3AD203B41FA5}">
+                      <a16:colId xmlns:a16="http://schemas.microsoft.com/office/drawing/2014/main" val="20001"/>
+                    </a:ext>
+                  </a:extLst>
+                </a:gridCol>
+                <a:gridCol w="1584176">
+                  <a:extLst>
+                    <a:ext uri="{9D8B030D-6E8A-4147-A177-3AD203B41FA5}">
+                      <a16:colId xmlns:a16="http://schemas.microsoft.com/office/drawing/2014/main" val="20002"/>
+                    </a:ext>
+                  </a:extLst>
+                </a:gridCol>
+                <a:gridCol w="4824536">
+                  <a:extLst>
+                    <a:ext uri="{9D8B030D-6E8A-4147-A177-3AD203B41FA5}">
+                      <a16:colId xmlns:a16="http://schemas.microsoft.com/office/drawing/2014/main" val="20003"/>
+                    </a:ext>
+                  </a:extLst>
+                </a:gridCol>
               </a:tblGrid>
               <a:tr h="648072">
                 <a:tc>
@@ -9573,7 +9539,7 @@
                     <a:p>
                       <a:pPr algn="ctr"/>
                       <a:r>
-                        <a:rPr lang="en-US" sz="3200" dirty="0" smtClean="0">
+                        <a:rPr lang="en-US" sz="3200" dirty="0">
                           <a:latin typeface="Times New Roman" pitchFamily="18" charset="0"/>
                           <a:cs typeface="Times New Roman" pitchFamily="18" charset="0"/>
                         </a:rPr>
@@ -9594,7 +9560,7 @@
                     <a:p>
                       <a:pPr algn="ctr"/>
                       <a:r>
-                        <a:rPr lang="en-US" sz="3200" dirty="0" smtClean="0">
+                        <a:rPr lang="en-US" sz="3200" dirty="0">
                           <a:latin typeface="Times New Roman" pitchFamily="18" charset="0"/>
                           <a:cs typeface="Times New Roman" pitchFamily="18" charset="0"/>
                         </a:rPr>
@@ -9615,7 +9581,7 @@
                     <a:p>
                       <a:pPr algn="ctr"/>
                       <a:r>
-                        <a:rPr lang="en-US" sz="3200" dirty="0" smtClean="0">
+                        <a:rPr lang="en-US" sz="3200" dirty="0">
                           <a:latin typeface="Times New Roman" pitchFamily="18" charset="0"/>
                           <a:cs typeface="Times New Roman" pitchFamily="18" charset="0"/>
                         </a:rPr>
@@ -9636,7 +9602,7 @@
                     <a:p>
                       <a:pPr algn="ctr"/>
                       <a:r>
-                        <a:rPr lang="en-US" sz="3200" dirty="0" smtClean="0">
+                        <a:rPr lang="en-US" sz="3200" dirty="0">
                           <a:latin typeface="Times New Roman" pitchFamily="18" charset="0"/>
                           <a:cs typeface="Times New Roman" pitchFamily="18" charset="0"/>
                         </a:rPr>
@@ -9650,6 +9616,11 @@
                   </a:txBody>
                   <a:tcPr/>
                 </a:tc>
+                <a:extLst>
+                  <a:ext uri="{0D108BD9-81ED-4DB2-BD59-A6C34878D82A}">
+                    <a16:rowId xmlns:a16="http://schemas.microsoft.com/office/drawing/2014/main" val="10000"/>
+                  </a:ext>
+                </a:extLst>
               </a:tr>
               <a:tr h="4165664">
                 <a:tc>
@@ -9659,21 +9630,21 @@
                     <a:p>
                       <a:pPr algn="just"/>
                       <a:r>
-                        <a:rPr lang="en-US" sz="2000" b="0" dirty="0" smtClean="0">
+                        <a:rPr lang="en-US" sz="2000" b="0" dirty="0">
                           <a:latin typeface="Times New Roman" pitchFamily="18" charset="0"/>
                           <a:cs typeface="Times New Roman" pitchFamily="18" charset="0"/>
                         </a:rPr>
                         <a:t>Role of Machine Learning and Cloud-Driven Platform in </a:t>
                       </a:r>
                       <a:r>
-                        <a:rPr lang="en-US" sz="2000" b="0" dirty="0" err="1" smtClean="0">
+                        <a:rPr lang="en-US" sz="2000" b="0" dirty="0" err="1">
                           <a:latin typeface="Times New Roman" pitchFamily="18" charset="0"/>
                           <a:cs typeface="Times New Roman" pitchFamily="18" charset="0"/>
                         </a:rPr>
                         <a:t>IoT</a:t>
                       </a:r>
                       <a:r>
-                        <a:rPr lang="en-US" sz="2000" b="0" dirty="0" smtClean="0">
+                        <a:rPr lang="en-US" sz="2000" b="0" dirty="0">
                           <a:latin typeface="Times New Roman" pitchFamily="18" charset="0"/>
                           <a:cs typeface="Times New Roman" pitchFamily="18" charset="0"/>
                         </a:rPr>
@@ -9694,60 +9665,77 @@
                     <a:p>
                       <a:pPr algn="just"/>
                       <a:r>
-                        <a:rPr lang="en-IN" sz="2000" b="0" dirty="0" err="1" smtClean="0">
+                        <a:rPr lang="en-IN" sz="2000" b="0" dirty="0" err="1">
                           <a:latin typeface="Times New Roman" pitchFamily="18" charset="0"/>
                           <a:cs typeface="Times New Roman" pitchFamily="18" charset="0"/>
                         </a:rPr>
                         <a:t>Astik</a:t>
                       </a:r>
                       <a:r>
-                        <a:rPr lang="en-IN" sz="2000" b="0" dirty="0" smtClean="0">
+                        <a:rPr lang="en-IN" sz="2000" b="0" dirty="0">
                           <a:latin typeface="Times New Roman" pitchFamily="18" charset="0"/>
                           <a:cs typeface="Times New Roman" pitchFamily="18" charset="0"/>
                         </a:rPr>
                         <a:t> Kumar </a:t>
                       </a:r>
                       <a:r>
-                        <a:rPr lang="en-IN" sz="2000" b="0" dirty="0" err="1" smtClean="0">
+                        <a:rPr lang="en-IN" sz="2000" b="0" dirty="0" err="1">
                           <a:latin typeface="Times New Roman" pitchFamily="18" charset="0"/>
                           <a:cs typeface="Times New Roman" pitchFamily="18" charset="0"/>
                         </a:rPr>
                         <a:t>Pradhan</a:t>
                       </a:r>
                       <a:r>
-                        <a:rPr lang="en-IN" sz="2000" b="0" dirty="0" smtClean="0">
+                        <a:rPr lang="en-IN" sz="2000" b="0" dirty="0">
                           <a:latin typeface="Times New Roman" pitchFamily="18" charset="0"/>
                           <a:cs typeface="Times New Roman" pitchFamily="18" charset="0"/>
                         </a:rPr>
                         <a:t>, </a:t>
                       </a:r>
                       <a:r>
-                        <a:rPr lang="en-IN" sz="2000" b="0" dirty="0" err="1" smtClean="0">
+                        <a:rPr lang="en-IN" sz="2000" b="0" dirty="0" err="1">
                           <a:latin typeface="Times New Roman" pitchFamily="18" charset="0"/>
                           <a:cs typeface="Times New Roman" pitchFamily="18" charset="0"/>
                         </a:rPr>
                         <a:t>Satyajit</a:t>
                       </a:r>
                       <a:r>
-                        <a:rPr lang="en-IN" sz="2000" b="0" dirty="0" smtClean="0">
+                        <a:rPr lang="en-IN" sz="2000" b="0" dirty="0">
                           <a:latin typeface="Times New Roman" pitchFamily="18" charset="0"/>
                           <a:cs typeface="Times New Roman" pitchFamily="18" charset="0"/>
                         </a:rPr>
                         <a:t> Swain and </a:t>
                       </a:r>
                       <a:r>
-                        <a:rPr lang="en-IN" sz="2000" b="0" dirty="0" err="1" smtClean="0">
+                        <a:rPr lang="en-IN" sz="2000" b="0" dirty="0" err="1">
                           <a:latin typeface="Times New Roman" pitchFamily="18" charset="0"/>
                           <a:cs typeface="Times New Roman" pitchFamily="18" charset="0"/>
                         </a:rPr>
                         <a:t>Jitendra</a:t>
                       </a:r>
                       <a:r>
-                        <a:rPr lang="en-IN" sz="2000" b="0" dirty="0" smtClean="0">
+                        <a:rPr lang="en-IN" sz="2000" b="0" dirty="0">
                           <a:latin typeface="Times New Roman" pitchFamily="18" charset="0"/>
                           <a:cs typeface="Times New Roman" pitchFamily="18" charset="0"/>
                         </a:rPr>
                         <a:t> Kumar Rout </a:t>
+                      </a:r>
+                    </a:p>
+                  </a:txBody>
+                  <a:tcPr/>
+                </a:tc>
+                <a:tc>
+                  <a:txBody>
+                    <a:bodyPr/>
+                    <a:lstStyle/>
+                    <a:p>
+                      <a:pPr algn="just"/>
+                      <a:r>
+                        <a:rPr lang="en-US" sz="2000" b="0" dirty="0">
+                          <a:latin typeface="Times New Roman" pitchFamily="18" charset="0"/>
+                          <a:cs typeface="Times New Roman" pitchFamily="18" charset="0"/>
+                        </a:rPr>
+                        <a:t>2022</a:t>
                       </a:r>
                       <a:endParaRPr lang="en-IN" sz="2000" b="0" dirty="0">
                         <a:latin typeface="Times New Roman" pitchFamily="18" charset="0"/>
@@ -9764,11 +9752,40 @@
                     <a:p>
                       <a:pPr algn="just"/>
                       <a:r>
-                        <a:rPr lang="en-US" sz="2000" b="0" dirty="0" smtClean="0">
-                          <a:latin typeface="Times New Roman" pitchFamily="18" charset="0"/>
-                          <a:cs typeface="Times New Roman" pitchFamily="18" charset="0"/>
-                        </a:rPr>
-                        <a:t>2022</a:t>
+                        <a:rPr lang="en-US" sz="2000" b="0" i="0" kern="1200" dirty="0">
+                          <a:solidFill>
+                            <a:schemeClr val="dk1"/>
+                          </a:solidFill>
+                          <a:effectLst/>
+                          <a:latin typeface="Times New Roman" pitchFamily="18" charset="0"/>
+                          <a:ea typeface="+mn-ea"/>
+                          <a:cs typeface="Times New Roman" pitchFamily="18" charset="0"/>
+                        </a:rPr>
+                        <a:t>Crops, their production, and quality are all vital to a farmer’s livelihood. Agriculture is our country’s most basic and important occupation, as it balances food demand while also supplying vital raw materials for a variety of industries. The amalgamation of machine learning (ML) and Internet of Things (</a:t>
+                      </a:r>
+                      <a:r>
+                        <a:rPr lang="en-US" sz="2000" b="0" i="0" kern="1200" dirty="0" err="1">
+                          <a:solidFill>
+                            <a:schemeClr val="dk1"/>
+                          </a:solidFill>
+                          <a:effectLst/>
+                          <a:latin typeface="Times New Roman" pitchFamily="18" charset="0"/>
+                          <a:ea typeface="+mn-ea"/>
+                          <a:cs typeface="Times New Roman" pitchFamily="18" charset="0"/>
+                        </a:rPr>
+                        <a:t>IoT</a:t>
+                      </a:r>
+                      <a:r>
+                        <a:rPr lang="en-US" sz="2000" b="0" i="0" kern="1200" dirty="0">
+                          <a:solidFill>
+                            <a:schemeClr val="dk1"/>
+                          </a:solidFill>
+                          <a:effectLst/>
+                          <a:latin typeface="Times New Roman" pitchFamily="18" charset="0"/>
+                          <a:ea typeface="+mn-ea"/>
+                          <a:cs typeface="Times New Roman" pitchFamily="18" charset="0"/>
+                        </a:rPr>
+                        <a:t>)-based advanced smart farming tools are turning the face of agricultural production day after day not only by improving it but also by rendering it cost-effective and reducing waste. </a:t>
                       </a:r>
                       <a:endParaRPr lang="en-IN" sz="2000" b="0" dirty="0">
                         <a:latin typeface="Times New Roman" pitchFamily="18" charset="0"/>
@@ -9778,56 +9795,11 @@
                   </a:txBody>
                   <a:tcPr/>
                 </a:tc>
-                <a:tc>
-                  <a:txBody>
-                    <a:bodyPr/>
-                    <a:lstStyle/>
-                    <a:p>
-                      <a:pPr algn="just"/>
-                      <a:r>
-                        <a:rPr lang="en-US" sz="2000" b="0" i="0" kern="1200" dirty="0" smtClean="0">
-                          <a:solidFill>
-                            <a:schemeClr val="dk1"/>
-                          </a:solidFill>
-                          <a:effectLst/>
-                          <a:latin typeface="Times New Roman" pitchFamily="18" charset="0"/>
-                          <a:ea typeface="+mn-ea"/>
-                          <a:cs typeface="Times New Roman" pitchFamily="18" charset="0"/>
-                        </a:rPr>
-                        <a:t>Crops, their production, and quality are all vital to a farmer’s livelihood. Agriculture is our country’s most basic and important occupation, as it balances food demand while also supplying vital raw materials for a variety of industries. The amalgamation of machine learning (ML) and Internet of Things (</a:t>
-                      </a:r>
-                      <a:r>
-                        <a:rPr lang="en-US" sz="2000" b="0" i="0" kern="1200" dirty="0" err="1" smtClean="0">
-                          <a:solidFill>
-                            <a:schemeClr val="dk1"/>
-                          </a:solidFill>
-                          <a:effectLst/>
-                          <a:latin typeface="Times New Roman" pitchFamily="18" charset="0"/>
-                          <a:ea typeface="+mn-ea"/>
-                          <a:cs typeface="Times New Roman" pitchFamily="18" charset="0"/>
-                        </a:rPr>
-                        <a:t>IoT</a:t>
-                      </a:r>
-                      <a:r>
-                        <a:rPr lang="en-US" sz="2000" b="0" i="0" kern="1200" dirty="0" smtClean="0">
-                          <a:solidFill>
-                            <a:schemeClr val="dk1"/>
-                          </a:solidFill>
-                          <a:effectLst/>
-                          <a:latin typeface="Times New Roman" pitchFamily="18" charset="0"/>
-                          <a:ea typeface="+mn-ea"/>
-                          <a:cs typeface="Times New Roman" pitchFamily="18" charset="0"/>
-                        </a:rPr>
-                        <a:t>)-based advanced smart farming tools are turning the face of agricultural production day after day not only by improving it but also by rendering it cost-effective and reducing waste. </a:t>
-                      </a:r>
-                      <a:endParaRPr lang="en-IN" sz="2000" b="0" dirty="0">
-                        <a:latin typeface="Times New Roman" pitchFamily="18" charset="0"/>
-                        <a:cs typeface="Times New Roman" pitchFamily="18" charset="0"/>
-                      </a:endParaRPr>
-                    </a:p>
-                  </a:txBody>
-                  <a:tcPr/>
-                </a:tc>
+                <a:extLst>
+                  <a:ext uri="{0D108BD9-81ED-4DB2-BD59-A6C34878D82A}">
+                    <a16:rowId xmlns:a16="http://schemas.microsoft.com/office/drawing/2014/main" val="10001"/>
+                  </a:ext>
+                </a:extLst>
               </a:tr>
             </a:tbl>
           </a:graphicData>
@@ -9879,13 +9851,13 @@
           <a:lstStyle/>
           <a:p>
             <a:r>
-              <a:rPr lang="en-US" b="1" dirty="0" smtClean="0">
+              <a:rPr lang="en-US" b="1" u="sng" dirty="0">
                 <a:latin typeface="Times New Roman" pitchFamily="18" charset="0"/>
                 <a:cs typeface="Times New Roman" pitchFamily="18" charset="0"/>
               </a:rPr>
               <a:t>Literature Survey-2</a:t>
             </a:r>
-            <a:endParaRPr lang="en-IN" b="1" dirty="0">
+            <a:endParaRPr lang="en-IN" b="1" u="sng" dirty="0">
               <a:latin typeface="Times New Roman" pitchFamily="18" charset="0"/>
               <a:cs typeface="Times New Roman" pitchFamily="18" charset="0"/>
             </a:endParaRPr>
@@ -9918,10 +9890,34 @@
                 <a:tableStyleId>{5C22544A-7EE6-4342-B048-85BDC9FD1C3A}</a:tableStyleId>
               </a:tblPr>
               <a:tblGrid>
-                <a:gridCol w="2592288"/>
-                <a:gridCol w="2448272"/>
-                <a:gridCol w="1584176"/>
-                <a:gridCol w="4824536"/>
+                <a:gridCol w="2592288">
+                  <a:extLst>
+                    <a:ext uri="{9D8B030D-6E8A-4147-A177-3AD203B41FA5}">
+                      <a16:colId xmlns:a16="http://schemas.microsoft.com/office/drawing/2014/main" val="20000"/>
+                    </a:ext>
+                  </a:extLst>
+                </a:gridCol>
+                <a:gridCol w="2448272">
+                  <a:extLst>
+                    <a:ext uri="{9D8B030D-6E8A-4147-A177-3AD203B41FA5}">
+                      <a16:colId xmlns:a16="http://schemas.microsoft.com/office/drawing/2014/main" val="20001"/>
+                    </a:ext>
+                  </a:extLst>
+                </a:gridCol>
+                <a:gridCol w="1584176">
+                  <a:extLst>
+                    <a:ext uri="{9D8B030D-6E8A-4147-A177-3AD203B41FA5}">
+                      <a16:colId xmlns:a16="http://schemas.microsoft.com/office/drawing/2014/main" val="20002"/>
+                    </a:ext>
+                  </a:extLst>
+                </a:gridCol>
+                <a:gridCol w="4824536">
+                  <a:extLst>
+                    <a:ext uri="{9D8B030D-6E8A-4147-A177-3AD203B41FA5}">
+                      <a16:colId xmlns:a16="http://schemas.microsoft.com/office/drawing/2014/main" val="20003"/>
+                    </a:ext>
+                  </a:extLst>
+                </a:gridCol>
               </a:tblGrid>
               <a:tr h="648072">
                 <a:tc>
@@ -9931,7 +9927,7 @@
                     <a:p>
                       <a:pPr algn="ctr"/>
                       <a:r>
-                        <a:rPr lang="en-US" sz="3200" dirty="0" smtClean="0">
+                        <a:rPr lang="en-US" sz="3200" dirty="0">
                           <a:latin typeface="Times New Roman" pitchFamily="18" charset="0"/>
                           <a:cs typeface="Times New Roman" pitchFamily="18" charset="0"/>
                         </a:rPr>
@@ -9952,7 +9948,7 @@
                     <a:p>
                       <a:pPr algn="ctr"/>
                       <a:r>
-                        <a:rPr lang="en-US" sz="3200" dirty="0" smtClean="0">
+                        <a:rPr lang="en-US" sz="3200" dirty="0">
                           <a:latin typeface="Times New Roman" pitchFamily="18" charset="0"/>
                           <a:cs typeface="Times New Roman" pitchFamily="18" charset="0"/>
                         </a:rPr>
@@ -9973,7 +9969,7 @@
                     <a:p>
                       <a:pPr algn="ctr"/>
                       <a:r>
-                        <a:rPr lang="en-US" sz="3200" dirty="0" smtClean="0">
+                        <a:rPr lang="en-US" sz="3200" dirty="0">
                           <a:latin typeface="Times New Roman" pitchFamily="18" charset="0"/>
                           <a:cs typeface="Times New Roman" pitchFamily="18" charset="0"/>
                         </a:rPr>
@@ -9994,7 +9990,7 @@
                     <a:p>
                       <a:pPr algn="ctr"/>
                       <a:r>
-                        <a:rPr lang="en-US" sz="3200" dirty="0" smtClean="0">
+                        <a:rPr lang="en-US" sz="3200" dirty="0">
                           <a:latin typeface="Times New Roman" pitchFamily="18" charset="0"/>
                           <a:cs typeface="Times New Roman" pitchFamily="18" charset="0"/>
                         </a:rPr>
@@ -10008,6 +10004,11 @@
                   </a:txBody>
                   <a:tcPr/>
                 </a:tc>
+                <a:extLst>
+                  <a:ext uri="{0D108BD9-81ED-4DB2-BD59-A6C34878D82A}">
+                    <a16:rowId xmlns:a16="http://schemas.microsoft.com/office/drawing/2014/main" val="10000"/>
+                  </a:ext>
+                </a:extLst>
               </a:tr>
               <a:tr h="4165664">
                 <a:tc>
@@ -10017,7 +10018,7 @@
                     <a:p>
                       <a:pPr algn="just"/>
                       <a:r>
-                        <a:rPr lang="en-US" sz="2000" b="0" dirty="0" smtClean="0">
+                        <a:rPr lang="en-US" sz="2000" b="0" dirty="0">
                           <a:latin typeface="Times New Roman" pitchFamily="18" charset="0"/>
                           <a:cs typeface="Times New Roman" pitchFamily="18" charset="0"/>
                         </a:rPr>
@@ -10038,49 +10039,49 @@
                     <a:p>
                       <a:pPr algn="just"/>
                       <a:r>
-                        <a:rPr lang="en-IN" sz="2000" b="0" dirty="0" err="1" smtClean="0">
+                        <a:rPr lang="en-IN" sz="2000" b="0" dirty="0" err="1">
                           <a:latin typeface="Times New Roman" pitchFamily="18" charset="0"/>
                           <a:cs typeface="Times New Roman" pitchFamily="18" charset="0"/>
                         </a:rPr>
                         <a:t>Anuja</a:t>
                       </a:r>
                       <a:r>
-                        <a:rPr lang="en-IN" sz="2000" b="0" dirty="0" smtClean="0">
+                        <a:rPr lang="en-IN" sz="2000" b="0" dirty="0">
                           <a:latin typeface="Times New Roman" pitchFamily="18" charset="0"/>
                           <a:cs typeface="Times New Roman" pitchFamily="18" charset="0"/>
                         </a:rPr>
                         <a:t> </a:t>
                       </a:r>
                       <a:r>
-                        <a:rPr lang="en-IN" sz="2000" b="0" dirty="0" err="1" smtClean="0">
+                        <a:rPr lang="en-IN" sz="2000" b="0" dirty="0" err="1">
                           <a:latin typeface="Times New Roman" pitchFamily="18" charset="0"/>
                           <a:cs typeface="Times New Roman" pitchFamily="18" charset="0"/>
                         </a:rPr>
                         <a:t>Bhargava</a:t>
                       </a:r>
                       <a:r>
-                        <a:rPr lang="en-IN" sz="2000" b="0" dirty="0" smtClean="0">
+                        <a:rPr lang="en-IN" sz="2000" b="0" dirty="0">
                           <a:latin typeface="Times New Roman" pitchFamily="18" charset="0"/>
                           <a:cs typeface="Times New Roman" pitchFamily="18" charset="0"/>
                         </a:rPr>
                         <a:t>,  </a:t>
                       </a:r>
                       <a:r>
-                        <a:rPr lang="en-IN" sz="2000" b="0" dirty="0" err="1" smtClean="0">
+                        <a:rPr lang="en-IN" sz="2000" b="0" dirty="0" err="1">
                           <a:latin typeface="Times New Roman" pitchFamily="18" charset="0"/>
                           <a:cs typeface="Times New Roman" pitchFamily="18" charset="0"/>
                         </a:rPr>
                         <a:t>Atul</a:t>
                       </a:r>
                       <a:r>
-                        <a:rPr lang="en-IN" sz="2000" b="0" dirty="0" smtClean="0">
+                        <a:rPr lang="en-IN" sz="2000" b="0" dirty="0">
                           <a:latin typeface="Times New Roman" pitchFamily="18" charset="0"/>
                           <a:cs typeface="Times New Roman" pitchFamily="18" charset="0"/>
                         </a:rPr>
                         <a:t> </a:t>
                       </a:r>
                       <a:r>
-                        <a:rPr lang="en-IN" sz="2000" b="0" dirty="0" err="1" smtClean="0">
+                        <a:rPr lang="en-IN" sz="2000" b="0" dirty="0" err="1">
                           <a:latin typeface="Times New Roman" pitchFamily="18" charset="0"/>
                           <a:cs typeface="Times New Roman" pitchFamily="18" charset="0"/>
                         </a:rPr>
@@ -10101,7 +10102,7 @@
                     <a:p>
                       <a:pPr algn="just"/>
                       <a:r>
-                        <a:rPr lang="en-US" sz="2000" b="0" dirty="0" smtClean="0">
+                        <a:rPr lang="en-US" sz="2000" b="0" dirty="0">
                           <a:latin typeface="Times New Roman" pitchFamily="18" charset="0"/>
                           <a:cs typeface="Times New Roman" pitchFamily="18" charset="0"/>
                         </a:rPr>
@@ -10122,7 +10123,7 @@
                     <a:p>
                       <a:pPr algn="just"/>
                       <a:r>
-                        <a:rPr lang="en-US" sz="2000" dirty="0" smtClean="0">
+                        <a:rPr lang="en-US" sz="2000" dirty="0">
                           <a:latin typeface="Times New Roman" pitchFamily="18" charset="0"/>
                           <a:cs typeface="Times New Roman" pitchFamily="18" charset="0"/>
                         </a:rPr>
@@ -10136,6 +10137,11 @@
                   </a:txBody>
                   <a:tcPr/>
                 </a:tc>
+                <a:extLst>
+                  <a:ext uri="{0D108BD9-81ED-4DB2-BD59-A6C34878D82A}">
+                    <a16:rowId xmlns:a16="http://schemas.microsoft.com/office/drawing/2014/main" val="10001"/>
+                  </a:ext>
+                </a:extLst>
               </a:tr>
             </a:tbl>
           </a:graphicData>
@@ -10187,13 +10193,13 @@
           <a:lstStyle/>
           <a:p>
             <a:r>
-              <a:rPr lang="en-US" b="1" dirty="0" smtClean="0">
+              <a:rPr lang="en-US" b="1" u="sng" dirty="0">
                 <a:latin typeface="Times New Roman" pitchFamily="18" charset="0"/>
                 <a:cs typeface="Times New Roman" pitchFamily="18" charset="0"/>
               </a:rPr>
               <a:t>Literature Survey-3</a:t>
             </a:r>
-            <a:endParaRPr lang="en-IN" b="1" dirty="0">
+            <a:endParaRPr lang="en-IN" b="1" u="sng" dirty="0">
               <a:latin typeface="Times New Roman" pitchFamily="18" charset="0"/>
               <a:cs typeface="Times New Roman" pitchFamily="18" charset="0"/>
             </a:endParaRPr>
@@ -10226,10 +10232,34 @@
                 <a:tableStyleId>{5C22544A-7EE6-4342-B048-85BDC9FD1C3A}</a:tableStyleId>
               </a:tblPr>
               <a:tblGrid>
-                <a:gridCol w="2592288"/>
-                <a:gridCol w="2448272"/>
-                <a:gridCol w="1584176"/>
-                <a:gridCol w="4824536"/>
+                <a:gridCol w="2592288">
+                  <a:extLst>
+                    <a:ext uri="{9D8B030D-6E8A-4147-A177-3AD203B41FA5}">
+                      <a16:colId xmlns:a16="http://schemas.microsoft.com/office/drawing/2014/main" val="20000"/>
+                    </a:ext>
+                  </a:extLst>
+                </a:gridCol>
+                <a:gridCol w="2448272">
+                  <a:extLst>
+                    <a:ext uri="{9D8B030D-6E8A-4147-A177-3AD203B41FA5}">
+                      <a16:colId xmlns:a16="http://schemas.microsoft.com/office/drawing/2014/main" val="20001"/>
+                    </a:ext>
+                  </a:extLst>
+                </a:gridCol>
+                <a:gridCol w="1584176">
+                  <a:extLst>
+                    <a:ext uri="{9D8B030D-6E8A-4147-A177-3AD203B41FA5}">
+                      <a16:colId xmlns:a16="http://schemas.microsoft.com/office/drawing/2014/main" val="20002"/>
+                    </a:ext>
+                  </a:extLst>
+                </a:gridCol>
+                <a:gridCol w="4824536">
+                  <a:extLst>
+                    <a:ext uri="{9D8B030D-6E8A-4147-A177-3AD203B41FA5}">
+                      <a16:colId xmlns:a16="http://schemas.microsoft.com/office/drawing/2014/main" val="20003"/>
+                    </a:ext>
+                  </a:extLst>
+                </a:gridCol>
               </a:tblGrid>
               <a:tr h="648072">
                 <a:tc>
@@ -10239,7 +10269,7 @@
                     <a:p>
                       <a:pPr algn="ctr"/>
                       <a:r>
-                        <a:rPr lang="en-US" sz="3200" dirty="0" smtClean="0">
+                        <a:rPr lang="en-US" sz="3200" dirty="0">
                           <a:latin typeface="Times New Roman" pitchFamily="18" charset="0"/>
                           <a:cs typeface="Times New Roman" pitchFamily="18" charset="0"/>
                         </a:rPr>
@@ -10260,7 +10290,7 @@
                     <a:p>
                       <a:pPr algn="ctr"/>
                       <a:r>
-                        <a:rPr lang="en-US" sz="3200" dirty="0" smtClean="0">
+                        <a:rPr lang="en-US" sz="3200" dirty="0">
                           <a:latin typeface="Times New Roman" pitchFamily="18" charset="0"/>
                           <a:cs typeface="Times New Roman" pitchFamily="18" charset="0"/>
                         </a:rPr>
@@ -10281,7 +10311,7 @@
                     <a:p>
                       <a:pPr algn="ctr"/>
                       <a:r>
-                        <a:rPr lang="en-US" sz="3200" dirty="0" smtClean="0">
+                        <a:rPr lang="en-US" sz="3200" dirty="0">
                           <a:latin typeface="Times New Roman" pitchFamily="18" charset="0"/>
                           <a:cs typeface="Times New Roman" pitchFamily="18" charset="0"/>
                         </a:rPr>
@@ -10302,7 +10332,7 @@
                     <a:p>
                       <a:pPr algn="ctr"/>
                       <a:r>
-                        <a:rPr lang="en-US" sz="3200" dirty="0" smtClean="0">
+                        <a:rPr lang="en-US" sz="3200" dirty="0">
                           <a:latin typeface="Times New Roman" pitchFamily="18" charset="0"/>
                           <a:cs typeface="Times New Roman" pitchFamily="18" charset="0"/>
                         </a:rPr>
@@ -10316,6 +10346,11 @@
                   </a:txBody>
                   <a:tcPr/>
                 </a:tc>
+                <a:extLst>
+                  <a:ext uri="{0D108BD9-81ED-4DB2-BD59-A6C34878D82A}">
+                    <a16:rowId xmlns:a16="http://schemas.microsoft.com/office/drawing/2014/main" val="10000"/>
+                  </a:ext>
+                </a:extLst>
               </a:tr>
               <a:tr h="4165664">
                 <a:tc>
@@ -10325,7 +10360,7 @@
                     <a:p>
                       <a:pPr algn="just"/>
                       <a:r>
-                        <a:rPr lang="en-US" sz="2000" b="0" dirty="0" smtClean="0">
+                        <a:rPr lang="en-US" sz="2000" b="0" dirty="0">
                           <a:latin typeface="Times New Roman" pitchFamily="18" charset="0"/>
                           <a:cs typeface="Times New Roman" pitchFamily="18" charset="0"/>
                         </a:rPr>
@@ -10335,7 +10370,7 @@
                     <a:p>
                       <a:pPr algn="just"/>
                       <a:r>
-                        <a:rPr lang="en-US" sz="2000" b="0" dirty="0" smtClean="0">
+                        <a:rPr lang="en-US" sz="2000" b="0" dirty="0">
                           <a:latin typeface="Times New Roman" pitchFamily="18" charset="0"/>
                           <a:cs typeface="Times New Roman" pitchFamily="18" charset="0"/>
                         </a:rPr>
@@ -10356,14 +10391,14 @@
                     <a:p>
                       <a:pPr algn="just"/>
                       <a:r>
-                        <a:rPr lang="en-IN" sz="2000" b="0" dirty="0" err="1" smtClean="0">
+                        <a:rPr lang="en-IN" sz="2000" b="0" dirty="0" err="1">
                           <a:latin typeface="Times New Roman" pitchFamily="18" charset="0"/>
                           <a:cs typeface="Times New Roman" pitchFamily="18" charset="0"/>
                         </a:rPr>
                         <a:t>Aanis</a:t>
                       </a:r>
                       <a:r>
-                        <a:rPr lang="en-IN" sz="2000" b="0" dirty="0" smtClean="0">
+                        <a:rPr lang="en-IN" sz="2000" b="0" dirty="0">
                           <a:latin typeface="Times New Roman" pitchFamily="18" charset="0"/>
                           <a:cs typeface="Times New Roman" pitchFamily="18" charset="0"/>
                         </a:rPr>
@@ -10373,60 +10408,77 @@
                     <a:p>
                       <a:pPr algn="just"/>
                       <a:r>
-                        <a:rPr lang="en-IN" sz="2000" b="0" dirty="0" err="1" smtClean="0">
+                        <a:rPr lang="en-IN" sz="2000" b="0" dirty="0" err="1">
                           <a:latin typeface="Times New Roman" pitchFamily="18" charset="0"/>
                           <a:cs typeface="Times New Roman" pitchFamily="18" charset="0"/>
                         </a:rPr>
                         <a:t>Dharmendra</a:t>
                       </a:r>
                       <a:r>
-                        <a:rPr lang="en-IN" sz="2000" b="0" baseline="0" dirty="0" smtClean="0">
+                        <a:rPr lang="en-IN" sz="2000" b="0" baseline="0" dirty="0">
                           <a:latin typeface="Times New Roman" pitchFamily="18" charset="0"/>
                           <a:cs typeface="Times New Roman" pitchFamily="18" charset="0"/>
                         </a:rPr>
                         <a:t> </a:t>
                       </a:r>
                       <a:r>
-                        <a:rPr lang="en-IN" sz="2000" b="0" dirty="0" err="1" smtClean="0">
+                        <a:rPr lang="en-IN" sz="2000" b="0" dirty="0" err="1">
                           <a:latin typeface="Times New Roman" pitchFamily="18" charset="0"/>
                           <a:cs typeface="Times New Roman" pitchFamily="18" charset="0"/>
                         </a:rPr>
                         <a:t>Saraswat</a:t>
                       </a:r>
                       <a:r>
-                        <a:rPr lang="en-IN" sz="2000" b="0" dirty="0" smtClean="0">
+                        <a:rPr lang="en-IN" sz="2000" b="0" dirty="0">
                           <a:latin typeface="Times New Roman" pitchFamily="18" charset="0"/>
                           <a:cs typeface="Times New Roman" pitchFamily="18" charset="0"/>
                         </a:rPr>
                         <a:t>,  A</a:t>
                       </a:r>
                       <a:r>
-                        <a:rPr lang="en-IN" sz="2000" b="0" baseline="0" dirty="0" smtClean="0">
+                        <a:rPr lang="en-IN" sz="2000" b="0" baseline="0" dirty="0">
                           <a:latin typeface="Times New Roman" pitchFamily="18" charset="0"/>
                           <a:cs typeface="Times New Roman" pitchFamily="18" charset="0"/>
                         </a:rPr>
                         <a:t> </a:t>
                       </a:r>
                       <a:r>
-                        <a:rPr lang="en-IN" sz="2000" b="0" dirty="0" smtClean="0">
+                        <a:rPr lang="en-IN" sz="2000" b="0" dirty="0">
                           <a:latin typeface="Times New Roman" pitchFamily="18" charset="0"/>
                           <a:cs typeface="Times New Roman" pitchFamily="18" charset="0"/>
                         </a:rPr>
                         <a:t>El </a:t>
                       </a:r>
                       <a:r>
-                        <a:rPr lang="en-IN" sz="2000" b="0" dirty="0" err="1" smtClean="0">
+                        <a:rPr lang="en-IN" sz="2000" b="0" dirty="0" err="1">
                           <a:latin typeface="Times New Roman" pitchFamily="18" charset="0"/>
                           <a:cs typeface="Times New Roman" pitchFamily="18" charset="0"/>
                         </a:rPr>
                         <a:t>Gamal</a:t>
                       </a:r>
                       <a:r>
-                        <a:rPr lang="en-IN" sz="2000" b="0" dirty="0" smtClean="0">
+                        <a:rPr lang="en-IN" sz="2000" b="0" dirty="0">
                           <a:latin typeface="Times New Roman" pitchFamily="18" charset="0"/>
                           <a:cs typeface="Times New Roman" pitchFamily="18" charset="0"/>
                         </a:rPr>
                         <a:t> </a:t>
+                      </a:r>
+                    </a:p>
+                  </a:txBody>
+                  <a:tcPr/>
+                </a:tc>
+                <a:tc>
+                  <a:txBody>
+                    <a:bodyPr/>
+                    <a:lstStyle/>
+                    <a:p>
+                      <a:pPr algn="just"/>
+                      <a:r>
+                        <a:rPr lang="en-US" sz="2000" b="0" dirty="0">
+                          <a:latin typeface="Times New Roman" pitchFamily="18" charset="0"/>
+                          <a:cs typeface="Times New Roman" pitchFamily="18" charset="0"/>
+                        </a:rPr>
+                        <a:t>2023</a:t>
                       </a:r>
                       <a:endParaRPr lang="en-IN" sz="2000" b="0" dirty="0">
                         <a:latin typeface="Times New Roman" pitchFamily="18" charset="0"/>
@@ -10443,11 +10495,25 @@
                     <a:p>
                       <a:pPr algn="just"/>
                       <a:r>
-                        <a:rPr lang="en-US" sz="2000" b="0" dirty="0" smtClean="0">
-                          <a:latin typeface="Times New Roman" pitchFamily="18" charset="0"/>
-                          <a:cs typeface="Times New Roman" pitchFamily="18" charset="0"/>
-                        </a:rPr>
-                        <a:t>2023</a:t>
+                        <a:rPr lang="en-US" sz="2000" dirty="0">
+                          <a:latin typeface="Times New Roman" pitchFamily="18" charset="0"/>
+                          <a:cs typeface="Times New Roman" pitchFamily="18" charset="0"/>
+                        </a:rPr>
+                        <a:t>This study presents a comprehensive overview of 70 studies on deep learning applications and the trends associated with their use for disease diagnosis and management in agriculture. The studies were sourced from four indexing services, namely Scopus, IEEE </a:t>
+                      </a:r>
+                      <a:r>
+                        <a:rPr lang="en-US" sz="2000" dirty="0" err="1">
+                          <a:latin typeface="Times New Roman" pitchFamily="18" charset="0"/>
+                          <a:cs typeface="Times New Roman" pitchFamily="18" charset="0"/>
+                        </a:rPr>
+                        <a:t>Xplore</a:t>
+                      </a:r>
+                      <a:r>
+                        <a:rPr lang="en-US" sz="2000" dirty="0">
+                          <a:latin typeface="Times New Roman" pitchFamily="18" charset="0"/>
+                          <a:cs typeface="Times New Roman" pitchFamily="18" charset="0"/>
+                        </a:rPr>
+                        <a:t>, Science Direct, and Google Scholar, and 11 main keywords used were Plant Diseases, Precision Agriculture, Unmanned Aerial System (UAS), Imagery Datasets, Image Processing, Machine Learning, Deep Learning, Transfer Learning, Image Classification, Object Detection, and Semantic Segmentation. </a:t>
                       </a:r>
                       <a:endParaRPr lang="en-IN" sz="2000" b="0" dirty="0">
                         <a:latin typeface="Times New Roman" pitchFamily="18" charset="0"/>
@@ -10457,41 +10523,11 @@
                   </a:txBody>
                   <a:tcPr/>
                 </a:tc>
-                <a:tc>
-                  <a:txBody>
-                    <a:bodyPr/>
-                    <a:lstStyle/>
-                    <a:p>
-                      <a:pPr algn="just"/>
-                      <a:r>
-                        <a:rPr lang="en-US" sz="2000" dirty="0" smtClean="0">
-                          <a:latin typeface="Times New Roman" pitchFamily="18" charset="0"/>
-                          <a:cs typeface="Times New Roman" pitchFamily="18" charset="0"/>
-                        </a:rPr>
-                        <a:t>This study presents a comprehensive overview of 70 studies on deep learning applications and the trends associated with their use for disease diagnosis and management in agriculture. The studies were sourced from four indexing services, namely Scopus, IEEE </a:t>
-                      </a:r>
-                      <a:r>
-                        <a:rPr lang="en-US" sz="2000" dirty="0" err="1" smtClean="0">
-                          <a:latin typeface="Times New Roman" pitchFamily="18" charset="0"/>
-                          <a:cs typeface="Times New Roman" pitchFamily="18" charset="0"/>
-                        </a:rPr>
-                        <a:t>Xplore</a:t>
-                      </a:r>
-                      <a:r>
-                        <a:rPr lang="en-US" sz="2000" dirty="0" smtClean="0">
-                          <a:latin typeface="Times New Roman" pitchFamily="18" charset="0"/>
-                          <a:cs typeface="Times New Roman" pitchFamily="18" charset="0"/>
-                        </a:rPr>
-                        <a:t>, Science Direct, and Google Scholar, and 11 main keywords used were Plant Diseases, Precision Agriculture, Unmanned Aerial System (UAS), Imagery Datasets, Image Processing, Machine Learning, Deep Learning, Transfer Learning, Image Classification, Object Detection, and Semantic Segmentation. </a:t>
-                      </a:r>
-                      <a:endParaRPr lang="en-IN" sz="2000" b="0" dirty="0">
-                        <a:latin typeface="Times New Roman" pitchFamily="18" charset="0"/>
-                        <a:cs typeface="Times New Roman" pitchFamily="18" charset="0"/>
-                      </a:endParaRPr>
-                    </a:p>
-                  </a:txBody>
-                  <a:tcPr/>
-                </a:tc>
+                <a:extLst>
+                  <a:ext uri="{0D108BD9-81ED-4DB2-BD59-A6C34878D82A}">
+                    <a16:rowId xmlns:a16="http://schemas.microsoft.com/office/drawing/2014/main" val="10001"/>
+                  </a:ext>
+                </a:extLst>
               </a:tr>
             </a:tbl>
           </a:graphicData>
@@ -10543,13 +10579,13 @@
           <a:lstStyle/>
           <a:p>
             <a:r>
-              <a:rPr lang="en-US" b="1" dirty="0" smtClean="0">
+              <a:rPr lang="en-US" b="1" u="sng" dirty="0">
                 <a:latin typeface="Times New Roman" pitchFamily="18" charset="0"/>
                 <a:cs typeface="Times New Roman" pitchFamily="18" charset="0"/>
               </a:rPr>
               <a:t>Literature Survey-4</a:t>
             </a:r>
-            <a:endParaRPr lang="en-IN" b="1" dirty="0">
+            <a:endParaRPr lang="en-IN" b="1" u="sng" dirty="0">
               <a:latin typeface="Times New Roman" pitchFamily="18" charset="0"/>
               <a:cs typeface="Times New Roman" pitchFamily="18" charset="0"/>
             </a:endParaRPr>
@@ -10582,10 +10618,34 @@
                 <a:tableStyleId>{5C22544A-7EE6-4342-B048-85BDC9FD1C3A}</a:tableStyleId>
               </a:tblPr>
               <a:tblGrid>
-                <a:gridCol w="2592288"/>
-                <a:gridCol w="2448272"/>
-                <a:gridCol w="1584176"/>
-                <a:gridCol w="4824536"/>
+                <a:gridCol w="2592288">
+                  <a:extLst>
+                    <a:ext uri="{9D8B030D-6E8A-4147-A177-3AD203B41FA5}">
+                      <a16:colId xmlns:a16="http://schemas.microsoft.com/office/drawing/2014/main" val="20000"/>
+                    </a:ext>
+                  </a:extLst>
+                </a:gridCol>
+                <a:gridCol w="2448272">
+                  <a:extLst>
+                    <a:ext uri="{9D8B030D-6E8A-4147-A177-3AD203B41FA5}">
+                      <a16:colId xmlns:a16="http://schemas.microsoft.com/office/drawing/2014/main" val="20001"/>
+                    </a:ext>
+                  </a:extLst>
+                </a:gridCol>
+                <a:gridCol w="1584176">
+                  <a:extLst>
+                    <a:ext uri="{9D8B030D-6E8A-4147-A177-3AD203B41FA5}">
+                      <a16:colId xmlns:a16="http://schemas.microsoft.com/office/drawing/2014/main" val="20002"/>
+                    </a:ext>
+                  </a:extLst>
+                </a:gridCol>
+                <a:gridCol w="4824536">
+                  <a:extLst>
+                    <a:ext uri="{9D8B030D-6E8A-4147-A177-3AD203B41FA5}">
+                      <a16:colId xmlns:a16="http://schemas.microsoft.com/office/drawing/2014/main" val="20003"/>
+                    </a:ext>
+                  </a:extLst>
+                </a:gridCol>
               </a:tblGrid>
               <a:tr h="648072">
                 <a:tc>
@@ -10595,7 +10655,7 @@
                     <a:p>
                       <a:pPr algn="ctr"/>
                       <a:r>
-                        <a:rPr lang="en-US" sz="3200" dirty="0" smtClean="0">
+                        <a:rPr lang="en-US" sz="3200" dirty="0">
                           <a:latin typeface="Times New Roman" pitchFamily="18" charset="0"/>
                           <a:cs typeface="Times New Roman" pitchFamily="18" charset="0"/>
                         </a:rPr>
@@ -10616,7 +10676,7 @@
                     <a:p>
                       <a:pPr algn="ctr"/>
                       <a:r>
-                        <a:rPr lang="en-US" sz="3200" dirty="0" smtClean="0">
+                        <a:rPr lang="en-US" sz="3200" dirty="0">
                           <a:latin typeface="Times New Roman" pitchFamily="18" charset="0"/>
                           <a:cs typeface="Times New Roman" pitchFamily="18" charset="0"/>
                         </a:rPr>
@@ -10637,7 +10697,7 @@
                     <a:p>
                       <a:pPr algn="ctr"/>
                       <a:r>
-                        <a:rPr lang="en-US" sz="3200" dirty="0" smtClean="0">
+                        <a:rPr lang="en-US" sz="3200" dirty="0">
                           <a:latin typeface="Times New Roman" pitchFamily="18" charset="0"/>
                           <a:cs typeface="Times New Roman" pitchFamily="18" charset="0"/>
                         </a:rPr>
@@ -10658,7 +10718,7 @@
                     <a:p>
                       <a:pPr algn="ctr"/>
                       <a:r>
-                        <a:rPr lang="en-US" sz="3200" dirty="0" smtClean="0">
+                        <a:rPr lang="en-US" sz="3200" dirty="0">
                           <a:latin typeface="Times New Roman" pitchFamily="18" charset="0"/>
                           <a:cs typeface="Times New Roman" pitchFamily="18" charset="0"/>
                         </a:rPr>
@@ -10672,6 +10732,11 @@
                   </a:txBody>
                   <a:tcPr/>
                 </a:tc>
+                <a:extLst>
+                  <a:ext uri="{0D108BD9-81ED-4DB2-BD59-A6C34878D82A}">
+                    <a16:rowId xmlns:a16="http://schemas.microsoft.com/office/drawing/2014/main" val="10000"/>
+                  </a:ext>
+                </a:extLst>
               </a:tr>
               <a:tr h="4165664">
                 <a:tc>
@@ -10697,7 +10762,7 @@
                         <a:defRPr/>
                       </a:pPr>
                       <a:r>
-                        <a:rPr lang="en-IN" sz="2000" b="0" dirty="0" smtClean="0">
+                        <a:rPr lang="en-IN" sz="2000" b="0" dirty="0">
                           <a:latin typeface="Times New Roman" pitchFamily="18" charset="0"/>
                           <a:cs typeface="Times New Roman" pitchFamily="18" charset="0"/>
                         </a:rPr>
@@ -10721,49 +10786,49 @@
                     <a:p>
                       <a:pPr algn="just"/>
                       <a:r>
-                        <a:rPr lang="en-IN" sz="2000" b="0" dirty="0" err="1" smtClean="0">
+                        <a:rPr lang="en-IN" sz="2000" b="0" dirty="0" err="1">
                           <a:latin typeface="Times New Roman" pitchFamily="18" charset="0"/>
                           <a:cs typeface="Times New Roman" pitchFamily="18" charset="0"/>
                         </a:rPr>
                         <a:t>Karthik</a:t>
                       </a:r>
                       <a:r>
-                        <a:rPr lang="en-IN" sz="2000" b="0" dirty="0" smtClean="0">
+                        <a:rPr lang="en-IN" sz="2000" b="0" dirty="0">
                           <a:latin typeface="Times New Roman" pitchFamily="18" charset="0"/>
                           <a:cs typeface="Times New Roman" pitchFamily="18" charset="0"/>
                         </a:rPr>
                         <a:t> R. , </a:t>
                       </a:r>
                       <a:r>
-                        <a:rPr lang="en-IN" sz="2000" b="0" dirty="0" err="1" smtClean="0">
+                        <a:rPr lang="en-IN" sz="2000" b="0" dirty="0" err="1">
                           <a:latin typeface="Times New Roman" pitchFamily="18" charset="0"/>
                           <a:cs typeface="Times New Roman" pitchFamily="18" charset="0"/>
                         </a:rPr>
                         <a:t>Hariharan</a:t>
                       </a:r>
                       <a:r>
-                        <a:rPr lang="en-IN" sz="2000" b="0" dirty="0" smtClean="0">
+                        <a:rPr lang="en-IN" sz="2000" b="0" dirty="0">
                           <a:latin typeface="Times New Roman" pitchFamily="18" charset="0"/>
                           <a:cs typeface="Times New Roman" pitchFamily="18" charset="0"/>
                         </a:rPr>
                         <a:t> M. , </a:t>
                       </a:r>
                       <a:r>
-                        <a:rPr lang="en-IN" sz="2000" b="0" dirty="0" err="1" smtClean="0">
+                        <a:rPr lang="en-IN" sz="2000" b="0" dirty="0" err="1">
                           <a:latin typeface="Times New Roman" pitchFamily="18" charset="0"/>
                           <a:cs typeface="Times New Roman" pitchFamily="18" charset="0"/>
                         </a:rPr>
                         <a:t>Sundar</a:t>
                       </a:r>
                       <a:r>
-                        <a:rPr lang="en-IN" sz="2000" b="0" dirty="0" smtClean="0">
+                        <a:rPr lang="en-IN" sz="2000" b="0" dirty="0">
                           <a:latin typeface="Times New Roman" pitchFamily="18" charset="0"/>
                           <a:cs typeface="Times New Roman" pitchFamily="18" charset="0"/>
                         </a:rPr>
                         <a:t> </a:t>
                       </a:r>
                       <a:r>
-                        <a:rPr lang="en-IN" sz="2000" b="0" dirty="0" err="1" smtClean="0">
+                        <a:rPr lang="en-IN" sz="2000" b="0" dirty="0" err="1">
                           <a:latin typeface="Times New Roman" pitchFamily="18" charset="0"/>
                           <a:cs typeface="Times New Roman" pitchFamily="18" charset="0"/>
                         </a:rPr>
@@ -10784,7 +10849,7 @@
                     <a:p>
                       <a:pPr algn="just"/>
                       <a:r>
-                        <a:rPr lang="en-US" sz="2000" b="0" dirty="0" smtClean="0">
+                        <a:rPr lang="en-US" sz="2000" b="0" dirty="0">
                           <a:latin typeface="Times New Roman" pitchFamily="18" charset="0"/>
                           <a:cs typeface="Times New Roman" pitchFamily="18" charset="0"/>
                         </a:rPr>
@@ -10805,7 +10870,7 @@
                     <a:p>
                       <a:pPr algn="just"/>
                       <a:r>
-                        <a:rPr lang="en-US" sz="2000" b="0" dirty="0" smtClean="0">
+                        <a:rPr lang="en-US" sz="2000" b="0" dirty="0">
                           <a:latin typeface="Times New Roman" pitchFamily="18" charset="0"/>
                           <a:cs typeface="Times New Roman" pitchFamily="18" charset="0"/>
                         </a:rPr>
@@ -10819,6 +10884,11 @@
                   </a:txBody>
                   <a:tcPr/>
                 </a:tc>
+                <a:extLst>
+                  <a:ext uri="{0D108BD9-81ED-4DB2-BD59-A6C34878D82A}">
+                    <a16:rowId xmlns:a16="http://schemas.microsoft.com/office/drawing/2014/main" val="10001"/>
+                  </a:ext>
+                </a:extLst>
               </a:tr>
             </a:tbl>
           </a:graphicData>
